--- a/documents/presentations/spring.pptx
+++ b/documents/presentations/spring.pptx
@@ -26,13 +26,14 @@
     <p:sldId id="271" r:id="rId20"/>
     <p:sldId id="272" r:id="rId21"/>
     <p:sldId id="273" r:id="rId22"/>
+    <p:sldId id="274" r:id="rId23"/>
   </p:sldIdLst>
   <p:sldSz cy="6858000" cx="12192000"/>
   <p:notesSz cx="6858000" cy="9144000"/>
   <p:embeddedFontLst>
     <p:embeddedFont>
       <p:font typeface="Questrial"/>
-      <p:regular r:id="rId23"/>
+      <p:regular r:id="rId24"/>
     </p:embeddedFont>
   </p:embeddedFontLst>
   <p:defaultTextStyle>
@@ -440,9 +441,9 @@
               <a:buNone/>
             </a:pPr>
             <a:r>
-              <a:t/>
+              <a:rPr lang="en-US" sz="1100"/>
+              <a:t>Josh</a:t>
             </a:r>
-            <a:endParaRPr/>
           </a:p>
         </p:txBody>
       </p:sp>
@@ -493,7 +494,7 @@
   <p:cSld>
     <p:spTree>
       <p:nvGrpSpPr>
-        <p:cNvPr id="171" name="Shape 171"/>
+        <p:cNvPr id="136" name="Shape 136"/>
         <p:cNvGrpSpPr/>
         <p:nvPr/>
       </p:nvGrpSpPr>
@@ -507,7 +508,7 @@
       </p:grpSpPr>
       <p:sp>
         <p:nvSpPr>
-          <p:cNvPr id="172" name="Shape 172"/>
+          <p:cNvPr id="137" name="Shape 137"/>
           <p:cNvSpPr/>
           <p:nvPr>
             <p:ph idx="2" type="sldImg"/>
@@ -541,7 +542,7 @@
       </p:sp>
       <p:sp>
         <p:nvSpPr>
-          <p:cNvPr id="173" name="Shape 173"/>
+          <p:cNvPr id="138" name="Shape 138"/>
           <p:cNvSpPr txBox="1"/>
           <p:nvPr>
             <p:ph idx="1" type="body"/>
@@ -569,9 +570,21 @@
               <a:buNone/>
             </a:pPr>
             <a:r>
-              <a:t/>
+              <a:rPr lang="en-US"/>
+              <a:t>Josh</a:t>
             </a:r>
-            <a:endParaRPr/>
+          </a:p>
+          <a:p>
+            <a:pPr lvl="0">
+              <a:spcBef>
+                <a:spcPts val="0"/>
+              </a:spcBef>
+              <a:buNone/>
+            </a:pPr>
+            <a:r>
+              <a:rPr lang="en-US"/>
+              <a:t>Mention the agility of git as well as the effect git had on our agility.</a:t>
+            </a:r>
           </a:p>
         </p:txBody>
       </p:sp>
@@ -588,7 +601,7 @@
   <p:cSld>
     <p:spTree>
       <p:nvGrpSpPr>
-        <p:cNvPr id="177" name="Shape 177"/>
+        <p:cNvPr id="142" name="Shape 142"/>
         <p:cNvGrpSpPr/>
         <p:nvPr/>
       </p:nvGrpSpPr>
@@ -602,7 +615,7 @@
       </p:grpSpPr>
       <p:sp>
         <p:nvSpPr>
-          <p:cNvPr id="178" name="Shape 178"/>
+          <p:cNvPr id="143" name="Shape 143"/>
           <p:cNvSpPr/>
           <p:nvPr>
             <p:ph idx="2" type="sldImg"/>
@@ -636,7 +649,7 @@
       </p:sp>
       <p:sp>
         <p:nvSpPr>
-          <p:cNvPr id="179" name="Shape 179"/>
+          <p:cNvPr id="144" name="Shape 144"/>
           <p:cNvSpPr txBox="1"/>
           <p:nvPr>
             <p:ph idx="1" type="body"/>
@@ -665,7 +678,7 @@
             </a:pPr>
             <a:r>
               <a:rPr lang="en-US"/>
-              <a:t>Mention the agility of git as well as the effect git had on our agility.</a:t>
+              <a:t>Josh</a:t>
             </a:r>
           </a:p>
         </p:txBody>
@@ -683,7 +696,7 @@
   <p:cSld>
     <p:spTree>
       <p:nvGrpSpPr>
-        <p:cNvPr id="183" name="Shape 183"/>
+        <p:cNvPr id="150" name="Shape 150"/>
         <p:cNvGrpSpPr/>
         <p:nvPr/>
       </p:nvGrpSpPr>
@@ -697,7 +710,7 @@
       </p:grpSpPr>
       <p:sp>
         <p:nvSpPr>
-          <p:cNvPr id="184" name="Shape 184"/>
+          <p:cNvPr id="151" name="Shape 151"/>
           <p:cNvSpPr/>
           <p:nvPr>
             <p:ph idx="2" type="sldImg"/>
@@ -731,7 +744,7 @@
       </p:sp>
       <p:sp>
         <p:nvSpPr>
-          <p:cNvPr id="185" name="Shape 185"/>
+          <p:cNvPr id="152" name="Shape 152"/>
           <p:cNvSpPr txBox="1"/>
           <p:nvPr>
             <p:ph idx="1" type="body"/>
@@ -759,9 +772,9 @@
               <a:buNone/>
             </a:pPr>
             <a:r>
-              <a:t/>
+              <a:rPr lang="en-US"/>
+              <a:t>Josh</a:t>
             </a:r>
-            <a:endParaRPr/>
           </a:p>
         </p:txBody>
       </p:sp>
@@ -778,7 +791,7 @@
   <p:cSld>
     <p:spTree>
       <p:nvGrpSpPr>
-        <p:cNvPr id="189" name="Shape 189"/>
+        <p:cNvPr id="156" name="Shape 156"/>
         <p:cNvGrpSpPr/>
         <p:nvPr/>
       </p:nvGrpSpPr>
@@ -792,7 +805,7 @@
       </p:grpSpPr>
       <p:sp>
         <p:nvSpPr>
-          <p:cNvPr id="190" name="Shape 190"/>
+          <p:cNvPr id="157" name="Shape 157"/>
           <p:cNvSpPr/>
           <p:nvPr>
             <p:ph idx="2" type="sldImg"/>
@@ -826,7 +839,7 @@
       </p:sp>
       <p:sp>
         <p:nvSpPr>
-          <p:cNvPr id="191" name="Shape 191"/>
+          <p:cNvPr id="158" name="Shape 158"/>
           <p:cNvSpPr txBox="1"/>
           <p:nvPr>
             <p:ph idx="1" type="body"/>
@@ -854,9 +867,9 @@
               <a:buNone/>
             </a:pPr>
             <a:r>
-              <a:t/>
+              <a:rPr lang="en-US"/>
+              <a:t>Josh</a:t>
             </a:r>
-            <a:endParaRPr/>
           </a:p>
         </p:txBody>
       </p:sp>
@@ -873,7 +886,7 @@
   <p:cSld>
     <p:spTree>
       <p:nvGrpSpPr>
-        <p:cNvPr id="194" name="Shape 194"/>
+        <p:cNvPr id="162" name="Shape 162"/>
         <p:cNvGrpSpPr/>
         <p:nvPr/>
       </p:nvGrpSpPr>
@@ -887,7 +900,7 @@
       </p:grpSpPr>
       <p:sp>
         <p:nvSpPr>
-          <p:cNvPr id="195" name="Shape 195"/>
+          <p:cNvPr id="163" name="Shape 163"/>
           <p:cNvSpPr/>
           <p:nvPr>
             <p:ph idx="2" type="sldImg"/>
@@ -921,7 +934,7 @@
       </p:sp>
       <p:sp>
         <p:nvSpPr>
-          <p:cNvPr id="196" name="Shape 196"/>
+          <p:cNvPr id="164" name="Shape 164"/>
           <p:cNvSpPr txBox="1"/>
           <p:nvPr>
             <p:ph idx="1" type="body"/>
@@ -949,9 +962,9 @@
               <a:buNone/>
             </a:pPr>
             <a:r>
-              <a:t/>
+              <a:rPr lang="en-US"/>
+              <a:t>Evan</a:t>
             </a:r>
-            <a:endParaRPr/>
           </a:p>
         </p:txBody>
       </p:sp>
@@ -968,7 +981,7 @@
   <p:cSld>
     <p:spTree>
       <p:nvGrpSpPr>
-        <p:cNvPr id="200" name="Shape 200"/>
+        <p:cNvPr id="170" name="Shape 170"/>
         <p:cNvGrpSpPr/>
         <p:nvPr/>
       </p:nvGrpSpPr>
@@ -982,7 +995,7 @@
       </p:grpSpPr>
       <p:sp>
         <p:nvSpPr>
-          <p:cNvPr id="201" name="Shape 201"/>
+          <p:cNvPr id="171" name="Shape 171"/>
           <p:cNvSpPr/>
           <p:nvPr>
             <p:ph idx="2" type="sldImg"/>
@@ -1016,7 +1029,7 @@
       </p:sp>
       <p:sp>
         <p:nvSpPr>
-          <p:cNvPr id="202" name="Shape 202"/>
+          <p:cNvPr id="172" name="Shape 172"/>
           <p:cNvSpPr txBox="1"/>
           <p:nvPr>
             <p:ph idx="1" type="body"/>
@@ -1044,9 +1057,9 @@
               <a:buNone/>
             </a:pPr>
             <a:r>
-              <a:t/>
+              <a:rPr lang="en-US"/>
+              <a:t>Evan</a:t>
             </a:r>
-            <a:endParaRPr/>
           </a:p>
         </p:txBody>
       </p:sp>
@@ -1063,7 +1076,7 @@
   <p:cSld>
     <p:spTree>
       <p:nvGrpSpPr>
-        <p:cNvPr id="205" name="Shape 205"/>
+        <p:cNvPr id="176" name="Shape 176"/>
         <p:cNvGrpSpPr/>
         <p:nvPr/>
       </p:nvGrpSpPr>
@@ -1077,7 +1090,7 @@
       </p:grpSpPr>
       <p:sp>
         <p:nvSpPr>
-          <p:cNvPr id="206" name="Shape 206"/>
+          <p:cNvPr id="177" name="Shape 177"/>
           <p:cNvSpPr/>
           <p:nvPr>
             <p:ph idx="2" type="sldImg"/>
@@ -1111,7 +1124,7 @@
       </p:sp>
       <p:sp>
         <p:nvSpPr>
-          <p:cNvPr id="207" name="Shape 207"/>
+          <p:cNvPr id="178" name="Shape 178"/>
           <p:cNvSpPr txBox="1"/>
           <p:nvPr>
             <p:ph idx="1" type="body"/>
@@ -1139,9 +1152,9 @@
               <a:buNone/>
             </a:pPr>
             <a:r>
-              <a:t/>
+              <a:rPr lang="en-US"/>
+              <a:t>Josh</a:t>
             </a:r>
-            <a:endParaRPr/>
           </a:p>
         </p:txBody>
       </p:sp>
@@ -1158,7 +1171,7 @@
   <p:cSld>
     <p:spTree>
       <p:nvGrpSpPr>
-        <p:cNvPr id="210" name="Shape 210"/>
+        <p:cNvPr id="181" name="Shape 181"/>
         <p:cNvGrpSpPr/>
         <p:nvPr/>
       </p:nvGrpSpPr>
@@ -1172,7 +1185,7 @@
       </p:grpSpPr>
       <p:sp>
         <p:nvSpPr>
-          <p:cNvPr id="211" name="Shape 211"/>
+          <p:cNvPr id="182" name="Shape 182"/>
           <p:cNvSpPr/>
           <p:nvPr>
             <p:ph idx="2" type="sldImg"/>
@@ -1206,7 +1219,7 @@
       </p:sp>
       <p:sp>
         <p:nvSpPr>
-          <p:cNvPr id="212" name="Shape 212"/>
+          <p:cNvPr id="183" name="Shape 183"/>
           <p:cNvSpPr txBox="1"/>
           <p:nvPr>
             <p:ph idx="1" type="body"/>
@@ -1234,9 +1247,9 @@
               <a:buNone/>
             </a:pPr>
             <a:r>
-              <a:t/>
+              <a:rPr lang="en-US"/>
+              <a:t>Josh</a:t>
             </a:r>
-            <a:endParaRPr/>
           </a:p>
         </p:txBody>
       </p:sp>
@@ -1253,7 +1266,7 @@
   <p:cSld>
     <p:spTree>
       <p:nvGrpSpPr>
-        <p:cNvPr id="216" name="Shape 216"/>
+        <p:cNvPr id="187" name="Shape 187"/>
         <p:cNvGrpSpPr/>
         <p:nvPr/>
       </p:nvGrpSpPr>
@@ -1267,7 +1280,7 @@
       </p:grpSpPr>
       <p:sp>
         <p:nvSpPr>
-          <p:cNvPr id="217" name="Shape 217"/>
+          <p:cNvPr id="188" name="Shape 188"/>
           <p:cNvSpPr/>
           <p:nvPr>
             <p:ph idx="2" type="sldImg"/>
@@ -1301,7 +1314,7 @@
       </p:sp>
       <p:sp>
         <p:nvSpPr>
-          <p:cNvPr id="218" name="Shape 218"/>
+          <p:cNvPr id="189" name="Shape 189"/>
           <p:cNvSpPr txBox="1"/>
           <p:nvPr>
             <p:ph idx="1" type="body"/>
@@ -1329,9 +1342,104 @@
               <a:buNone/>
             </a:pPr>
             <a:r>
-              <a:t/>
+              <a:rPr lang="en-US"/>
+              <a:t>Evan</a:t>
             </a:r>
-            <a:endParaRPr/>
+          </a:p>
+        </p:txBody>
+      </p:sp>
+    </p:spTree>
+  </p:cSld>
+  <p:clrMapOvr>
+    <a:masterClrMapping/>
+  </p:clrMapOvr>
+</p:notes>
+</file>
+
+<file path=ppt/notesSlides/notesSlide19.xml><?xml version="1.0" encoding="utf-8"?>
+<p:notes xmlns:a="http://schemas.openxmlformats.org/drawingml/2006/main" xmlns:r="http://schemas.openxmlformats.org/officeDocument/2006/relationships" xmlns:mc="http://schemas.openxmlformats.org/markup-compatibility/2006" xmlns:mv="urn:schemas-microsoft-com:mac:vml" xmlns:p="http://schemas.openxmlformats.org/presentationml/2006/main" xmlns:c="http://schemas.openxmlformats.org/drawingml/2006/chart" xmlns:dgm="http://schemas.openxmlformats.org/drawingml/2006/diagram" xmlns:o="urn:schemas-microsoft-com:office:office" xmlns:v="urn:schemas-microsoft-com:vml" xmlns:pvml="urn:schemas-microsoft-com:office:powerpoint" xmlns:com="http://schemas.openxmlformats.org/drawingml/2006/compatibility" xmlns:p14="http://schemas.microsoft.com/office/powerpoint/2010/main" showMasterPhAnim="0" showMasterSp="0">
+  <p:cSld>
+    <p:spTree>
+      <p:nvGrpSpPr>
+        <p:cNvPr id="193" name="Shape 193"/>
+        <p:cNvGrpSpPr/>
+        <p:nvPr/>
+      </p:nvGrpSpPr>
+      <p:grpSpPr>
+        <a:xfrm>
+          <a:off x="0" y="0"/>
+          <a:ext cx="0" cy="0"/>
+          <a:chOff x="0" y="0"/>
+          <a:chExt cx="0" cy="0"/>
+        </a:xfrm>
+      </p:grpSpPr>
+      <p:sp>
+        <p:nvSpPr>
+          <p:cNvPr id="194" name="Shape 194"/>
+          <p:cNvSpPr/>
+          <p:nvPr>
+            <p:ph idx="2" type="sldImg"/>
+          </p:nvPr>
+        </p:nvSpPr>
+        <p:spPr>
+          <a:xfrm>
+            <a:off x="1143225" y="685800"/>
+            <a:ext cx="4572300" cy="3429000"/>
+          </a:xfrm>
+          <a:custGeom>
+            <a:pathLst>
+              <a:path extrusionOk="0" h="120000" w="120000">
+                <a:moveTo>
+                  <a:pt x="0" y="0"/>
+                </a:moveTo>
+                <a:lnTo>
+                  <a:pt x="120000" y="0"/>
+                </a:lnTo>
+                <a:lnTo>
+                  <a:pt x="120000" y="120000"/>
+                </a:lnTo>
+                <a:lnTo>
+                  <a:pt x="0" y="120000"/>
+                </a:lnTo>
+                <a:close/>
+              </a:path>
+            </a:pathLst>
+          </a:custGeom>
+        </p:spPr>
+      </p:sp>
+      <p:sp>
+        <p:nvSpPr>
+          <p:cNvPr id="195" name="Shape 195"/>
+          <p:cNvSpPr txBox="1"/>
+          <p:nvPr>
+            <p:ph idx="1" type="body"/>
+          </p:nvPr>
+        </p:nvSpPr>
+        <p:spPr>
+          <a:xfrm>
+            <a:off x="685800" y="4343400"/>
+            <a:ext cx="5486400" cy="4114800"/>
+          </a:xfrm>
+          <a:prstGeom prst="rect">
+            <a:avLst/>
+          </a:prstGeom>
+        </p:spPr>
+        <p:txBody>
+          <a:bodyPr anchorCtr="0" anchor="t" bIns="91425" lIns="91425" rIns="91425" tIns="91425">
+            <a:noAutofit/>
+          </a:bodyPr>
+          <a:lstStyle/>
+          <a:p>
+            <a:pPr lvl="0">
+              <a:spcBef>
+                <a:spcPts val="0"/>
+              </a:spcBef>
+              <a:buNone/>
+            </a:pPr>
+            <a:r>
+              <a:rPr lang="en-US"/>
+              <a:t>Evan</a:t>
+            </a:r>
           </a:p>
         </p:txBody>
       </p:sp>
@@ -1417,16 +1525,16 @@
           </a:bodyPr>
           <a:lstStyle/>
           <a:p>
-            <a:pPr lvl="0">
+            <a:pPr lvl="0" rtl="0">
               <a:spcBef>
                 <a:spcPts val="0"/>
               </a:spcBef>
               <a:buNone/>
             </a:pPr>
             <a:r>
-              <a:t/>
+              <a:rPr lang="en-US"/>
+              <a:t>Evan</a:t>
             </a:r>
-            <a:endParaRPr/>
           </a:p>
         </p:txBody>
       </p:sp>
@@ -1443,7 +1551,7 @@
   <p:cSld>
     <p:spTree>
       <p:nvGrpSpPr>
-        <p:cNvPr id="127" name="Shape 127"/>
+        <p:cNvPr id="92" name="Shape 92"/>
         <p:cNvGrpSpPr/>
         <p:nvPr/>
       </p:nvGrpSpPr>
@@ -1457,7 +1565,7 @@
       </p:grpSpPr>
       <p:sp>
         <p:nvSpPr>
-          <p:cNvPr id="128" name="Shape 128"/>
+          <p:cNvPr id="93" name="Shape 93"/>
           <p:cNvSpPr/>
           <p:nvPr>
             <p:ph idx="2" type="sldImg"/>
@@ -1491,7 +1599,7 @@
       </p:sp>
       <p:sp>
         <p:nvSpPr>
-          <p:cNvPr id="129" name="Shape 129"/>
+          <p:cNvPr id="94" name="Shape 94"/>
           <p:cNvSpPr txBox="1"/>
           <p:nvPr>
             <p:ph idx="1" type="body"/>
@@ -1512,16 +1620,16 @@
           </a:bodyPr>
           <a:lstStyle/>
           <a:p>
-            <a:pPr lvl="0" rtl="0">
+            <a:pPr lvl="0">
               <a:spcBef>
                 <a:spcPts val="0"/>
               </a:spcBef>
               <a:buNone/>
             </a:pPr>
             <a:r>
-              <a:t/>
+              <a:rPr lang="en-US"/>
+              <a:t>Evan</a:t>
             </a:r>
-            <a:endParaRPr/>
           </a:p>
         </p:txBody>
       </p:sp>
@@ -1538,7 +1646,7 @@
   <p:cSld>
     <p:spTree>
       <p:nvGrpSpPr>
-        <p:cNvPr id="133" name="Shape 133"/>
+        <p:cNvPr id="98" name="Shape 98"/>
         <p:cNvGrpSpPr/>
         <p:nvPr/>
       </p:nvGrpSpPr>
@@ -1552,7 +1660,7 @@
       </p:grpSpPr>
       <p:sp>
         <p:nvSpPr>
-          <p:cNvPr id="134" name="Shape 134"/>
+          <p:cNvPr id="99" name="Shape 99"/>
           <p:cNvSpPr/>
           <p:nvPr>
             <p:ph idx="2" type="sldImg"/>
@@ -1586,7 +1694,7 @@
       </p:sp>
       <p:sp>
         <p:nvSpPr>
-          <p:cNvPr id="135" name="Shape 135"/>
+          <p:cNvPr id="100" name="Shape 100"/>
           <p:cNvSpPr txBox="1"/>
           <p:nvPr>
             <p:ph idx="1" type="body"/>
@@ -1614,9 +1722,9 @@
               <a:buNone/>
             </a:pPr>
             <a:r>
-              <a:t/>
+              <a:rPr lang="en-US"/>
+              <a:t>Evan</a:t>
             </a:r>
-            <a:endParaRPr/>
           </a:p>
         </p:txBody>
       </p:sp>
@@ -1633,7 +1741,7 @@
   <p:cSld>
     <p:spTree>
       <p:nvGrpSpPr>
-        <p:cNvPr id="139" name="Shape 139"/>
+        <p:cNvPr id="104" name="Shape 104"/>
         <p:cNvGrpSpPr/>
         <p:nvPr/>
       </p:nvGrpSpPr>
@@ -1647,7 +1755,7 @@
       </p:grpSpPr>
       <p:sp>
         <p:nvSpPr>
-          <p:cNvPr id="140" name="Shape 140"/>
+          <p:cNvPr id="105" name="Shape 105"/>
           <p:cNvSpPr/>
           <p:nvPr>
             <p:ph idx="2" type="sldImg"/>
@@ -1681,7 +1789,7 @@
       </p:sp>
       <p:sp>
         <p:nvSpPr>
-          <p:cNvPr id="141" name="Shape 141"/>
+          <p:cNvPr id="106" name="Shape 106"/>
           <p:cNvSpPr txBox="1"/>
           <p:nvPr>
             <p:ph idx="1" type="body"/>
@@ -1709,9 +1817,9 @@
               <a:buNone/>
             </a:pPr>
             <a:r>
-              <a:t/>
+              <a:rPr lang="en-US"/>
+              <a:t>Evan</a:t>
             </a:r>
-            <a:endParaRPr/>
           </a:p>
         </p:txBody>
       </p:sp>
@@ -1728,7 +1836,7 @@
   <p:cSld>
     <p:spTree>
       <p:nvGrpSpPr>
-        <p:cNvPr id="145" name="Shape 145"/>
+        <p:cNvPr id="113" name="Shape 113"/>
         <p:cNvGrpSpPr/>
         <p:nvPr/>
       </p:nvGrpSpPr>
@@ -1742,7 +1850,7 @@
       </p:grpSpPr>
       <p:sp>
         <p:nvSpPr>
-          <p:cNvPr id="146" name="Shape 146"/>
+          <p:cNvPr id="114" name="Shape 114"/>
           <p:cNvSpPr/>
           <p:nvPr>
             <p:ph idx="2" type="sldImg"/>
@@ -1776,7 +1884,7 @@
       </p:sp>
       <p:sp>
         <p:nvSpPr>
-          <p:cNvPr id="147" name="Shape 147"/>
+          <p:cNvPr id="115" name="Shape 115"/>
           <p:cNvSpPr txBox="1"/>
           <p:nvPr>
             <p:ph idx="1" type="body"/>
@@ -1804,9 +1912,9 @@
               <a:buNone/>
             </a:pPr>
             <a:r>
-              <a:t/>
+              <a:rPr lang="en-US"/>
+              <a:t>Josh</a:t>
             </a:r>
-            <a:endParaRPr/>
           </a:p>
         </p:txBody>
       </p:sp>
@@ -1823,7 +1931,7 @@
   <p:cSld>
     <p:spTree>
       <p:nvGrpSpPr>
-        <p:cNvPr id="154" name="Shape 154"/>
+        <p:cNvPr id="118" name="Shape 118"/>
         <p:cNvGrpSpPr/>
         <p:nvPr/>
       </p:nvGrpSpPr>
@@ -1837,7 +1945,7 @@
       </p:grpSpPr>
       <p:sp>
         <p:nvSpPr>
-          <p:cNvPr id="155" name="Shape 155"/>
+          <p:cNvPr id="119" name="Shape 119"/>
           <p:cNvSpPr/>
           <p:nvPr>
             <p:ph idx="2" type="sldImg"/>
@@ -1871,7 +1979,7 @@
       </p:sp>
       <p:sp>
         <p:nvSpPr>
-          <p:cNvPr id="156" name="Shape 156"/>
+          <p:cNvPr id="120" name="Shape 120"/>
           <p:cNvSpPr txBox="1"/>
           <p:nvPr>
             <p:ph idx="1" type="body"/>
@@ -1899,9 +2007,9 @@
               <a:buNone/>
             </a:pPr>
             <a:r>
-              <a:t/>
+              <a:rPr lang="en-US"/>
+              <a:t>Josh</a:t>
             </a:r>
-            <a:endParaRPr/>
           </a:p>
         </p:txBody>
       </p:sp>
@@ -1918,7 +2026,7 @@
   <p:cSld>
     <p:spTree>
       <p:nvGrpSpPr>
-        <p:cNvPr id="159" name="Shape 159"/>
+        <p:cNvPr id="124" name="Shape 124"/>
         <p:cNvGrpSpPr/>
         <p:nvPr/>
       </p:nvGrpSpPr>
@@ -1932,7 +2040,7 @@
       </p:grpSpPr>
       <p:sp>
         <p:nvSpPr>
-          <p:cNvPr id="160" name="Shape 160"/>
+          <p:cNvPr id="125" name="Shape 125"/>
           <p:cNvSpPr/>
           <p:nvPr>
             <p:ph idx="2" type="sldImg"/>
@@ -1966,7 +2074,7 @@
       </p:sp>
       <p:sp>
         <p:nvSpPr>
-          <p:cNvPr id="161" name="Shape 161"/>
+          <p:cNvPr id="126" name="Shape 126"/>
           <p:cNvSpPr txBox="1"/>
           <p:nvPr>
             <p:ph idx="1" type="body"/>
@@ -1994,9 +2102,9 @@
               <a:buNone/>
             </a:pPr>
             <a:r>
-              <a:t/>
+              <a:rPr lang="en-US"/>
+              <a:t>Evan</a:t>
             </a:r>
-            <a:endParaRPr/>
           </a:p>
         </p:txBody>
       </p:sp>
@@ -2013,7 +2121,7 @@
   <p:cSld>
     <p:spTree>
       <p:nvGrpSpPr>
-        <p:cNvPr id="165" name="Shape 165"/>
+        <p:cNvPr id="130" name="Shape 130"/>
         <p:cNvGrpSpPr/>
         <p:nvPr/>
       </p:nvGrpSpPr>
@@ -2027,7 +2135,7 @@
       </p:grpSpPr>
       <p:sp>
         <p:nvSpPr>
-          <p:cNvPr id="166" name="Shape 166"/>
+          <p:cNvPr id="131" name="Shape 131"/>
           <p:cNvSpPr/>
           <p:nvPr>
             <p:ph idx="2" type="sldImg"/>
@@ -2061,7 +2169,7 @@
       </p:sp>
       <p:sp>
         <p:nvSpPr>
-          <p:cNvPr id="167" name="Shape 167"/>
+          <p:cNvPr id="132" name="Shape 132"/>
           <p:cNvSpPr txBox="1"/>
           <p:nvPr>
             <p:ph idx="1" type="body"/>
@@ -2089,9 +2197,9 @@
               <a:buNone/>
             </a:pPr>
             <a:r>
-              <a:t/>
+              <a:rPr lang="en-US"/>
+              <a:t>Evan</a:t>
             </a:r>
-            <a:endParaRPr/>
           </a:p>
         </p:txBody>
       </p:sp>
@@ -12372,7 +12480,7 @@
   <p:cSld>
     <p:spTree>
       <p:nvGrpSpPr>
-        <p:cNvPr id="174" name="Shape 174"/>
+        <p:cNvPr id="139" name="Shape 139"/>
         <p:cNvGrpSpPr/>
         <p:nvPr/>
       </p:nvGrpSpPr>
@@ -12386,7 +12494,7 @@
       </p:grpSpPr>
       <p:sp>
         <p:nvSpPr>
-          <p:cNvPr id="175" name="Shape 175"/>
+          <p:cNvPr id="140" name="Shape 140"/>
           <p:cNvSpPr txBox="1"/>
           <p:nvPr>
             <p:ph idx="1" type="body"/>
@@ -12407,79 +12515,95 @@
           </a:bodyPr>
           <a:lstStyle/>
           <a:p>
-            <a:pPr indent="-228600" lvl="0" marL="457200" rtl="0">
-              <a:spcBef>
-                <a:spcPts val="0"/>
-              </a:spcBef>
+            <a:pPr indent="-228600" lvl="0" marL="457200" marR="0" rtl="0" algn="l">
+              <a:lnSpc>
+                <a:spcPct val="90000"/>
+              </a:lnSpc>
+              <a:spcBef>
+                <a:spcPts val="1000"/>
+              </a:spcBef>
+              <a:spcAft>
+                <a:spcPts val="0"/>
+              </a:spcAft>
             </a:pPr>
             <a:r>
               <a:rPr lang="en-US"/>
-              <a:t>Scripting</a:t>
+              <a:t>Version control</a:t>
             </a:r>
           </a:p>
           <a:p>
-            <a:pPr indent="-228600" lvl="0" marL="457200" rtl="0">
-              <a:spcBef>
-                <a:spcPts val="0"/>
-              </a:spcBef>
+            <a:pPr indent="-228600" lvl="0" marL="457200" marR="0" rtl="0" algn="l">
+              <a:lnSpc>
+                <a:spcPct val="90000"/>
+              </a:lnSpc>
+              <a:spcBef>
+                <a:spcPts val="1000"/>
+              </a:spcBef>
+              <a:spcAft>
+                <a:spcPts val="0"/>
+              </a:spcAft>
             </a:pPr>
             <a:r>
               <a:rPr lang="en-US"/>
-              <a:t>Unity standard</a:t>
+              <a:t>Backups</a:t>
             </a:r>
           </a:p>
           <a:p>
-            <a:pPr indent="-228600" lvl="0" marL="457200" rtl="0">
-              <a:spcBef>
-                <a:spcPts val="0"/>
-              </a:spcBef>
+            <a:pPr indent="-228600" lvl="0" marL="457200" marR="0" rtl="0" algn="l">
+              <a:lnSpc>
+                <a:spcPct val="90000"/>
+              </a:lnSpc>
+              <a:spcBef>
+                <a:spcPts val="1000"/>
+              </a:spcBef>
+              <a:spcAft>
+                <a:spcPts val="0"/>
+              </a:spcAft>
             </a:pPr>
             <a:r>
               <a:rPr lang="en-US"/>
-              <a:t>Compliant with Kinect API</a:t>
+              <a:t>Organization</a:t>
             </a:r>
           </a:p>
           <a:p>
-            <a:pPr indent="-228600" lvl="0" marL="457200" rtl="0">
-              <a:spcBef>
-                <a:spcPts val="0"/>
-              </a:spcBef>
+            <a:pPr indent="-228600" lvl="0" marL="457200" marR="0" rtl="0" algn="l">
+              <a:lnSpc>
+                <a:spcPct val="90000"/>
+              </a:lnSpc>
+              <a:spcBef>
+                <a:spcPts val="1000"/>
+              </a:spcBef>
+              <a:spcAft>
+                <a:spcPts val="0"/>
+              </a:spcAft>
             </a:pPr>
             <a:r>
               <a:rPr lang="en-US"/>
-              <a:t>Exposure to a new language</a:t>
+              <a:t>Concurrent development</a:t>
             </a:r>
           </a:p>
           <a:p>
-            <a:pPr indent="-228600" lvl="0" marL="457200" rtl="0">
-              <a:spcBef>
-                <a:spcPts val="0"/>
-              </a:spcBef>
+            <a:pPr indent="-228600" lvl="0" marL="457200" marR="0" rtl="0" algn="l">
+              <a:lnSpc>
+                <a:spcPct val="90000"/>
+              </a:lnSpc>
+              <a:spcBef>
+                <a:spcPts val="1000"/>
+              </a:spcBef>
+              <a:spcAft>
+                <a:spcPts val="0"/>
+              </a:spcAft>
             </a:pPr>
             <a:r>
               <a:rPr lang="en-US"/>
-              <a:t>Object oriented</a:t>
+              <a:t>Agility</a:t>
             </a:r>
-          </a:p>
-          <a:p>
-            <a:pPr indent="-228600" lvl="0" marL="457200">
-              <a:spcBef>
-                <a:spcPts val="0"/>
-              </a:spcBef>
-            </a:pPr>
-            <a:r>
-              <a:rPr lang="en-US"/>
-              <a:t>Visual Studio (IDE)</a:t>
-            </a:r>
-            <a:br>
-              <a:rPr lang="en-US"/>
-            </a:br>
           </a:p>
         </p:txBody>
       </p:sp>
       <p:pic>
         <p:nvPicPr>
-          <p:cNvPr descr="c-sharp-logo-white.png" id="176" name="Shape 176"/>
+          <p:cNvPr descr="git-logo-white.png" id="141" name="Shape 141"/>
           <p:cNvPicPr preferRelativeResize="0"/>
           <p:nvPr/>
         </p:nvPicPr>
@@ -12493,8 +12617,8 @@
         </p:blipFill>
         <p:spPr>
           <a:xfrm>
-            <a:off x="5638873" y="802224"/>
-            <a:ext cx="914249" cy="821624"/>
+            <a:off x="4970912" y="685800"/>
+            <a:ext cx="2250175" cy="939625"/>
           </a:xfrm>
           <a:prstGeom prst="rect">
             <a:avLst/>
@@ -12518,7 +12642,7 @@
   <p:cSld>
     <p:spTree>
       <p:nvGrpSpPr>
-        <p:cNvPr id="180" name="Shape 180"/>
+        <p:cNvPr id="145" name="Shape 145"/>
         <p:cNvGrpSpPr/>
         <p:nvPr/>
       </p:nvGrpSpPr>
@@ -12532,7 +12656,43 @@
       </p:grpSpPr>
       <p:sp>
         <p:nvSpPr>
-          <p:cNvPr id="181" name="Shape 181"/>
+          <p:cNvPr id="146" name="Shape 146"/>
+          <p:cNvSpPr txBox="1"/>
+          <p:nvPr>
+            <p:ph type="title"/>
+          </p:nvPr>
+        </p:nvSpPr>
+        <p:spPr>
+          <a:xfrm>
+            <a:off x="838200" y="365125"/>
+            <a:ext cx="4289700" cy="1325700"/>
+          </a:xfrm>
+          <a:prstGeom prst="rect">
+            <a:avLst/>
+          </a:prstGeom>
+        </p:spPr>
+        <p:txBody>
+          <a:bodyPr anchorCtr="0" anchor="ctr" bIns="91425" lIns="91425" rIns="91425" tIns="91425">
+            <a:noAutofit/>
+          </a:bodyPr>
+          <a:lstStyle/>
+          <a:p>
+            <a:pPr lvl="0">
+              <a:spcBef>
+                <a:spcPts val="0"/>
+              </a:spcBef>
+              <a:buNone/>
+            </a:pPr>
+            <a:r>
+              <a:rPr lang="en-US"/>
+              <a:t>From a Developer’s Perspective</a:t>
+            </a:r>
+          </a:p>
+        </p:txBody>
+      </p:sp>
+      <p:sp>
+        <p:nvSpPr>
+          <p:cNvPr id="147" name="Shape 147"/>
           <p:cNvSpPr txBox="1"/>
           <p:nvPr>
             <p:ph idx="1" type="body"/>
@@ -12540,8 +12700,8 @@
         </p:nvSpPr>
         <p:spPr>
           <a:xfrm>
-            <a:off x="838200" y="1825625"/>
-            <a:ext cx="10515600" cy="4351200"/>
+            <a:off x="838200" y="2229900"/>
+            <a:ext cx="4289700" cy="3946800"/>
           </a:xfrm>
           <a:prstGeom prst="rect">
             <a:avLst/>
@@ -12553,95 +12713,87 @@
           </a:bodyPr>
           <a:lstStyle/>
           <a:p>
-            <a:pPr indent="-228600" lvl="0" marL="457200" marR="0" rtl="0" algn="l">
-              <a:lnSpc>
-                <a:spcPct val="90000"/>
-              </a:lnSpc>
-              <a:spcBef>
-                <a:spcPts val="1000"/>
-              </a:spcBef>
-              <a:spcAft>
-                <a:spcPts val="0"/>
-              </a:spcAft>
+            <a:pPr indent="-228600" lvl="0" marL="457200" rtl="0">
+              <a:spcBef>
+                <a:spcPts val="0"/>
+              </a:spcBef>
             </a:pPr>
             <a:r>
               <a:rPr lang="en-US"/>
-              <a:t>Version control</a:t>
+              <a:t>Assets</a:t>
             </a:r>
           </a:p>
           <a:p>
-            <a:pPr indent="-228600" lvl="0" marL="457200" marR="0" rtl="0" algn="l">
-              <a:lnSpc>
-                <a:spcPct val="90000"/>
-              </a:lnSpc>
-              <a:spcBef>
-                <a:spcPts val="1000"/>
-              </a:spcBef>
-              <a:spcAft>
-                <a:spcPts val="0"/>
-              </a:spcAft>
+            <a:pPr indent="-228600" lvl="1" marL="914400" rtl="0">
+              <a:spcBef>
+                <a:spcPts val="0"/>
+              </a:spcBef>
             </a:pPr>
             <a:r>
               <a:rPr lang="en-US"/>
-              <a:t>Backups</a:t>
+              <a:t>Scenes</a:t>
             </a:r>
           </a:p>
           <a:p>
-            <a:pPr indent="-228600" lvl="0" marL="457200" marR="0" rtl="0" algn="l">
-              <a:lnSpc>
-                <a:spcPct val="90000"/>
-              </a:lnSpc>
-              <a:spcBef>
-                <a:spcPts val="1000"/>
-              </a:spcBef>
-              <a:spcAft>
-                <a:spcPts val="0"/>
-              </a:spcAft>
+            <a:pPr indent="-228600" lvl="2" marL="1371600" rtl="0">
+              <a:spcBef>
+                <a:spcPts val="0"/>
+              </a:spcBef>
             </a:pPr>
             <a:r>
               <a:rPr lang="en-US"/>
-              <a:t>Organization</a:t>
+              <a:t>Hierarchy of objects</a:t>
             </a:r>
           </a:p>
           <a:p>
-            <a:pPr indent="-228600" lvl="0" marL="457200" marR="0" rtl="0" algn="l">
-              <a:lnSpc>
-                <a:spcPct val="90000"/>
-              </a:lnSpc>
-              <a:spcBef>
-                <a:spcPts val="1000"/>
-              </a:spcBef>
-              <a:spcAft>
-                <a:spcPts val="0"/>
-              </a:spcAft>
+            <a:pPr indent="-228600" lvl="2" marL="1371600" rtl="0">
+              <a:spcBef>
+                <a:spcPts val="0"/>
+              </a:spcBef>
             </a:pPr>
             <a:r>
               <a:rPr lang="en-US"/>
-              <a:t>Concurrent development</a:t>
+              <a:t>Components per object</a:t>
             </a:r>
           </a:p>
           <a:p>
-            <a:pPr indent="-228600" lvl="0" marL="457200" marR="0" rtl="0" algn="l">
-              <a:lnSpc>
-                <a:spcPct val="90000"/>
-              </a:lnSpc>
-              <a:spcBef>
-                <a:spcPts val="1000"/>
-              </a:spcBef>
-              <a:spcAft>
-                <a:spcPts val="0"/>
-              </a:spcAft>
+            <a:pPr indent="-228600" lvl="1" marL="914400" rtl="0">
+              <a:spcBef>
+                <a:spcPts val="0"/>
+              </a:spcBef>
             </a:pPr>
             <a:r>
               <a:rPr lang="en-US"/>
-              <a:t>Agility</a:t>
+              <a:t>Images</a:t>
+            </a:r>
+          </a:p>
+          <a:p>
+            <a:pPr indent="-228600" lvl="1" marL="914400" rtl="0">
+              <a:spcBef>
+                <a:spcPts val="0"/>
+              </a:spcBef>
+            </a:pPr>
+            <a:r>
+              <a:rPr lang="en-US"/>
+              <a:t>Audio</a:t>
+            </a:r>
+          </a:p>
+          <a:p>
+            <a:pPr indent="-228600" lvl="0" marL="457200">
+              <a:spcBef>
+                <a:spcPts val="0"/>
+              </a:spcBef>
+            </a:pPr>
+            <a:r>
+              <a:rPr lang="en-US"/>
+              <a:t>Graphical editor</a:t>
             </a:r>
           </a:p>
         </p:txBody>
       </p:sp>
       <p:pic>
         <p:nvPicPr>
-          <p:cNvPr descr="git-logo-white.png" id="182" name="Shape 182"/>
+          <p:cNvPr descr="unity-new.png" id="148" name="Shape 148"/>
           <p:cNvPicPr preferRelativeResize="0"/>
           <p:nvPr/>
         </p:nvPicPr>
@@ -12655,8 +12807,36 @@
         </p:blipFill>
         <p:spPr>
           <a:xfrm>
-            <a:off x="4879674" y="610925"/>
-            <a:ext cx="2429474" cy="1014500"/>
+            <a:off x="5720650" y="0"/>
+            <a:ext cx="6471352" cy="3435874"/>
+          </a:xfrm>
+          <a:prstGeom prst="rect">
+            <a:avLst/>
+          </a:prstGeom>
+          <a:noFill/>
+          <a:ln>
+            <a:noFill/>
+          </a:ln>
+        </p:spPr>
+      </p:pic>
+      <p:pic>
+        <p:nvPicPr>
+          <p:cNvPr descr="unity-pong.png" id="149" name="Shape 149"/>
+          <p:cNvPicPr preferRelativeResize="0"/>
+          <p:nvPr/>
+        </p:nvPicPr>
+        <p:blipFill>
+          <a:blip r:embed="rId4">
+            <a:alphaModFix/>
+          </a:blip>
+          <a:stretch>
+            <a:fillRect/>
+          </a:stretch>
+        </p:blipFill>
+        <p:spPr>
+          <a:xfrm>
+            <a:off x="5720650" y="3422126"/>
+            <a:ext cx="6471352" cy="3435874"/>
           </a:xfrm>
           <a:prstGeom prst="rect">
             <a:avLst/>
@@ -12680,7 +12860,7 @@
   <p:cSld>
     <p:spTree>
       <p:nvGrpSpPr>
-        <p:cNvPr id="186" name="Shape 186"/>
+        <p:cNvPr id="153" name="Shape 153"/>
         <p:cNvGrpSpPr/>
         <p:nvPr/>
       </p:nvGrpSpPr>
@@ -12694,7 +12874,185 @@
       </p:grpSpPr>
       <p:sp>
         <p:nvSpPr>
-          <p:cNvPr id="187" name="Shape 187"/>
+          <p:cNvPr id="154" name="Shape 154"/>
+          <p:cNvSpPr txBox="1"/>
+          <p:nvPr>
+            <p:ph type="title"/>
+          </p:nvPr>
+        </p:nvSpPr>
+        <p:spPr>
+          <a:xfrm>
+            <a:off x="838200" y="365125"/>
+            <a:ext cx="10515600" cy="1325700"/>
+          </a:xfrm>
+          <a:prstGeom prst="rect">
+            <a:avLst/>
+          </a:prstGeom>
+        </p:spPr>
+        <p:txBody>
+          <a:bodyPr anchorCtr="0" anchor="ctr" bIns="91425" lIns="91425" rIns="91425" tIns="91425">
+            <a:noAutofit/>
+          </a:bodyPr>
+          <a:lstStyle/>
+          <a:p>
+            <a:pPr lvl="0" algn="ctr">
+              <a:spcBef>
+                <a:spcPts val="0"/>
+              </a:spcBef>
+              <a:buNone/>
+            </a:pPr>
+            <a:r>
+              <a:rPr lang="en-US"/>
+              <a:t>UML Class Diagram (Unity focus)</a:t>
+            </a:r>
+          </a:p>
+        </p:txBody>
+      </p:sp>
+      <p:pic>
+        <p:nvPicPr>
+          <p:cNvPr descr="class-pong-unity-powerpoint.png" id="155" name="Shape 155"/>
+          <p:cNvPicPr preferRelativeResize="0"/>
+          <p:nvPr/>
+        </p:nvPicPr>
+        <p:blipFill>
+          <a:blip r:embed="rId3">
+            <a:alphaModFix/>
+          </a:blip>
+          <a:stretch>
+            <a:fillRect/>
+          </a:stretch>
+        </p:blipFill>
+        <p:spPr>
+          <a:xfrm>
+            <a:off x="152400" y="1843225"/>
+            <a:ext cx="11887204" cy="4401104"/>
+          </a:xfrm>
+          <a:prstGeom prst="rect">
+            <a:avLst/>
+          </a:prstGeom>
+          <a:noFill/>
+          <a:ln>
+            <a:noFill/>
+          </a:ln>
+        </p:spPr>
+      </p:pic>
+    </p:spTree>
+  </p:cSld>
+  <p:clrMapOvr>
+    <a:masterClrMapping/>
+  </p:clrMapOvr>
+</p:sld>
+</file>
+
+<file path=ppt/slides/slide13.xml><?xml version="1.0" encoding="utf-8"?>
+<p:sld xmlns:a="http://schemas.openxmlformats.org/drawingml/2006/main" xmlns:r="http://schemas.openxmlformats.org/officeDocument/2006/relationships" xmlns:mc="http://schemas.openxmlformats.org/markup-compatibility/2006" xmlns:mv="urn:schemas-microsoft-com:mac:vml" xmlns:p="http://schemas.openxmlformats.org/presentationml/2006/main" xmlns:c="http://schemas.openxmlformats.org/drawingml/2006/chart" xmlns:dgm="http://schemas.openxmlformats.org/drawingml/2006/diagram" xmlns:o="urn:schemas-microsoft-com:office:office" xmlns:v="urn:schemas-microsoft-com:vml" xmlns:pvml="urn:schemas-microsoft-com:office:powerpoint" xmlns:com="http://schemas.openxmlformats.org/drawingml/2006/compatibility" xmlns:p14="http://schemas.microsoft.com/office/powerpoint/2010/main">
+  <p:cSld>
+    <p:spTree>
+      <p:nvGrpSpPr>
+        <p:cNvPr id="159" name="Shape 159"/>
+        <p:cNvGrpSpPr/>
+        <p:nvPr/>
+      </p:nvGrpSpPr>
+      <p:grpSpPr>
+        <a:xfrm>
+          <a:off x="0" y="0"/>
+          <a:ext cx="0" cy="0"/>
+          <a:chOff x="0" y="0"/>
+          <a:chExt cx="0" cy="0"/>
+        </a:xfrm>
+      </p:grpSpPr>
+      <p:sp>
+        <p:nvSpPr>
+          <p:cNvPr id="160" name="Shape 160"/>
+          <p:cNvSpPr txBox="1"/>
+          <p:nvPr>
+            <p:ph type="title"/>
+          </p:nvPr>
+        </p:nvSpPr>
+        <p:spPr>
+          <a:xfrm>
+            <a:off x="838200" y="365125"/>
+            <a:ext cx="10515600" cy="1325700"/>
+          </a:xfrm>
+          <a:prstGeom prst="rect">
+            <a:avLst/>
+          </a:prstGeom>
+        </p:spPr>
+        <p:txBody>
+          <a:bodyPr anchorCtr="0" anchor="ctr" bIns="91425" lIns="91425" rIns="91425" tIns="91425">
+            <a:noAutofit/>
+          </a:bodyPr>
+          <a:lstStyle/>
+          <a:p>
+            <a:pPr lvl="0" algn="ctr">
+              <a:spcBef>
+                <a:spcPts val="0"/>
+              </a:spcBef>
+              <a:buNone/>
+            </a:pPr>
+            <a:r>
+              <a:rPr lang="en-US"/>
+              <a:t>UML Class Diagram (Kinect focus)</a:t>
+            </a:r>
+          </a:p>
+        </p:txBody>
+      </p:sp>
+      <p:pic>
+        <p:nvPicPr>
+          <p:cNvPr descr="class-pong-kinect-powerpoint.png" id="161" name="Shape 161"/>
+          <p:cNvPicPr preferRelativeResize="0"/>
+          <p:nvPr/>
+        </p:nvPicPr>
+        <p:blipFill>
+          <a:blip r:embed="rId3">
+            <a:alphaModFix/>
+          </a:blip>
+          <a:stretch>
+            <a:fillRect/>
+          </a:stretch>
+        </p:blipFill>
+        <p:spPr>
+          <a:xfrm>
+            <a:off x="152400" y="1843225"/>
+            <a:ext cx="11887199" cy="3114358"/>
+          </a:xfrm>
+          <a:prstGeom prst="rect">
+            <a:avLst/>
+          </a:prstGeom>
+          <a:noFill/>
+          <a:ln>
+            <a:noFill/>
+          </a:ln>
+        </p:spPr>
+      </p:pic>
+    </p:spTree>
+  </p:cSld>
+  <p:clrMapOvr>
+    <a:masterClrMapping/>
+  </p:clrMapOvr>
+</p:sld>
+</file>
+
+<file path=ppt/slides/slide14.xml><?xml version="1.0" encoding="utf-8"?>
+<p:sld xmlns:a="http://schemas.openxmlformats.org/drawingml/2006/main" xmlns:r="http://schemas.openxmlformats.org/officeDocument/2006/relationships" xmlns:mc="http://schemas.openxmlformats.org/markup-compatibility/2006" xmlns:mv="urn:schemas-microsoft-com:mac:vml" xmlns:p="http://schemas.openxmlformats.org/presentationml/2006/main" xmlns:c="http://schemas.openxmlformats.org/drawingml/2006/chart" xmlns:dgm="http://schemas.openxmlformats.org/drawingml/2006/diagram" xmlns:o="urn:schemas-microsoft-com:office:office" xmlns:v="urn:schemas-microsoft-com:vml" xmlns:pvml="urn:schemas-microsoft-com:office:powerpoint" xmlns:com="http://schemas.openxmlformats.org/drawingml/2006/compatibility" xmlns:p14="http://schemas.microsoft.com/office/powerpoint/2010/main">
+  <p:cSld>
+    <p:spTree>
+      <p:nvGrpSpPr>
+        <p:cNvPr id="165" name="Shape 165"/>
+        <p:cNvGrpSpPr/>
+        <p:nvPr/>
+      </p:nvGrpSpPr>
+      <p:grpSpPr>
+        <a:xfrm>
+          <a:off x="0" y="0"/>
+          <a:ext cx="0" cy="0"/>
+          <a:chOff x="0" y="0"/>
+          <a:chExt cx="0" cy="0"/>
+        </a:xfrm>
+      </p:grpSpPr>
+      <p:sp>
+        <p:nvSpPr>
+          <p:cNvPr id="166" name="Shape 166"/>
           <p:cNvSpPr txBox="1"/>
           <p:nvPr>
             <p:ph type="title"/>
@@ -12715,7 +13073,7 @@
           </a:bodyPr>
           <a:lstStyle/>
           <a:p>
-            <a:pPr lvl="0">
+            <a:pPr lvl="0" rtl="0">
               <a:spcBef>
                 <a:spcPts val="0"/>
               </a:spcBef>
@@ -12723,14 +13081,14 @@
             </a:pPr>
             <a:r>
               <a:rPr lang="en-US"/>
-              <a:t>From a Developer’s Perspective</a:t>
+              <a:t>From a User’s Perspective</a:t>
             </a:r>
           </a:p>
         </p:txBody>
       </p:sp>
       <p:sp>
         <p:nvSpPr>
-          <p:cNvPr id="188" name="Shape 188"/>
+          <p:cNvPr id="167" name="Shape 167"/>
           <p:cNvSpPr txBox="1"/>
           <p:nvPr>
             <p:ph idx="1" type="body"/>
@@ -12758,7 +13116,7 @@
             </a:pPr>
             <a:r>
               <a:rPr lang="en-US"/>
-              <a:t>Assets</a:t>
+              <a:t>Traverse menus</a:t>
             </a:r>
           </a:p>
           <a:p>
@@ -12769,29 +13127,7 @@
             </a:pPr>
             <a:r>
               <a:rPr lang="en-US"/>
-              <a:t>Scenes</a:t>
-            </a:r>
-          </a:p>
-          <a:p>
-            <a:pPr indent="-228600" lvl="2" marL="1371600" rtl="0">
-              <a:spcBef>
-                <a:spcPts val="0"/>
-              </a:spcBef>
-            </a:pPr>
-            <a:r>
-              <a:rPr lang="en-US"/>
-              <a:t>Hierarchy of objects</a:t>
-            </a:r>
-          </a:p>
-          <a:p>
-            <a:pPr indent="-228600" lvl="3" marL="1828800" rtl="0">
-              <a:spcBef>
-                <a:spcPts val="0"/>
-              </a:spcBef>
-            </a:pPr>
-            <a:r>
-              <a:rPr lang="en-US"/>
-              <a:t>Components per object</a:t>
+              <a:t>Main menu</a:t>
             </a:r>
           </a:p>
           <a:p>
@@ -12802,7 +13138,7 @@
             </a:pPr>
             <a:r>
               <a:rPr lang="en-US"/>
-              <a:t>Images</a:t>
+              <a:t>Settings menu</a:t>
             </a:r>
           </a:p>
           <a:p>
@@ -12813,22 +13149,122 @@
             </a:pPr>
             <a:r>
               <a:rPr lang="en-US"/>
-              <a:t>Audio</a:t>
+              <a:t>Play menu</a:t>
             </a:r>
           </a:p>
           <a:p>
-            <a:pPr indent="-228600" lvl="0" marL="457200">
+            <a:pPr indent="-228600" lvl="1" marL="914400" rtl="0">
               <a:spcBef>
                 <a:spcPts val="0"/>
               </a:spcBef>
             </a:pPr>
             <a:r>
               <a:rPr lang="en-US"/>
-              <a:t>Graphical editor</a:t>
+              <a:t>Statistics menu</a:t>
+            </a:r>
+          </a:p>
+          <a:p>
+            <a:pPr indent="-228600" lvl="0" marL="457200" rtl="0">
+              <a:spcBef>
+                <a:spcPts val="0"/>
+              </a:spcBef>
+            </a:pPr>
+            <a:r>
+              <a:rPr lang="en-US"/>
+              <a:t>Gameplay</a:t>
+            </a:r>
+          </a:p>
+          <a:p>
+            <a:pPr indent="-228600" lvl="1" marL="914400" rtl="0">
+              <a:spcBef>
+                <a:spcPts val="0"/>
+              </a:spcBef>
+            </a:pPr>
+            <a:r>
+              <a:rPr lang="en-US"/>
+              <a:t>Score dependent effects</a:t>
+            </a:r>
+          </a:p>
+          <a:p>
+            <a:pPr indent="-228600" lvl="1" marL="914400" rtl="0">
+              <a:spcBef>
+                <a:spcPts val="0"/>
+              </a:spcBef>
+            </a:pPr>
+            <a:r>
+              <a:rPr lang="en-US"/>
+              <a:t>Immediate effects</a:t>
+            </a:r>
+          </a:p>
+          <a:p>
+            <a:pPr indent="-228600" lvl="1" marL="914400" rtl="0">
+              <a:spcBef>
+                <a:spcPts val="0"/>
+              </a:spcBef>
+            </a:pPr>
+            <a:r>
+              <a:rPr lang="en-US"/>
+              <a:t>No effects</a:t>
             </a:r>
           </a:p>
         </p:txBody>
       </p:sp>
+      <p:pic>
+        <p:nvPicPr>
+          <p:cNvPr descr="main-menu.png" id="168" name="Shape 168"/>
+          <p:cNvPicPr preferRelativeResize="0"/>
+          <p:nvPr/>
+        </p:nvPicPr>
+        <p:blipFill>
+          <a:blip r:embed="rId3">
+            <a:alphaModFix/>
+          </a:blip>
+          <a:stretch>
+            <a:fillRect/>
+          </a:stretch>
+        </p:blipFill>
+        <p:spPr>
+          <a:xfrm>
+            <a:off x="5644075" y="0"/>
+            <a:ext cx="6547928" cy="3683187"/>
+          </a:xfrm>
+          <a:prstGeom prst="rect">
+            <a:avLst/>
+          </a:prstGeom>
+          <a:noFill/>
+          <a:ln>
+            <a:noFill/>
+          </a:ln>
+        </p:spPr>
+      </p:pic>
+      <p:pic>
+        <p:nvPicPr>
+          <p:cNvPr descr="play.png" id="169" name="Shape 169"/>
+          <p:cNvPicPr preferRelativeResize="0"/>
+          <p:nvPr/>
+        </p:nvPicPr>
+        <p:blipFill>
+          <a:blip r:embed="rId4">
+            <a:alphaModFix/>
+          </a:blip>
+          <a:stretch>
+            <a:fillRect/>
+          </a:stretch>
+        </p:blipFill>
+        <p:spPr>
+          <a:xfrm>
+            <a:off x="5644086" y="3620299"/>
+            <a:ext cx="6547916" cy="3237699"/>
+          </a:xfrm>
+          <a:prstGeom prst="rect">
+            <a:avLst/>
+          </a:prstGeom>
+          <a:noFill/>
+          <a:ln>
+            <a:noFill/>
+          </a:ln>
+        </p:spPr>
+      </p:pic>
     </p:spTree>
   </p:cSld>
   <p:clrMapOvr>
@@ -12837,12 +13273,12 @@
 </p:sld>
 </file>
 
-<file path=ppt/slides/slide13.xml><?xml version="1.0" encoding="utf-8"?>
+<file path=ppt/slides/slide15.xml><?xml version="1.0" encoding="utf-8"?>
 <p:sld xmlns:a="http://schemas.openxmlformats.org/drawingml/2006/main" xmlns:r="http://schemas.openxmlformats.org/officeDocument/2006/relationships" xmlns:mc="http://schemas.openxmlformats.org/markup-compatibility/2006" xmlns:mv="urn:schemas-microsoft-com:mac:vml" xmlns:p="http://schemas.openxmlformats.org/presentationml/2006/main" xmlns:c="http://schemas.openxmlformats.org/drawingml/2006/chart" xmlns:dgm="http://schemas.openxmlformats.org/drawingml/2006/diagram" xmlns:o="urn:schemas-microsoft-com:office:office" xmlns:v="urn:schemas-microsoft-com:vml" xmlns:pvml="urn:schemas-microsoft-com:office:powerpoint" xmlns:com="http://schemas.openxmlformats.org/drawingml/2006/compatibility" xmlns:p14="http://schemas.microsoft.com/office/powerpoint/2010/main">
   <p:cSld>
     <p:spTree>
       <p:nvGrpSpPr>
-        <p:cNvPr id="192" name="Shape 192"/>
+        <p:cNvPr id="173" name="Shape 173"/>
         <p:cNvGrpSpPr/>
         <p:nvPr/>
       </p:nvGrpSpPr>
@@ -12856,7 +13292,7 @@
       </p:grpSpPr>
       <p:sp>
         <p:nvSpPr>
-          <p:cNvPr id="193" name="Shape 193"/>
+          <p:cNvPr id="174" name="Shape 174"/>
           <p:cNvSpPr txBox="1"/>
           <p:nvPr>
             <p:ph type="title"/>
@@ -12885,11 +13321,38 @@
             </a:pPr>
             <a:r>
               <a:rPr lang="en-US"/>
-              <a:t>Gameplay UML Diagram</a:t>
+              <a:t>Interaction Flow Diagram</a:t>
             </a:r>
           </a:p>
         </p:txBody>
       </p:sp>
+      <p:pic>
+        <p:nvPicPr>
+          <p:cNvPr descr="interaction-flow-diagram-10.png" id="175" name="Shape 175"/>
+          <p:cNvPicPr preferRelativeResize="0"/>
+          <p:nvPr/>
+        </p:nvPicPr>
+        <p:blipFill rotWithShape="1">
+          <a:blip r:embed="rId3">
+            <a:alphaModFix/>
+          </a:blip>
+          <a:srcRect b="0" l="109" r="109" t="0"/>
+          <a:stretch/>
+        </p:blipFill>
+        <p:spPr>
+          <a:xfrm>
+            <a:off x="2486025" y="1690825"/>
+            <a:ext cx="7219950" cy="4400550"/>
+          </a:xfrm>
+          <a:prstGeom prst="rect">
+            <a:avLst/>
+          </a:prstGeom>
+          <a:noFill/>
+          <a:ln>
+            <a:noFill/>
+          </a:ln>
+        </p:spPr>
+      </p:pic>
     </p:spTree>
   </p:cSld>
   <p:clrMapOvr>
@@ -12898,12 +13361,12 @@
 </p:sld>
 </file>
 
-<file path=ppt/slides/slide14.xml><?xml version="1.0" encoding="utf-8"?>
+<file path=ppt/slides/slide16.xml><?xml version="1.0" encoding="utf-8"?>
 <p:sld xmlns:a="http://schemas.openxmlformats.org/drawingml/2006/main" xmlns:r="http://schemas.openxmlformats.org/officeDocument/2006/relationships" xmlns:mc="http://schemas.openxmlformats.org/markup-compatibility/2006" xmlns:mv="urn:schemas-microsoft-com:mac:vml" xmlns:p="http://schemas.openxmlformats.org/presentationml/2006/main" xmlns:c="http://schemas.openxmlformats.org/drawingml/2006/chart" xmlns:dgm="http://schemas.openxmlformats.org/drawingml/2006/diagram" xmlns:o="urn:schemas-microsoft-com:office:office" xmlns:v="urn:schemas-microsoft-com:vml" xmlns:pvml="urn:schemas-microsoft-com:office:powerpoint" xmlns:com="http://schemas.openxmlformats.org/drawingml/2006/compatibility" xmlns:p14="http://schemas.microsoft.com/office/powerpoint/2010/main">
   <p:cSld>
     <p:spTree>
       <p:nvGrpSpPr>
-        <p:cNvPr id="197" name="Shape 197"/>
+        <p:cNvPr id="179" name="Shape 179"/>
         <p:cNvGrpSpPr/>
         <p:nvPr/>
       </p:nvGrpSpPr>
@@ -12917,191 +13380,7 @@
       </p:grpSpPr>
       <p:sp>
         <p:nvSpPr>
-          <p:cNvPr id="198" name="Shape 198"/>
-          <p:cNvSpPr txBox="1"/>
-          <p:nvPr>
-            <p:ph type="title"/>
-          </p:nvPr>
-        </p:nvSpPr>
-        <p:spPr>
-          <a:xfrm>
-            <a:off x="838200" y="365125"/>
-            <a:ext cx="4289700" cy="1325700"/>
-          </a:xfrm>
-          <a:prstGeom prst="rect">
-            <a:avLst/>
-          </a:prstGeom>
-        </p:spPr>
-        <p:txBody>
-          <a:bodyPr anchorCtr="0" anchor="ctr" bIns="91425" lIns="91425" rIns="91425" tIns="91425">
-            <a:noAutofit/>
-          </a:bodyPr>
-          <a:lstStyle/>
-          <a:p>
-            <a:pPr lvl="0" rtl="0">
-              <a:spcBef>
-                <a:spcPts val="0"/>
-              </a:spcBef>
-              <a:buNone/>
-            </a:pPr>
-            <a:r>
-              <a:rPr lang="en-US"/>
-              <a:t>From a User’s Perspective</a:t>
-            </a:r>
-          </a:p>
-        </p:txBody>
-      </p:sp>
-      <p:sp>
-        <p:nvSpPr>
-          <p:cNvPr id="199" name="Shape 199"/>
-          <p:cNvSpPr txBox="1"/>
-          <p:nvPr>
-            <p:ph idx="1" type="body"/>
-          </p:nvPr>
-        </p:nvSpPr>
-        <p:spPr>
-          <a:xfrm>
-            <a:off x="838200" y="2229900"/>
-            <a:ext cx="4289700" cy="3946800"/>
-          </a:xfrm>
-          <a:prstGeom prst="rect">
-            <a:avLst/>
-          </a:prstGeom>
-        </p:spPr>
-        <p:txBody>
-          <a:bodyPr anchorCtr="0" anchor="t" bIns="91425" lIns="91425" rIns="91425" tIns="91425">
-            <a:noAutofit/>
-          </a:bodyPr>
-          <a:lstStyle/>
-          <a:p>
-            <a:pPr indent="-228600" lvl="0" marL="457200" rtl="0">
-              <a:spcBef>
-                <a:spcPts val="0"/>
-              </a:spcBef>
-            </a:pPr>
-            <a:r>
-              <a:rPr lang="en-US"/>
-              <a:t>Traverse menus</a:t>
-            </a:r>
-          </a:p>
-          <a:p>
-            <a:pPr indent="-228600" lvl="1" marL="914400" rtl="0">
-              <a:spcBef>
-                <a:spcPts val="0"/>
-              </a:spcBef>
-            </a:pPr>
-            <a:r>
-              <a:rPr lang="en-US"/>
-              <a:t>Main menu</a:t>
-            </a:r>
-          </a:p>
-          <a:p>
-            <a:pPr indent="-228600" lvl="1" marL="914400" rtl="0">
-              <a:spcBef>
-                <a:spcPts val="0"/>
-              </a:spcBef>
-            </a:pPr>
-            <a:r>
-              <a:rPr lang="en-US"/>
-              <a:t>Settings menu</a:t>
-            </a:r>
-          </a:p>
-          <a:p>
-            <a:pPr indent="-228600" lvl="1" marL="914400" rtl="0">
-              <a:spcBef>
-                <a:spcPts val="0"/>
-              </a:spcBef>
-            </a:pPr>
-            <a:r>
-              <a:rPr lang="en-US"/>
-              <a:t>Play menu</a:t>
-            </a:r>
-          </a:p>
-          <a:p>
-            <a:pPr indent="-228600" lvl="1" marL="914400" rtl="0">
-              <a:spcBef>
-                <a:spcPts val="0"/>
-              </a:spcBef>
-            </a:pPr>
-            <a:r>
-              <a:rPr lang="en-US"/>
-              <a:t>Statistics menu</a:t>
-            </a:r>
-          </a:p>
-          <a:p>
-            <a:pPr indent="-228600" lvl="0" marL="457200" rtl="0">
-              <a:spcBef>
-                <a:spcPts val="0"/>
-              </a:spcBef>
-            </a:pPr>
-            <a:r>
-              <a:rPr lang="en-US"/>
-              <a:t>Gameplay</a:t>
-            </a:r>
-          </a:p>
-          <a:p>
-            <a:pPr indent="-228600" lvl="1" marL="914400" rtl="0">
-              <a:spcBef>
-                <a:spcPts val="0"/>
-              </a:spcBef>
-            </a:pPr>
-            <a:r>
-              <a:rPr lang="en-US"/>
-              <a:t>Score dependent effects</a:t>
-            </a:r>
-          </a:p>
-          <a:p>
-            <a:pPr indent="-228600" lvl="1" marL="914400" rtl="0">
-              <a:spcBef>
-                <a:spcPts val="0"/>
-              </a:spcBef>
-            </a:pPr>
-            <a:r>
-              <a:rPr lang="en-US"/>
-              <a:t>Immediate effects</a:t>
-            </a:r>
-          </a:p>
-          <a:p>
-            <a:pPr indent="-228600" lvl="1" marL="914400" rtl="0">
-              <a:spcBef>
-                <a:spcPts val="0"/>
-              </a:spcBef>
-            </a:pPr>
-            <a:r>
-              <a:rPr lang="en-US"/>
-              <a:t>No effects</a:t>
-            </a:r>
-          </a:p>
-        </p:txBody>
-      </p:sp>
-    </p:spTree>
-  </p:cSld>
-  <p:clrMapOvr>
-    <a:masterClrMapping/>
-  </p:clrMapOvr>
-</p:sld>
-</file>
-
-<file path=ppt/slides/slide15.xml><?xml version="1.0" encoding="utf-8"?>
-<p:sld xmlns:a="http://schemas.openxmlformats.org/drawingml/2006/main" xmlns:r="http://schemas.openxmlformats.org/officeDocument/2006/relationships" xmlns:mc="http://schemas.openxmlformats.org/markup-compatibility/2006" xmlns:mv="urn:schemas-microsoft-com:mac:vml" xmlns:p="http://schemas.openxmlformats.org/presentationml/2006/main" xmlns:c="http://schemas.openxmlformats.org/drawingml/2006/chart" xmlns:dgm="http://schemas.openxmlformats.org/drawingml/2006/diagram" xmlns:o="urn:schemas-microsoft-com:office:office" xmlns:v="urn:schemas-microsoft-com:vml" xmlns:pvml="urn:schemas-microsoft-com:office:powerpoint" xmlns:com="http://schemas.openxmlformats.org/drawingml/2006/compatibility" xmlns:p14="http://schemas.microsoft.com/office/powerpoint/2010/main">
-  <p:cSld>
-    <p:spTree>
-      <p:nvGrpSpPr>
-        <p:cNvPr id="203" name="Shape 203"/>
-        <p:cNvGrpSpPr/>
-        <p:nvPr/>
-      </p:nvGrpSpPr>
-      <p:grpSpPr>
-        <a:xfrm>
-          <a:off x="0" y="0"/>
-          <a:ext cx="0" cy="0"/>
-          <a:chOff x="0" y="0"/>
-          <a:chExt cx="0" cy="0"/>
-        </a:xfrm>
-      </p:grpSpPr>
-      <p:sp>
-        <p:nvSpPr>
-          <p:cNvPr id="204" name="Shape 204"/>
+          <p:cNvPr id="180" name="Shape 180"/>
           <p:cNvSpPr txBox="1"/>
           <p:nvPr>
             <p:ph type="title"/>
@@ -13130,7 +13409,7 @@
             </a:pPr>
             <a:r>
               <a:rPr lang="en-US"/>
-              <a:t>Interaction Flow Diagram</a:t>
+              <a:t>Live Demonstration</a:t>
             </a:r>
           </a:p>
         </p:txBody>
@@ -13143,12 +13422,12 @@
 </p:sld>
 </file>
 
-<file path=ppt/slides/slide16.xml><?xml version="1.0" encoding="utf-8"?>
+<file path=ppt/slides/slide17.xml><?xml version="1.0" encoding="utf-8"?>
 <p:sld xmlns:a="http://schemas.openxmlformats.org/drawingml/2006/main" xmlns:r="http://schemas.openxmlformats.org/officeDocument/2006/relationships" xmlns:mc="http://schemas.openxmlformats.org/markup-compatibility/2006" xmlns:mv="urn:schemas-microsoft-com:mac:vml" xmlns:p="http://schemas.openxmlformats.org/presentationml/2006/main" xmlns:c="http://schemas.openxmlformats.org/drawingml/2006/chart" xmlns:dgm="http://schemas.openxmlformats.org/drawingml/2006/diagram" xmlns:o="urn:schemas-microsoft-com:office:office" xmlns:v="urn:schemas-microsoft-com:vml" xmlns:pvml="urn:schemas-microsoft-com:office:powerpoint" xmlns:com="http://schemas.openxmlformats.org/drawingml/2006/compatibility" xmlns:p14="http://schemas.microsoft.com/office/powerpoint/2010/main">
   <p:cSld>
     <p:spTree>
       <p:nvGrpSpPr>
-        <p:cNvPr id="208" name="Shape 208"/>
+        <p:cNvPr id="184" name="Shape 184"/>
         <p:cNvGrpSpPr/>
         <p:nvPr/>
       </p:nvGrpSpPr>
@@ -13162,7 +13441,7 @@
       </p:grpSpPr>
       <p:sp>
         <p:nvSpPr>
-          <p:cNvPr id="209" name="Shape 209"/>
+          <p:cNvPr id="185" name="Shape 185"/>
           <p:cNvSpPr txBox="1"/>
           <p:nvPr>
             <p:ph type="title"/>
@@ -13191,7 +13470,86 @@
             </a:pPr>
             <a:r>
               <a:rPr lang="en-US"/>
-              <a:t>Live Demonstration</a:t>
+              <a:t>Problems and Solutions</a:t>
+            </a:r>
+          </a:p>
+        </p:txBody>
+      </p:sp>
+      <p:sp>
+        <p:nvSpPr>
+          <p:cNvPr id="186" name="Shape 186"/>
+          <p:cNvSpPr txBox="1"/>
+          <p:nvPr>
+            <p:ph idx="1" type="body"/>
+          </p:nvPr>
+        </p:nvSpPr>
+        <p:spPr>
+          <a:xfrm>
+            <a:off x="838200" y="1825625"/>
+            <a:ext cx="10515600" cy="4351200"/>
+          </a:xfrm>
+          <a:prstGeom prst="rect">
+            <a:avLst/>
+          </a:prstGeom>
+        </p:spPr>
+        <p:txBody>
+          <a:bodyPr anchorCtr="0" anchor="t" bIns="91425" lIns="91425" rIns="91425" tIns="91425">
+            <a:noAutofit/>
+          </a:bodyPr>
+          <a:lstStyle/>
+          <a:p>
+            <a:pPr indent="-228600" lvl="0" marL="457200" rtl="0">
+              <a:spcBef>
+                <a:spcPts val="0"/>
+              </a:spcBef>
+            </a:pPr>
+            <a:r>
+              <a:rPr lang="en-US"/>
+              <a:t>3D gestural control</a:t>
+            </a:r>
+          </a:p>
+          <a:p>
+            <a:pPr indent="-228600" lvl="0" marL="457200" rtl="0">
+              <a:spcBef>
+                <a:spcPts val="0"/>
+              </a:spcBef>
+            </a:pPr>
+            <a:r>
+              <a:rPr lang="en-US"/>
+              <a:t>Artificial Intelligence</a:t>
+            </a:r>
+          </a:p>
+          <a:p>
+            <a:pPr indent="-228600" lvl="0" marL="457200" rtl="0">
+              <a:spcBef>
+                <a:spcPts val="0"/>
+              </a:spcBef>
+            </a:pPr>
+            <a:r>
+              <a:rPr lang="en-US"/>
+              <a:t>Collision with multiple goal zone segments</a:t>
+            </a:r>
+          </a:p>
+          <a:p>
+            <a:pPr indent="-228600" lvl="0" marL="457200" rtl="0">
+              <a:spcBef>
+                <a:spcPts val="0"/>
+              </a:spcBef>
+            </a:pPr>
+            <a:r>
+              <a:rPr lang="en-US"/>
+              <a:t>Introduction of gameplay effects</a:t>
+            </a:r>
+          </a:p>
+          <a:p>
+            <a:pPr indent="-228600" lvl="0" marL="457200">
+              <a:spcBef>
+                <a:spcPts val="0"/>
+              </a:spcBef>
+            </a:pPr>
+            <a:r>
+              <a:rPr lang="en-US"/>
+              <a:t>Statistics</a:t>
             </a:r>
           </a:p>
         </p:txBody>
@@ -13204,12 +13562,12 @@
 </p:sld>
 </file>
 
-<file path=ppt/slides/slide17.xml><?xml version="1.0" encoding="utf-8"?>
+<file path=ppt/slides/slide18.xml><?xml version="1.0" encoding="utf-8"?>
 <p:sld xmlns:a="http://schemas.openxmlformats.org/drawingml/2006/main" xmlns:r="http://schemas.openxmlformats.org/officeDocument/2006/relationships" xmlns:mc="http://schemas.openxmlformats.org/markup-compatibility/2006" xmlns:mv="urn:schemas-microsoft-com:mac:vml" xmlns:p="http://schemas.openxmlformats.org/presentationml/2006/main" xmlns:c="http://schemas.openxmlformats.org/drawingml/2006/chart" xmlns:dgm="http://schemas.openxmlformats.org/drawingml/2006/diagram" xmlns:o="urn:schemas-microsoft-com:office:office" xmlns:v="urn:schemas-microsoft-com:vml" xmlns:pvml="urn:schemas-microsoft-com:office:powerpoint" xmlns:com="http://schemas.openxmlformats.org/drawingml/2006/compatibility" xmlns:p14="http://schemas.microsoft.com/office/powerpoint/2010/main">
   <p:cSld>
     <p:spTree>
       <p:nvGrpSpPr>
-        <p:cNvPr id="213" name="Shape 213"/>
+        <p:cNvPr id="190" name="Shape 190"/>
         <p:cNvGrpSpPr/>
         <p:nvPr/>
       </p:nvGrpSpPr>
@@ -13223,7 +13581,7 @@
       </p:grpSpPr>
       <p:sp>
         <p:nvSpPr>
-          <p:cNvPr id="214" name="Shape 214"/>
+          <p:cNvPr id="191" name="Shape 191"/>
           <p:cNvSpPr txBox="1"/>
           <p:nvPr>
             <p:ph type="title"/>
@@ -13252,14 +13610,14 @@
             </a:pPr>
             <a:r>
               <a:rPr lang="en-US"/>
-              <a:t>Problems and Solutions</a:t>
+              <a:t>Further Development</a:t>
             </a:r>
           </a:p>
         </p:txBody>
       </p:sp>
       <p:sp>
         <p:nvSpPr>
-          <p:cNvPr id="215" name="Shape 215"/>
+          <p:cNvPr id="192" name="Shape 192"/>
           <p:cNvSpPr txBox="1"/>
           <p:nvPr>
             <p:ph idx="1" type="body"/>
@@ -13287,7 +13645,7 @@
             </a:pPr>
             <a:r>
               <a:rPr lang="en-US"/>
-              <a:t>3D gestural control</a:t>
+              <a:t>TDD (test-driven development) and looser coupling</a:t>
             </a:r>
           </a:p>
           <a:p>
@@ -13298,7 +13656,7 @@
             </a:pPr>
             <a:r>
               <a:rPr lang="en-US"/>
-              <a:t>Artificial Intelligence</a:t>
+              <a:t>Gestural control of menus</a:t>
             </a:r>
           </a:p>
           <a:p>
@@ -13309,7 +13667,7 @@
             </a:pPr>
             <a:r>
               <a:rPr lang="en-US"/>
-              <a:t>Collision with multiple goal zone segments</a:t>
+              <a:t>Sound effects and background music</a:t>
             </a:r>
           </a:p>
           <a:p>
@@ -13320,7 +13678,40 @@
             </a:pPr>
             <a:r>
               <a:rPr lang="en-US"/>
-              <a:t>Introduction of gameplay effects</a:t>
+              <a:t>More settings</a:t>
+            </a:r>
+          </a:p>
+          <a:p>
+            <a:pPr indent="-228600" lvl="0" marL="457200" rtl="0">
+              <a:spcBef>
+                <a:spcPts val="0"/>
+              </a:spcBef>
+            </a:pPr>
+            <a:r>
+              <a:rPr lang="en-US"/>
+              <a:t>Multiplayer</a:t>
+            </a:r>
+          </a:p>
+          <a:p>
+            <a:pPr indent="-228600" lvl="1" marL="914400" rtl="0">
+              <a:spcBef>
+                <a:spcPts val="0"/>
+              </a:spcBef>
+            </a:pPr>
+            <a:r>
+              <a:rPr lang="en-US"/>
+              <a:t>Local (two players per match)</a:t>
+            </a:r>
+          </a:p>
+          <a:p>
+            <a:pPr indent="-228600" lvl="1" marL="914400" rtl="0">
+              <a:spcBef>
+                <a:spcPts val="0"/>
+              </a:spcBef>
+            </a:pPr>
+            <a:r>
+              <a:rPr lang="en-US"/>
+              <a:t>Online (two or more players per match)</a:t>
             </a:r>
           </a:p>
           <a:p>
@@ -13344,12 +13735,12 @@
 </p:sld>
 </file>
 
-<file path=ppt/slides/slide18.xml><?xml version="1.0" encoding="utf-8"?>
+<file path=ppt/slides/slide19.xml><?xml version="1.0" encoding="utf-8"?>
 <p:sld xmlns:a="http://schemas.openxmlformats.org/drawingml/2006/main" xmlns:r="http://schemas.openxmlformats.org/officeDocument/2006/relationships" xmlns:mc="http://schemas.openxmlformats.org/markup-compatibility/2006" xmlns:mv="urn:schemas-microsoft-com:mac:vml" xmlns:p="http://schemas.openxmlformats.org/presentationml/2006/main" xmlns:c="http://schemas.openxmlformats.org/drawingml/2006/chart" xmlns:dgm="http://schemas.openxmlformats.org/drawingml/2006/diagram" xmlns:o="urn:schemas-microsoft-com:office:office" xmlns:v="urn:schemas-microsoft-com:vml" xmlns:pvml="urn:schemas-microsoft-com:office:powerpoint" xmlns:com="http://schemas.openxmlformats.org/drawingml/2006/compatibility" xmlns:p14="http://schemas.microsoft.com/office/powerpoint/2010/main">
   <p:cSld>
     <p:spTree>
       <p:nvGrpSpPr>
-        <p:cNvPr id="219" name="Shape 219"/>
+        <p:cNvPr id="196" name="Shape 196"/>
         <p:cNvGrpSpPr/>
         <p:nvPr/>
       </p:nvGrpSpPr>
@@ -13363,7 +13754,7 @@
       </p:grpSpPr>
       <p:sp>
         <p:nvSpPr>
-          <p:cNvPr id="220" name="Shape 220"/>
+          <p:cNvPr id="197" name="Shape 197"/>
           <p:cNvSpPr txBox="1"/>
           <p:nvPr>
             <p:ph type="title"/>
@@ -13392,14 +13783,14 @@
             </a:pPr>
             <a:r>
               <a:rPr lang="en-US"/>
-              <a:t>Further Development</a:t>
+              <a:t>Works Cited</a:t>
             </a:r>
           </a:p>
         </p:txBody>
       </p:sp>
       <p:sp>
         <p:nvSpPr>
-          <p:cNvPr id="221" name="Shape 221"/>
+          <p:cNvPr id="198" name="Shape 198"/>
           <p:cNvSpPr txBox="1"/>
           <p:nvPr>
             <p:ph idx="1" type="body"/>
@@ -13420,91 +13811,101 @@
           </a:bodyPr>
           <a:lstStyle/>
           <a:p>
-            <a:pPr indent="-228600" lvl="0" marL="457200" rtl="0">
-              <a:spcBef>
-                <a:spcPts val="0"/>
-              </a:spcBef>
+            <a:pPr lvl="0" rtl="0">
+              <a:spcBef>
+                <a:spcPts val="0"/>
+              </a:spcBef>
+              <a:buNone/>
             </a:pPr>
             <a:r>
-              <a:rPr lang="en-US"/>
-              <a:t>TDD (test-driven development) and looser coupling</a:t>
+              <a:rPr lang="en-US" sz="2400"/>
+              <a:t>Git. Software Freedom Conservancy, n.d. Web. 3 May 2017.</a:t>
             </a:r>
           </a:p>
           <a:p>
-            <a:pPr indent="-228600" lvl="0" marL="457200" rtl="0">
-              <a:spcBef>
-                <a:spcPts val="0"/>
-              </a:spcBef>
+            <a:pPr indent="-50800" lvl="0" marL="685800" rtl="0">
+              <a:spcBef>
+                <a:spcPts val="0"/>
+              </a:spcBef>
+              <a:buNone/>
             </a:pPr>
             <a:r>
-              <a:rPr lang="en-US"/>
-              <a:t>Gestural control of menus</a:t>
+              <a:rPr lang="en-US" sz="2400"/>
+              <a:t>&lt;</a:t>
+            </a:r>
+            <a:r>
+              <a:rPr lang="en-US" sz="2400" u="sng">
+                <a:solidFill>
+                  <a:schemeClr val="hlink"/>
+                </a:solidFill>
+                <a:hlinkClick r:id="rId3"/>
+              </a:rPr>
+              <a:t>https://git-scm.com/</a:t>
+            </a:r>
+            <a:r>
+              <a:rPr lang="en-US" sz="2400"/>
+              <a:t>&gt;.</a:t>
             </a:r>
           </a:p>
           <a:p>
-            <a:pPr indent="-228600" lvl="0" marL="457200" rtl="0">
-              <a:spcBef>
-                <a:spcPts val="0"/>
-              </a:spcBef>
+            <a:pPr lvl="0">
+              <a:spcBef>
+                <a:spcPts val="0"/>
+              </a:spcBef>
+              <a:buNone/>
             </a:pPr>
             <a:r>
-              <a:rPr lang="en-US"/>
-              <a:t>Sound effects and background music</a:t>
+              <a:rPr lang="en-US" sz="2400"/>
+              <a:t>Microsoft. Microsoft, n.d. Web. 3 May 2017.</a:t>
             </a:r>
           </a:p>
           <a:p>
-            <a:pPr indent="-228600" lvl="0" marL="457200" rtl="0">
-              <a:spcBef>
-                <a:spcPts val="0"/>
-              </a:spcBef>
+            <a:pPr indent="-50800" lvl="0" marL="685800" rtl="0">
+              <a:spcBef>
+                <a:spcPts val="0"/>
+              </a:spcBef>
+              <a:buNone/>
             </a:pPr>
             <a:r>
-              <a:rPr lang="en-US"/>
-              <a:t>More settings</a:t>
+              <a:rPr lang="en-US" sz="2400"/>
+              <a:t>&lt;</a:t>
+            </a:r>
+            <a:r>
+              <a:rPr lang="en-US" sz="2400" u="sng">
+                <a:solidFill>
+                  <a:schemeClr val="hlink"/>
+                </a:solidFill>
+                <a:hlinkClick r:id="rId4"/>
+              </a:rPr>
+              <a:t>https://developer.microsoft.com/en-us/</a:t>
+            </a:r>
+            <a:r>
+              <a:rPr lang="en-US" sz="2400"/>
+              <a:t>&gt;.</a:t>
             </a:r>
           </a:p>
           <a:p>
-            <a:pPr indent="-228600" lvl="0" marL="457200" rtl="0">
-              <a:spcBef>
-                <a:spcPts val="0"/>
-              </a:spcBef>
+            <a:pPr lvl="0" rtl="0">
+              <a:spcBef>
+                <a:spcPts val="0"/>
+              </a:spcBef>
+              <a:buNone/>
             </a:pPr>
             <a:r>
-              <a:rPr lang="en-US"/>
-              <a:t>Multiplayer</a:t>
+              <a:rPr lang="en-US" sz="2400"/>
+              <a:t>Unity. Unity Technologies, n.d. Web. 3 May 2017.</a:t>
             </a:r>
           </a:p>
           <a:p>
-            <a:pPr indent="-228600" lvl="1" marL="914400" rtl="0">
-              <a:spcBef>
-                <a:spcPts val="0"/>
-              </a:spcBef>
+            <a:pPr indent="-50800" lvl="0" marL="685800">
+              <a:spcBef>
+                <a:spcPts val="0"/>
+              </a:spcBef>
+              <a:buNone/>
             </a:pPr>
             <a:r>
-              <a:rPr lang="en-US"/>
-              <a:t>Local (two players per match)</a:t>
-            </a:r>
-          </a:p>
-          <a:p>
-            <a:pPr indent="-228600" lvl="1" marL="914400" rtl="0">
-              <a:spcBef>
-                <a:spcPts val="0"/>
-              </a:spcBef>
-            </a:pPr>
-            <a:r>
-              <a:rPr lang="en-US"/>
-              <a:t>Online (two or more players per match)</a:t>
-            </a:r>
-          </a:p>
-          <a:p>
-            <a:pPr indent="-228600" lvl="0" marL="457200">
-              <a:spcBef>
-                <a:spcPts val="0"/>
-              </a:spcBef>
-            </a:pPr>
-            <a:r>
-              <a:rPr lang="en-US"/>
-              <a:t>Statistics</a:t>
+              <a:rPr lang="en-US" sz="2400"/>
+              <a:t> &lt;https://unity3d.com/&gt;.</a:t>
             </a:r>
           </a:p>
         </p:txBody>
@@ -13557,7 +13958,7 @@
           </a:bodyPr>
           <a:lstStyle/>
           <a:p>
-            <a:pPr lvl="0" algn="ctr">
+            <a:pPr lvl="0" rtl="0" algn="ctr">
               <a:spcBef>
                 <a:spcPts val="0"/>
               </a:spcBef>
@@ -13565,2005 +13966,93 @@
             </a:pPr>
             <a:r>
               <a:rPr lang="en-US"/>
-              <a:t>Overview</a:t>
+              <a:t>What Is This Project About?</a:t>
             </a:r>
           </a:p>
         </p:txBody>
       </p:sp>
-      <p:grpSp>
-        <p:nvGrpSpPr>
+      <p:sp>
+        <p:nvSpPr>
           <p:cNvPr id="91" name="Shape 91"/>
-          <p:cNvGrpSpPr/>
-          <p:nvPr/>
-        </p:nvGrpSpPr>
-        <p:grpSpPr>
+          <p:cNvSpPr txBox="1"/>
+          <p:nvPr>
+            <p:ph idx="1" type="body"/>
+          </p:nvPr>
+        </p:nvSpPr>
+        <p:spPr>
           <a:xfrm>
-            <a:off x="1150117" y="3322405"/>
-            <a:ext cx="9888555" cy="1821600"/>
-            <a:chOff x="8706" y="881633"/>
-            <a:chExt cx="9888555" cy="1821600"/>
+            <a:off x="838200" y="1825625"/>
+            <a:ext cx="10515600" cy="4351200"/>
           </a:xfrm>
-        </p:grpSpPr>
-        <p:sp>
-          <p:nvSpPr>
-            <p:cNvPr id="92" name="Shape 92"/>
-            <p:cNvSpPr/>
-            <p:nvPr/>
-          </p:nvSpPr>
-          <p:spPr>
-            <a:xfrm>
-              <a:off x="8706" y="881633"/>
-              <a:ext cx="1301100" cy="1821600"/>
-            </a:xfrm>
-            <a:prstGeom prst="rect">
-              <a:avLst/>
-            </a:prstGeom>
-            <a:noFill/>
-            <a:ln cap="flat" cmpd="sng" w="9525">
-              <a:solidFill>
-                <a:srgbClr val="FFFFFF"/>
-              </a:solidFill>
-              <a:prstDash val="solid"/>
-              <a:round/>
-              <a:headEnd len="med" w="med" type="none"/>
-              <a:tailEnd len="med" w="med" type="none"/>
-            </a:ln>
-          </p:spPr>
-          <p:txBody>
-            <a:bodyPr anchorCtr="0" anchor="ctr" bIns="91425" lIns="91425" rIns="91425" tIns="91425">
-              <a:noAutofit/>
-            </a:bodyPr>
-            <a:lstStyle/>
-            <a:p>
-              <a:pPr lvl="0">
-                <a:spcBef>
-                  <a:spcPts val="0"/>
-                </a:spcBef>
-                <a:buNone/>
-              </a:pPr>
-              <a:r>
-                <a:t/>
-              </a:r>
-              <a:endParaRPr/>
-            </a:p>
-          </p:txBody>
-        </p:sp>
-        <p:sp>
-          <p:nvSpPr>
-            <p:cNvPr id="93" name="Shape 93"/>
-            <p:cNvSpPr txBox="1"/>
-            <p:nvPr/>
-          </p:nvSpPr>
-          <p:spPr>
-            <a:xfrm>
-              <a:off x="8706" y="1573834"/>
-              <a:ext cx="1301100" cy="1092900"/>
-            </a:xfrm>
-            <a:prstGeom prst="rect">
-              <a:avLst/>
-            </a:prstGeom>
-            <a:noFill/>
-            <a:ln>
-              <a:noFill/>
-            </a:ln>
-          </p:spPr>
-          <p:txBody>
-            <a:bodyPr anchorCtr="0" anchor="t" bIns="330200" lIns="101425" rIns="101425" tIns="330200">
-              <a:noAutofit/>
-            </a:bodyPr>
-            <a:lstStyle/>
-            <a:p>
-              <a:pPr indent="0" lvl="0" marL="0" marR="0" rtl="0" algn="l">
-                <a:lnSpc>
-                  <a:spcPct val="90000"/>
-                </a:lnSpc>
-                <a:spcBef>
-                  <a:spcPts val="0"/>
-                </a:spcBef>
-                <a:spcAft>
-                  <a:spcPts val="0"/>
-                </a:spcAft>
-                <a:buClr>
-                  <a:schemeClr val="lt1"/>
-                </a:buClr>
-                <a:buSzPct val="25000"/>
-                <a:buFont typeface="Questrial"/>
-                <a:buNone/>
-              </a:pPr>
-              <a:r>
-                <a:rPr b="0" i="0" lang="en-US" sz="1300" u="none" cap="none" strike="noStrike">
-                  <a:solidFill>
-                    <a:schemeClr val="lt1"/>
-                  </a:solidFill>
-                  <a:latin typeface="Questrial"/>
-                  <a:ea typeface="Questrial"/>
-                  <a:cs typeface="Questrial"/>
-                  <a:sym typeface="Questrial"/>
-                </a:rPr>
-                <a:t>What </a:t>
-              </a:r>
-              <a:r>
-                <a:rPr lang="en-US" sz="1300">
-                  <a:solidFill>
-                    <a:schemeClr val="lt1"/>
-                  </a:solidFill>
-                  <a:latin typeface="Questrial"/>
-                  <a:ea typeface="Questrial"/>
-                  <a:cs typeface="Questrial"/>
-                  <a:sym typeface="Questrial"/>
-                </a:rPr>
-                <a:t>I</a:t>
-              </a:r>
-              <a:r>
-                <a:rPr b="0" i="0" lang="en-US" sz="1300" u="none" cap="none" strike="noStrike">
-                  <a:solidFill>
-                    <a:schemeClr val="lt1"/>
-                  </a:solidFill>
-                  <a:latin typeface="Questrial"/>
-                  <a:ea typeface="Questrial"/>
-                  <a:cs typeface="Questrial"/>
-                  <a:sym typeface="Questrial"/>
-                </a:rPr>
-                <a:t>s </a:t>
-              </a:r>
-              <a:r>
-                <a:rPr lang="en-US" sz="1300">
-                  <a:solidFill>
-                    <a:schemeClr val="lt1"/>
-                  </a:solidFill>
-                  <a:latin typeface="Questrial"/>
-                  <a:ea typeface="Questrial"/>
-                  <a:cs typeface="Questrial"/>
-                  <a:sym typeface="Questrial"/>
-                </a:rPr>
-                <a:t>T</a:t>
-              </a:r>
-              <a:r>
-                <a:rPr b="0" i="0" lang="en-US" sz="1300" u="none" cap="none" strike="noStrike">
-                  <a:solidFill>
-                    <a:schemeClr val="lt1"/>
-                  </a:solidFill>
-                  <a:latin typeface="Questrial"/>
-                  <a:ea typeface="Questrial"/>
-                  <a:cs typeface="Questrial"/>
-                  <a:sym typeface="Questrial"/>
-                </a:rPr>
-                <a:t>his </a:t>
-              </a:r>
-              <a:r>
-                <a:rPr lang="en-US" sz="1300">
-                  <a:solidFill>
-                    <a:schemeClr val="lt1"/>
-                  </a:solidFill>
-                  <a:latin typeface="Questrial"/>
-                  <a:ea typeface="Questrial"/>
-                  <a:cs typeface="Questrial"/>
-                  <a:sym typeface="Questrial"/>
-                </a:rPr>
-                <a:t>Project A</a:t>
-              </a:r>
-              <a:r>
-                <a:rPr b="0" i="0" lang="en-US" sz="1300" u="none" cap="none" strike="noStrike">
-                  <a:solidFill>
-                    <a:schemeClr val="lt1"/>
-                  </a:solidFill>
-                  <a:latin typeface="Questrial"/>
-                  <a:ea typeface="Questrial"/>
-                  <a:cs typeface="Questrial"/>
-                  <a:sym typeface="Questrial"/>
-                </a:rPr>
-                <a:t>bout?</a:t>
-              </a:r>
-            </a:p>
-          </p:txBody>
-        </p:sp>
-        <p:sp>
-          <p:nvSpPr>
-            <p:cNvPr id="94" name="Shape 94"/>
-            <p:cNvSpPr/>
-            <p:nvPr/>
-          </p:nvSpPr>
-          <p:spPr>
-            <a:xfrm>
-              <a:off x="386034" y="1063791"/>
-              <a:ext cx="546600" cy="546600"/>
-            </a:xfrm>
-            <a:prstGeom prst="ellipse">
-              <a:avLst/>
-            </a:prstGeom>
-            <a:gradFill>
-              <a:gsLst>
-                <a:gs pos="0">
-                  <a:srgbClr val="66D49C"/>
-                </a:gs>
-                <a:gs pos="100000">
-                  <a:srgbClr val="33C27C"/>
-                </a:gs>
-              </a:gsLst>
-              <a:lin ang="5400012" scaled="0"/>
-            </a:gradFill>
-            <a:ln cap="flat" cmpd="sng" w="9525">
-              <a:solidFill>
-                <a:srgbClr val="4ECE90"/>
-              </a:solidFill>
-              <a:prstDash val="solid"/>
-              <a:round/>
-              <a:headEnd len="med" w="med" type="none"/>
-              <a:tailEnd len="med" w="med" type="none"/>
-            </a:ln>
-          </p:spPr>
-          <p:txBody>
-            <a:bodyPr anchorCtr="0" anchor="ctr" bIns="91425" lIns="91425" rIns="91425" tIns="91425">
-              <a:noAutofit/>
-            </a:bodyPr>
-            <a:lstStyle/>
-            <a:p>
-              <a:pPr lvl="0">
-                <a:spcBef>
-                  <a:spcPts val="0"/>
-                </a:spcBef>
-                <a:buNone/>
-              </a:pPr>
-              <a:r>
-                <a:t/>
-              </a:r>
-              <a:endParaRPr/>
-            </a:p>
-          </p:txBody>
-        </p:sp>
-        <p:sp>
-          <p:nvSpPr>
-            <p:cNvPr id="95" name="Shape 95"/>
-            <p:cNvSpPr txBox="1"/>
-            <p:nvPr/>
-          </p:nvSpPr>
-          <p:spPr>
-            <a:xfrm>
-              <a:off x="466062" y="1143820"/>
-              <a:ext cx="386399" cy="386400"/>
-            </a:xfrm>
-            <a:prstGeom prst="rect">
-              <a:avLst/>
-            </a:prstGeom>
-            <a:noFill/>
-            <a:ln>
-              <a:noFill/>
-            </a:ln>
-          </p:spPr>
-          <p:txBody>
-            <a:bodyPr anchorCtr="0" anchor="ctr" bIns="12700" lIns="42600" rIns="42600" tIns="12700">
-              <a:noAutofit/>
-            </a:bodyPr>
-            <a:lstStyle/>
-            <a:p>
-              <a:pPr indent="0" lvl="0" marL="0" marR="0" rtl="0" algn="ctr">
-                <a:lnSpc>
-                  <a:spcPct val="90000"/>
-                </a:lnSpc>
-                <a:spcBef>
-                  <a:spcPts val="0"/>
-                </a:spcBef>
-                <a:spcAft>
-                  <a:spcPts val="0"/>
-                </a:spcAft>
-                <a:buClr>
-                  <a:schemeClr val="lt1"/>
-                </a:buClr>
-                <a:buSzPct val="25000"/>
-                <a:buFont typeface="Questrial"/>
-                <a:buNone/>
-              </a:pPr>
-              <a:r>
-                <a:rPr b="0" i="0" lang="en-US" sz="2900" u="none" cap="none" strike="noStrike">
-                  <a:solidFill>
-                    <a:schemeClr val="lt1"/>
-                  </a:solidFill>
-                  <a:latin typeface="Questrial"/>
-                  <a:ea typeface="Questrial"/>
-                  <a:cs typeface="Questrial"/>
-                  <a:sym typeface="Questrial"/>
-                </a:rPr>
-                <a:t>1</a:t>
-              </a:r>
-            </a:p>
-          </p:txBody>
-        </p:sp>
-        <p:sp>
-          <p:nvSpPr>
-            <p:cNvPr id="96" name="Shape 96"/>
-            <p:cNvSpPr/>
-            <p:nvPr/>
-          </p:nvSpPr>
-          <p:spPr>
-            <a:xfrm>
-              <a:off x="8706" y="2703142"/>
-              <a:ext cx="1301100" cy="0"/>
-            </a:xfrm>
-            <a:prstGeom prst="rect">
-              <a:avLst/>
-            </a:prstGeom>
-            <a:gradFill>
-              <a:gsLst>
-                <a:gs pos="0">
-                  <a:srgbClr val="66D49C"/>
-                </a:gs>
-                <a:gs pos="100000">
-                  <a:srgbClr val="33C27C"/>
-                </a:gs>
-              </a:gsLst>
-              <a:lin ang="5400012" scaled="0"/>
-            </a:gradFill>
-            <a:ln cap="flat" cmpd="sng" w="9525">
-              <a:solidFill>
-                <a:srgbClr val="4ECE90"/>
-              </a:solidFill>
-              <a:prstDash val="solid"/>
-              <a:round/>
-              <a:headEnd len="med" w="med" type="none"/>
-              <a:tailEnd len="med" w="med" type="none"/>
-            </a:ln>
-          </p:spPr>
-          <p:txBody>
-            <a:bodyPr anchorCtr="0" anchor="ctr" bIns="91425" lIns="91425" rIns="91425" tIns="91425">
-              <a:noAutofit/>
-            </a:bodyPr>
-            <a:lstStyle/>
-            <a:p>
-              <a:pPr lvl="0">
-                <a:spcBef>
-                  <a:spcPts val="0"/>
-                </a:spcBef>
-                <a:buNone/>
-              </a:pPr>
-              <a:r>
-                <a:t/>
-              </a:r>
-              <a:endParaRPr/>
-            </a:p>
-          </p:txBody>
-        </p:sp>
-        <p:sp>
-          <p:nvSpPr>
-            <p:cNvPr id="97" name="Shape 97"/>
-            <p:cNvSpPr/>
-            <p:nvPr/>
-          </p:nvSpPr>
-          <p:spPr>
-            <a:xfrm>
-              <a:off x="1439949" y="881633"/>
-              <a:ext cx="1301100" cy="1821600"/>
-            </a:xfrm>
-            <a:prstGeom prst="rect">
-              <a:avLst/>
-            </a:prstGeom>
-            <a:noFill/>
-            <a:ln cap="flat" cmpd="sng" w="9525">
-              <a:solidFill>
-                <a:schemeClr val="dk1"/>
-              </a:solidFill>
-              <a:prstDash val="solid"/>
-              <a:round/>
-              <a:headEnd len="med" w="med" type="none"/>
-              <a:tailEnd len="med" w="med" type="none"/>
-            </a:ln>
-          </p:spPr>
-          <p:txBody>
-            <a:bodyPr anchorCtr="0" anchor="ctr" bIns="91425" lIns="91425" rIns="91425" tIns="91425">
-              <a:noAutofit/>
-            </a:bodyPr>
-            <a:lstStyle/>
-            <a:p>
-              <a:pPr lvl="0">
-                <a:spcBef>
-                  <a:spcPts val="0"/>
-                </a:spcBef>
-                <a:buNone/>
-              </a:pPr>
-              <a:r>
-                <a:t/>
-              </a:r>
-              <a:endParaRPr/>
-            </a:p>
-          </p:txBody>
-        </p:sp>
-        <p:sp>
-          <p:nvSpPr>
-            <p:cNvPr id="98" name="Shape 98"/>
-            <p:cNvSpPr txBox="1"/>
-            <p:nvPr/>
-          </p:nvSpPr>
-          <p:spPr>
-            <a:xfrm>
-              <a:off x="1439949" y="1573834"/>
-              <a:ext cx="1301100" cy="1092900"/>
-            </a:xfrm>
-            <a:prstGeom prst="rect">
-              <a:avLst/>
-            </a:prstGeom>
-            <a:noFill/>
-            <a:ln>
-              <a:noFill/>
-            </a:ln>
-          </p:spPr>
-          <p:txBody>
-            <a:bodyPr anchorCtr="0" anchor="t" bIns="330200" lIns="101425" rIns="101425" tIns="330200">
-              <a:noAutofit/>
-            </a:bodyPr>
-            <a:lstStyle/>
-            <a:p>
-              <a:pPr indent="0" lvl="0" marL="0" marR="0" rtl="0" algn="l">
-                <a:lnSpc>
-                  <a:spcPct val="90000"/>
-                </a:lnSpc>
-                <a:spcBef>
-                  <a:spcPts val="0"/>
-                </a:spcBef>
-                <a:spcAft>
-                  <a:spcPts val="0"/>
-                </a:spcAft>
-                <a:buClr>
-                  <a:schemeClr val="lt1"/>
-                </a:buClr>
-                <a:buSzPct val="25000"/>
-                <a:buFont typeface="Questrial"/>
-                <a:buNone/>
-              </a:pPr>
-              <a:r>
-                <a:rPr lang="en-US" sz="1300">
-                  <a:solidFill>
-                    <a:schemeClr val="lt1"/>
-                  </a:solidFill>
-                  <a:latin typeface="Questrial"/>
-                  <a:ea typeface="Questrial"/>
-                  <a:cs typeface="Questrial"/>
-                  <a:sym typeface="Questrial"/>
-                </a:rPr>
-                <a:t>The Approach</a:t>
-              </a:r>
-            </a:p>
-          </p:txBody>
-        </p:sp>
-        <p:sp>
-          <p:nvSpPr>
-            <p:cNvPr id="99" name="Shape 99"/>
-            <p:cNvSpPr/>
-            <p:nvPr/>
-          </p:nvSpPr>
-          <p:spPr>
-            <a:xfrm>
-              <a:off x="1817275" y="1063791"/>
-              <a:ext cx="546600" cy="546600"/>
-            </a:xfrm>
-            <a:prstGeom prst="ellipse">
-              <a:avLst/>
-            </a:prstGeom>
-            <a:gradFill>
-              <a:gsLst>
-                <a:gs pos="0">
-                  <a:srgbClr val="66D49C"/>
-                </a:gs>
-                <a:gs pos="100000">
-                  <a:srgbClr val="33C27C"/>
-                </a:gs>
-              </a:gsLst>
-              <a:lin ang="5400012" scaled="0"/>
-            </a:gradFill>
-            <a:ln cap="flat" cmpd="sng" w="9525">
-              <a:solidFill>
-                <a:srgbClr val="4ECE90"/>
-              </a:solidFill>
-              <a:prstDash val="solid"/>
-              <a:round/>
-              <a:headEnd len="med" w="med" type="none"/>
-              <a:tailEnd len="med" w="med" type="none"/>
-            </a:ln>
-          </p:spPr>
-          <p:txBody>
-            <a:bodyPr anchorCtr="0" anchor="ctr" bIns="91425" lIns="91425" rIns="91425" tIns="91425">
-              <a:noAutofit/>
-            </a:bodyPr>
-            <a:lstStyle/>
-            <a:p>
-              <a:pPr lvl="0">
-                <a:spcBef>
-                  <a:spcPts val="0"/>
-                </a:spcBef>
-                <a:buNone/>
-              </a:pPr>
-              <a:r>
-                <a:t/>
-              </a:r>
-              <a:endParaRPr/>
-            </a:p>
-          </p:txBody>
-        </p:sp>
-        <p:sp>
-          <p:nvSpPr>
-            <p:cNvPr id="100" name="Shape 100"/>
-            <p:cNvSpPr txBox="1"/>
-            <p:nvPr/>
-          </p:nvSpPr>
-          <p:spPr>
-            <a:xfrm>
-              <a:off x="1897305" y="1143820"/>
-              <a:ext cx="386400" cy="386400"/>
-            </a:xfrm>
-            <a:prstGeom prst="rect">
-              <a:avLst/>
-            </a:prstGeom>
-            <a:noFill/>
-            <a:ln>
-              <a:noFill/>
-            </a:ln>
-          </p:spPr>
-          <p:txBody>
-            <a:bodyPr anchorCtr="0" anchor="ctr" bIns="12700" lIns="42600" rIns="42600" tIns="12700">
-              <a:noAutofit/>
-            </a:bodyPr>
-            <a:lstStyle/>
-            <a:p>
-              <a:pPr indent="0" lvl="0" marL="0" marR="0" rtl="0" algn="ctr">
-                <a:lnSpc>
-                  <a:spcPct val="90000"/>
-                </a:lnSpc>
-                <a:spcBef>
-                  <a:spcPts val="0"/>
-                </a:spcBef>
-                <a:spcAft>
-                  <a:spcPts val="0"/>
-                </a:spcAft>
-                <a:buClr>
-                  <a:schemeClr val="lt1"/>
-                </a:buClr>
-                <a:buSzPct val="25000"/>
-                <a:buFont typeface="Questrial"/>
-                <a:buNone/>
-              </a:pPr>
-              <a:r>
-                <a:rPr b="0" i="0" lang="en-US" sz="2900" u="none" cap="none" strike="noStrike">
-                  <a:solidFill>
-                    <a:schemeClr val="lt1"/>
-                  </a:solidFill>
-                  <a:latin typeface="Questrial"/>
-                  <a:ea typeface="Questrial"/>
-                  <a:cs typeface="Questrial"/>
-                  <a:sym typeface="Questrial"/>
-                </a:rPr>
-                <a:t>2</a:t>
-              </a:r>
-            </a:p>
-          </p:txBody>
-        </p:sp>
-        <p:sp>
-          <p:nvSpPr>
-            <p:cNvPr id="101" name="Shape 101"/>
-            <p:cNvSpPr/>
-            <p:nvPr/>
-          </p:nvSpPr>
-          <p:spPr>
-            <a:xfrm>
-              <a:off x="1439949" y="2703142"/>
-              <a:ext cx="1301100" cy="0"/>
-            </a:xfrm>
-            <a:prstGeom prst="rect">
-              <a:avLst/>
-            </a:prstGeom>
-            <a:gradFill>
-              <a:gsLst>
-                <a:gs pos="0">
-                  <a:srgbClr val="66D49C"/>
-                </a:gs>
-                <a:gs pos="100000">
-                  <a:srgbClr val="33C27C"/>
-                </a:gs>
-              </a:gsLst>
-              <a:lin ang="5400012" scaled="0"/>
-            </a:gradFill>
-            <a:ln cap="flat" cmpd="sng" w="9525">
-              <a:solidFill>
-                <a:srgbClr val="4ECE90"/>
-              </a:solidFill>
-              <a:prstDash val="solid"/>
-              <a:round/>
-              <a:headEnd len="med" w="med" type="none"/>
-              <a:tailEnd len="med" w="med" type="none"/>
-            </a:ln>
-          </p:spPr>
-          <p:txBody>
-            <a:bodyPr anchorCtr="0" anchor="ctr" bIns="91425" lIns="91425" rIns="91425" tIns="91425">
-              <a:noAutofit/>
-            </a:bodyPr>
-            <a:lstStyle/>
-            <a:p>
-              <a:pPr lvl="0">
-                <a:spcBef>
-                  <a:spcPts val="0"/>
-                </a:spcBef>
-                <a:buNone/>
-              </a:pPr>
-              <a:r>
-                <a:t/>
-              </a:r>
-              <a:endParaRPr/>
-            </a:p>
-          </p:txBody>
-        </p:sp>
-        <p:sp>
-          <p:nvSpPr>
-            <p:cNvPr id="102" name="Shape 102"/>
-            <p:cNvSpPr/>
-            <p:nvPr/>
-          </p:nvSpPr>
-          <p:spPr>
-            <a:xfrm>
-              <a:off x="2871191" y="881633"/>
-              <a:ext cx="1301099" cy="1821600"/>
-            </a:xfrm>
-            <a:prstGeom prst="rect">
-              <a:avLst/>
-            </a:prstGeom>
-            <a:noFill/>
-            <a:ln cap="flat" cmpd="sng" w="9525">
-              <a:solidFill>
-                <a:schemeClr val="dk1"/>
-              </a:solidFill>
-              <a:prstDash val="solid"/>
-              <a:round/>
-              <a:headEnd len="med" w="med" type="none"/>
-              <a:tailEnd len="med" w="med" type="none"/>
-            </a:ln>
-          </p:spPr>
-          <p:txBody>
-            <a:bodyPr anchorCtr="0" anchor="ctr" bIns="91425" lIns="91425" rIns="91425" tIns="91425">
-              <a:noAutofit/>
-            </a:bodyPr>
-            <a:lstStyle/>
-            <a:p>
-              <a:pPr lvl="0">
-                <a:spcBef>
-                  <a:spcPts val="0"/>
-                </a:spcBef>
-                <a:buNone/>
-              </a:pPr>
-              <a:r>
-                <a:t/>
-              </a:r>
-              <a:endParaRPr/>
-            </a:p>
-          </p:txBody>
-        </p:sp>
-        <p:sp>
-          <p:nvSpPr>
-            <p:cNvPr id="103" name="Shape 103"/>
-            <p:cNvSpPr txBox="1"/>
-            <p:nvPr/>
-          </p:nvSpPr>
-          <p:spPr>
-            <a:xfrm>
-              <a:off x="2871191" y="1573834"/>
-              <a:ext cx="1301099" cy="1092900"/>
-            </a:xfrm>
-            <a:prstGeom prst="rect">
-              <a:avLst/>
-            </a:prstGeom>
-            <a:noFill/>
-            <a:ln>
-              <a:noFill/>
-            </a:ln>
-          </p:spPr>
-          <p:txBody>
-            <a:bodyPr anchorCtr="0" anchor="t" bIns="330200" lIns="101425" rIns="101425" tIns="330200">
-              <a:noAutofit/>
-            </a:bodyPr>
-            <a:lstStyle/>
-            <a:p>
-              <a:pPr indent="0" lvl="0" marL="0" marR="0" rtl="0" algn="l">
-                <a:lnSpc>
-                  <a:spcPct val="90000"/>
-                </a:lnSpc>
-                <a:spcBef>
-                  <a:spcPts val="0"/>
-                </a:spcBef>
-                <a:spcAft>
-                  <a:spcPts val="0"/>
-                </a:spcAft>
-                <a:buClr>
-                  <a:schemeClr val="lt1"/>
-                </a:buClr>
-                <a:buSzPct val="25000"/>
-                <a:buFont typeface="Questrial"/>
-                <a:buNone/>
-              </a:pPr>
-              <a:r>
-                <a:rPr lang="en-US" sz="1300">
-                  <a:solidFill>
-                    <a:schemeClr val="lt1"/>
-                  </a:solidFill>
-                  <a:latin typeface="Questrial"/>
-                  <a:ea typeface="Questrial"/>
-                  <a:cs typeface="Questrial"/>
-                  <a:sym typeface="Questrial"/>
-                </a:rPr>
-                <a:t>Toolset</a:t>
-              </a:r>
-            </a:p>
-          </p:txBody>
-        </p:sp>
-        <p:sp>
-          <p:nvSpPr>
-            <p:cNvPr id="104" name="Shape 104"/>
-            <p:cNvSpPr/>
-            <p:nvPr/>
-          </p:nvSpPr>
-          <p:spPr>
-            <a:xfrm>
-              <a:off x="3248518" y="1063791"/>
-              <a:ext cx="546600" cy="546600"/>
-            </a:xfrm>
-            <a:prstGeom prst="ellipse">
-              <a:avLst/>
-            </a:prstGeom>
-            <a:gradFill>
-              <a:gsLst>
-                <a:gs pos="0">
-                  <a:srgbClr val="66D49C"/>
-                </a:gs>
-                <a:gs pos="100000">
-                  <a:srgbClr val="33C27C"/>
-                </a:gs>
-              </a:gsLst>
-              <a:lin ang="5400012" scaled="0"/>
-            </a:gradFill>
-            <a:ln cap="flat" cmpd="sng" w="9525">
-              <a:solidFill>
-                <a:srgbClr val="4ECE90"/>
-              </a:solidFill>
-              <a:prstDash val="solid"/>
-              <a:round/>
-              <a:headEnd len="med" w="med" type="none"/>
-              <a:tailEnd len="med" w="med" type="none"/>
-            </a:ln>
-          </p:spPr>
-          <p:txBody>
-            <a:bodyPr anchorCtr="0" anchor="ctr" bIns="91425" lIns="91425" rIns="91425" tIns="91425">
-              <a:noAutofit/>
-            </a:bodyPr>
-            <a:lstStyle/>
-            <a:p>
-              <a:pPr lvl="0">
-                <a:spcBef>
-                  <a:spcPts val="0"/>
-                </a:spcBef>
-                <a:buNone/>
-              </a:pPr>
-              <a:r>
-                <a:t/>
-              </a:r>
-              <a:endParaRPr/>
-            </a:p>
-          </p:txBody>
-        </p:sp>
-        <p:sp>
-          <p:nvSpPr>
-            <p:cNvPr id="105" name="Shape 105"/>
-            <p:cNvSpPr txBox="1"/>
-            <p:nvPr/>
-          </p:nvSpPr>
-          <p:spPr>
-            <a:xfrm>
-              <a:off x="3328548" y="1143820"/>
-              <a:ext cx="386400" cy="386400"/>
-            </a:xfrm>
-            <a:prstGeom prst="rect">
-              <a:avLst/>
-            </a:prstGeom>
-            <a:noFill/>
-            <a:ln>
-              <a:noFill/>
-            </a:ln>
-          </p:spPr>
-          <p:txBody>
-            <a:bodyPr anchorCtr="0" anchor="ctr" bIns="12700" lIns="42600" rIns="42600" tIns="12700">
-              <a:noAutofit/>
-            </a:bodyPr>
-            <a:lstStyle/>
-            <a:p>
-              <a:pPr indent="0" lvl="0" marL="0" marR="0" rtl="0" algn="ctr">
-                <a:lnSpc>
-                  <a:spcPct val="90000"/>
-                </a:lnSpc>
-                <a:spcBef>
-                  <a:spcPts val="0"/>
-                </a:spcBef>
-                <a:spcAft>
-                  <a:spcPts val="0"/>
-                </a:spcAft>
-                <a:buClr>
-                  <a:schemeClr val="lt1"/>
-                </a:buClr>
-                <a:buSzPct val="25000"/>
-                <a:buFont typeface="Questrial"/>
-                <a:buNone/>
-              </a:pPr>
-              <a:r>
-                <a:rPr b="0" i="0" lang="en-US" sz="2900" u="none" cap="none" strike="noStrike">
-                  <a:solidFill>
-                    <a:schemeClr val="lt1"/>
-                  </a:solidFill>
-                  <a:latin typeface="Questrial"/>
-                  <a:ea typeface="Questrial"/>
-                  <a:cs typeface="Questrial"/>
-                  <a:sym typeface="Questrial"/>
-                </a:rPr>
-                <a:t>3</a:t>
-              </a:r>
-            </a:p>
-          </p:txBody>
-        </p:sp>
-        <p:sp>
-          <p:nvSpPr>
-            <p:cNvPr id="106" name="Shape 106"/>
-            <p:cNvSpPr/>
-            <p:nvPr/>
-          </p:nvSpPr>
-          <p:spPr>
-            <a:xfrm>
-              <a:off x="2871191" y="2703142"/>
-              <a:ext cx="1301099" cy="0"/>
-            </a:xfrm>
-            <a:prstGeom prst="rect">
-              <a:avLst/>
-            </a:prstGeom>
-            <a:gradFill>
-              <a:gsLst>
-                <a:gs pos="0">
-                  <a:srgbClr val="66D49C"/>
-                </a:gs>
-                <a:gs pos="100000">
-                  <a:srgbClr val="33C27C"/>
-                </a:gs>
-              </a:gsLst>
-              <a:lin ang="5400012" scaled="0"/>
-            </a:gradFill>
-            <a:ln cap="flat" cmpd="sng" w="9525">
-              <a:solidFill>
-                <a:srgbClr val="4ECE90"/>
-              </a:solidFill>
-              <a:prstDash val="solid"/>
-              <a:round/>
-              <a:headEnd len="med" w="med" type="none"/>
-              <a:tailEnd len="med" w="med" type="none"/>
-            </a:ln>
-          </p:spPr>
-          <p:txBody>
-            <a:bodyPr anchorCtr="0" anchor="ctr" bIns="91425" lIns="91425" rIns="91425" tIns="91425">
-              <a:noAutofit/>
-            </a:bodyPr>
-            <a:lstStyle/>
-            <a:p>
-              <a:pPr lvl="0">
-                <a:spcBef>
-                  <a:spcPts val="0"/>
-                </a:spcBef>
-                <a:buNone/>
-              </a:pPr>
-              <a:r>
-                <a:t/>
-              </a:r>
-              <a:endParaRPr/>
-            </a:p>
-          </p:txBody>
-        </p:sp>
-        <p:sp>
-          <p:nvSpPr>
-            <p:cNvPr id="107" name="Shape 107"/>
-            <p:cNvSpPr/>
-            <p:nvPr/>
-          </p:nvSpPr>
-          <p:spPr>
-            <a:xfrm>
-              <a:off x="4302433" y="881633"/>
-              <a:ext cx="1301100" cy="1821600"/>
-            </a:xfrm>
-            <a:prstGeom prst="rect">
-              <a:avLst/>
-            </a:prstGeom>
-            <a:noFill/>
-            <a:ln cap="flat" cmpd="sng" w="9525">
-              <a:solidFill>
-                <a:schemeClr val="dk1"/>
-              </a:solidFill>
-              <a:prstDash val="solid"/>
-              <a:round/>
-              <a:headEnd len="med" w="med" type="none"/>
-              <a:tailEnd len="med" w="med" type="none"/>
-            </a:ln>
-          </p:spPr>
-          <p:txBody>
-            <a:bodyPr anchorCtr="0" anchor="ctr" bIns="91425" lIns="91425" rIns="91425" tIns="91425">
-              <a:noAutofit/>
-            </a:bodyPr>
-            <a:lstStyle/>
-            <a:p>
-              <a:pPr lvl="0">
-                <a:spcBef>
-                  <a:spcPts val="0"/>
-                </a:spcBef>
-                <a:buNone/>
-              </a:pPr>
-              <a:r>
-                <a:t/>
-              </a:r>
-              <a:endParaRPr/>
-            </a:p>
-          </p:txBody>
-        </p:sp>
-        <p:sp>
-          <p:nvSpPr>
-            <p:cNvPr id="108" name="Shape 108"/>
-            <p:cNvSpPr txBox="1"/>
-            <p:nvPr/>
-          </p:nvSpPr>
-          <p:spPr>
-            <a:xfrm>
-              <a:off x="4302433" y="1573834"/>
-              <a:ext cx="1301100" cy="1092900"/>
-            </a:xfrm>
-            <a:prstGeom prst="rect">
-              <a:avLst/>
-            </a:prstGeom>
-            <a:noFill/>
-            <a:ln>
-              <a:noFill/>
-            </a:ln>
-          </p:spPr>
-          <p:txBody>
-            <a:bodyPr anchorCtr="0" anchor="t" bIns="330200" lIns="101425" rIns="101425" tIns="330200">
-              <a:noAutofit/>
-            </a:bodyPr>
-            <a:lstStyle/>
-            <a:p>
-              <a:pPr indent="0" lvl="0" marL="0" marR="0" rtl="0" algn="l">
-                <a:lnSpc>
-                  <a:spcPct val="90000"/>
-                </a:lnSpc>
-                <a:spcBef>
-                  <a:spcPts val="0"/>
-                </a:spcBef>
-                <a:spcAft>
-                  <a:spcPts val="0"/>
-                </a:spcAft>
-                <a:buClr>
-                  <a:schemeClr val="lt1"/>
-                </a:buClr>
-                <a:buSzPct val="25000"/>
-                <a:buFont typeface="Questrial"/>
-                <a:buNone/>
-              </a:pPr>
-              <a:r>
-                <a:rPr lang="en-US" sz="1300">
-                  <a:solidFill>
-                    <a:schemeClr val="lt1"/>
-                  </a:solidFill>
-                  <a:latin typeface="Questrial"/>
-                  <a:ea typeface="Questrial"/>
-                  <a:cs typeface="Questrial"/>
-                  <a:sym typeface="Questrial"/>
-                </a:rPr>
-                <a:t>From a Developer’s Perspective</a:t>
-              </a:r>
-            </a:p>
-          </p:txBody>
-        </p:sp>
-        <p:sp>
-          <p:nvSpPr>
-            <p:cNvPr id="109" name="Shape 109"/>
-            <p:cNvSpPr/>
-            <p:nvPr/>
-          </p:nvSpPr>
-          <p:spPr>
-            <a:xfrm>
-              <a:off x="4679762" y="1063791"/>
-              <a:ext cx="546600" cy="546600"/>
-            </a:xfrm>
-            <a:prstGeom prst="ellipse">
-              <a:avLst/>
-            </a:prstGeom>
-            <a:gradFill>
-              <a:gsLst>
-                <a:gs pos="0">
-                  <a:srgbClr val="66D49C"/>
-                </a:gs>
-                <a:gs pos="100000">
-                  <a:srgbClr val="33C27C"/>
-                </a:gs>
-              </a:gsLst>
-              <a:lin ang="5400012" scaled="0"/>
-            </a:gradFill>
-            <a:ln cap="flat" cmpd="sng" w="9525">
-              <a:solidFill>
-                <a:srgbClr val="4ECE90"/>
-              </a:solidFill>
-              <a:prstDash val="solid"/>
-              <a:round/>
-              <a:headEnd len="med" w="med" type="none"/>
-              <a:tailEnd len="med" w="med" type="none"/>
-            </a:ln>
-          </p:spPr>
-          <p:txBody>
-            <a:bodyPr anchorCtr="0" anchor="ctr" bIns="91425" lIns="91425" rIns="91425" tIns="91425">
-              <a:noAutofit/>
-            </a:bodyPr>
-            <a:lstStyle/>
-            <a:p>
-              <a:pPr lvl="0">
-                <a:spcBef>
-                  <a:spcPts val="0"/>
-                </a:spcBef>
-                <a:buNone/>
-              </a:pPr>
-              <a:r>
-                <a:t/>
-              </a:r>
-              <a:endParaRPr/>
-            </a:p>
-          </p:txBody>
-        </p:sp>
-        <p:sp>
-          <p:nvSpPr>
-            <p:cNvPr id="110" name="Shape 110"/>
-            <p:cNvSpPr txBox="1"/>
-            <p:nvPr/>
-          </p:nvSpPr>
-          <p:spPr>
-            <a:xfrm>
-              <a:off x="4759791" y="1143820"/>
-              <a:ext cx="386400" cy="386400"/>
-            </a:xfrm>
-            <a:prstGeom prst="rect">
-              <a:avLst/>
-            </a:prstGeom>
-            <a:noFill/>
-            <a:ln>
-              <a:noFill/>
-            </a:ln>
-          </p:spPr>
-          <p:txBody>
-            <a:bodyPr anchorCtr="0" anchor="ctr" bIns="12700" lIns="42600" rIns="42600" tIns="12700">
-              <a:noAutofit/>
-            </a:bodyPr>
-            <a:lstStyle/>
-            <a:p>
-              <a:pPr indent="0" lvl="0" marL="0" marR="0" rtl="0" algn="ctr">
-                <a:lnSpc>
-                  <a:spcPct val="90000"/>
-                </a:lnSpc>
-                <a:spcBef>
-                  <a:spcPts val="0"/>
-                </a:spcBef>
-                <a:spcAft>
-                  <a:spcPts val="0"/>
-                </a:spcAft>
-                <a:buClr>
-                  <a:schemeClr val="lt1"/>
-                </a:buClr>
-                <a:buSzPct val="25000"/>
-                <a:buFont typeface="Questrial"/>
-                <a:buNone/>
-              </a:pPr>
-              <a:r>
-                <a:rPr b="0" i="0" lang="en-US" sz="2900" u="none" cap="none" strike="noStrike">
-                  <a:solidFill>
-                    <a:schemeClr val="lt1"/>
-                  </a:solidFill>
-                  <a:latin typeface="Questrial"/>
-                  <a:ea typeface="Questrial"/>
-                  <a:cs typeface="Questrial"/>
-                  <a:sym typeface="Questrial"/>
-                </a:rPr>
-                <a:t>4</a:t>
-              </a:r>
-            </a:p>
-          </p:txBody>
-        </p:sp>
-        <p:sp>
-          <p:nvSpPr>
-            <p:cNvPr id="111" name="Shape 111"/>
-            <p:cNvSpPr/>
-            <p:nvPr/>
-          </p:nvSpPr>
-          <p:spPr>
-            <a:xfrm>
-              <a:off x="4302433" y="2703142"/>
-              <a:ext cx="1301100" cy="0"/>
-            </a:xfrm>
-            <a:prstGeom prst="rect">
-              <a:avLst/>
-            </a:prstGeom>
-            <a:gradFill>
-              <a:gsLst>
-                <a:gs pos="0">
-                  <a:srgbClr val="66D49C"/>
-                </a:gs>
-                <a:gs pos="100000">
-                  <a:srgbClr val="33C27C"/>
-                </a:gs>
-              </a:gsLst>
-              <a:lin ang="5400012" scaled="0"/>
-            </a:gradFill>
-            <a:ln cap="flat" cmpd="sng" w="9525">
-              <a:solidFill>
-                <a:srgbClr val="4ECE90"/>
-              </a:solidFill>
-              <a:prstDash val="solid"/>
-              <a:round/>
-              <a:headEnd len="med" w="med" type="none"/>
-              <a:tailEnd len="med" w="med" type="none"/>
-            </a:ln>
-          </p:spPr>
-          <p:txBody>
-            <a:bodyPr anchorCtr="0" anchor="ctr" bIns="91425" lIns="91425" rIns="91425" tIns="91425">
-              <a:noAutofit/>
-            </a:bodyPr>
-            <a:lstStyle/>
-            <a:p>
-              <a:pPr lvl="0">
-                <a:spcBef>
-                  <a:spcPts val="0"/>
-                </a:spcBef>
-                <a:buNone/>
-              </a:pPr>
-              <a:r>
-                <a:t/>
-              </a:r>
-              <a:endParaRPr/>
-            </a:p>
-          </p:txBody>
-        </p:sp>
-        <p:sp>
-          <p:nvSpPr>
-            <p:cNvPr id="112" name="Shape 112"/>
-            <p:cNvSpPr/>
-            <p:nvPr/>
-          </p:nvSpPr>
-          <p:spPr>
-            <a:xfrm>
-              <a:off x="5733676" y="881633"/>
-              <a:ext cx="1301100" cy="1821600"/>
-            </a:xfrm>
-            <a:prstGeom prst="rect">
-              <a:avLst/>
-            </a:prstGeom>
-            <a:noFill/>
-            <a:ln cap="flat" cmpd="sng" w="9525">
-              <a:solidFill>
-                <a:schemeClr val="dk1"/>
-              </a:solidFill>
-              <a:prstDash val="solid"/>
-              <a:round/>
-              <a:headEnd len="med" w="med" type="none"/>
-              <a:tailEnd len="med" w="med" type="none"/>
-            </a:ln>
-          </p:spPr>
-          <p:txBody>
-            <a:bodyPr anchorCtr="0" anchor="ctr" bIns="91425" lIns="91425" rIns="91425" tIns="91425">
-              <a:noAutofit/>
-            </a:bodyPr>
-            <a:lstStyle/>
-            <a:p>
-              <a:pPr lvl="0">
-                <a:spcBef>
-                  <a:spcPts val="0"/>
-                </a:spcBef>
-                <a:buNone/>
-              </a:pPr>
-              <a:r>
-                <a:t/>
-              </a:r>
-              <a:endParaRPr/>
-            </a:p>
-          </p:txBody>
-        </p:sp>
-        <p:sp>
-          <p:nvSpPr>
-            <p:cNvPr id="113" name="Shape 113"/>
-            <p:cNvSpPr txBox="1"/>
-            <p:nvPr/>
-          </p:nvSpPr>
-          <p:spPr>
-            <a:xfrm>
-              <a:off x="5733676" y="1573834"/>
-              <a:ext cx="1301100" cy="1092900"/>
-            </a:xfrm>
-            <a:prstGeom prst="rect">
-              <a:avLst/>
-            </a:prstGeom>
-            <a:noFill/>
-            <a:ln>
-              <a:noFill/>
-            </a:ln>
-          </p:spPr>
-          <p:txBody>
-            <a:bodyPr anchorCtr="0" anchor="t" bIns="330200" lIns="101425" rIns="101425" tIns="330200">
-              <a:noAutofit/>
-            </a:bodyPr>
-            <a:lstStyle/>
-            <a:p>
-              <a:pPr indent="0" lvl="0" marL="0" marR="0" rtl="0" algn="l">
-                <a:lnSpc>
-                  <a:spcPct val="90000"/>
-                </a:lnSpc>
-                <a:spcBef>
-                  <a:spcPts val="0"/>
-                </a:spcBef>
-                <a:spcAft>
-                  <a:spcPts val="0"/>
-                </a:spcAft>
-                <a:buClr>
-                  <a:schemeClr val="lt1"/>
-                </a:buClr>
-                <a:buSzPct val="25000"/>
-                <a:buFont typeface="Questrial"/>
-                <a:buNone/>
-              </a:pPr>
-              <a:r>
-                <a:rPr lang="en-US" sz="1300">
-                  <a:solidFill>
-                    <a:schemeClr val="lt1"/>
-                  </a:solidFill>
-                  <a:latin typeface="Questrial"/>
-                  <a:ea typeface="Questrial"/>
-                  <a:cs typeface="Questrial"/>
-                  <a:sym typeface="Questrial"/>
-                </a:rPr>
-                <a:t>F</a:t>
-              </a:r>
-              <a:r>
-                <a:rPr b="0" i="0" lang="en-US" sz="1300" u="none" cap="none" strike="noStrike">
-                  <a:solidFill>
-                    <a:schemeClr val="lt1"/>
-                  </a:solidFill>
-                  <a:latin typeface="Questrial"/>
-                  <a:ea typeface="Questrial"/>
-                  <a:cs typeface="Questrial"/>
-                  <a:sym typeface="Questrial"/>
-                </a:rPr>
-                <a:t>rom </a:t>
-              </a:r>
-              <a:r>
-                <a:rPr lang="en-US" sz="1300">
-                  <a:solidFill>
-                    <a:schemeClr val="lt1"/>
-                  </a:solidFill>
-                  <a:latin typeface="Questrial"/>
-                  <a:ea typeface="Questrial"/>
-                  <a:cs typeface="Questrial"/>
-                  <a:sym typeface="Questrial"/>
-                </a:rPr>
-                <a:t>a</a:t>
-              </a:r>
-              <a:r>
-                <a:rPr b="0" i="0" lang="en-US" sz="1300" u="none" cap="none" strike="noStrike">
-                  <a:solidFill>
-                    <a:schemeClr val="lt1"/>
-                  </a:solidFill>
-                  <a:latin typeface="Questrial"/>
-                  <a:ea typeface="Questrial"/>
-                  <a:cs typeface="Questrial"/>
-                  <a:sym typeface="Questrial"/>
-                </a:rPr>
-                <a:t> </a:t>
-              </a:r>
-              <a:r>
-                <a:rPr lang="en-US" sz="1300">
-                  <a:solidFill>
-                    <a:schemeClr val="lt1"/>
-                  </a:solidFill>
-                  <a:latin typeface="Questrial"/>
-                  <a:ea typeface="Questrial"/>
-                  <a:cs typeface="Questrial"/>
-                  <a:sym typeface="Questrial"/>
-                </a:rPr>
-                <a:t>User’s Perspective</a:t>
-              </a:r>
-            </a:p>
-          </p:txBody>
-        </p:sp>
-        <p:sp>
-          <p:nvSpPr>
-            <p:cNvPr id="114" name="Shape 114"/>
-            <p:cNvSpPr/>
-            <p:nvPr/>
-          </p:nvSpPr>
-          <p:spPr>
-            <a:xfrm>
-              <a:off x="6111003" y="1063791"/>
-              <a:ext cx="546600" cy="546600"/>
-            </a:xfrm>
-            <a:prstGeom prst="ellipse">
-              <a:avLst/>
-            </a:prstGeom>
-            <a:gradFill>
-              <a:gsLst>
-                <a:gs pos="0">
-                  <a:srgbClr val="66D49C"/>
-                </a:gs>
-                <a:gs pos="100000">
-                  <a:srgbClr val="33C27C"/>
-                </a:gs>
-              </a:gsLst>
-              <a:lin ang="5400012" scaled="0"/>
-            </a:gradFill>
-            <a:ln cap="flat" cmpd="sng" w="9525">
-              <a:solidFill>
-                <a:srgbClr val="4ECE90"/>
-              </a:solidFill>
-              <a:prstDash val="solid"/>
-              <a:round/>
-              <a:headEnd len="med" w="med" type="none"/>
-              <a:tailEnd len="med" w="med" type="none"/>
-            </a:ln>
-          </p:spPr>
-          <p:txBody>
-            <a:bodyPr anchorCtr="0" anchor="ctr" bIns="91425" lIns="91425" rIns="91425" tIns="91425">
-              <a:noAutofit/>
-            </a:bodyPr>
-            <a:lstStyle/>
-            <a:p>
-              <a:pPr lvl="0">
-                <a:spcBef>
-                  <a:spcPts val="0"/>
-                </a:spcBef>
-                <a:buNone/>
-              </a:pPr>
-              <a:r>
-                <a:t/>
-              </a:r>
-              <a:endParaRPr/>
-            </a:p>
-          </p:txBody>
-        </p:sp>
-        <p:sp>
-          <p:nvSpPr>
-            <p:cNvPr id="115" name="Shape 115"/>
-            <p:cNvSpPr txBox="1"/>
-            <p:nvPr/>
-          </p:nvSpPr>
-          <p:spPr>
-            <a:xfrm>
-              <a:off x="6191032" y="1143820"/>
-              <a:ext cx="386400" cy="386400"/>
-            </a:xfrm>
-            <a:prstGeom prst="rect">
-              <a:avLst/>
-            </a:prstGeom>
-            <a:noFill/>
-            <a:ln>
-              <a:noFill/>
-            </a:ln>
-          </p:spPr>
-          <p:txBody>
-            <a:bodyPr anchorCtr="0" anchor="ctr" bIns="12700" lIns="42600" rIns="42600" tIns="12700">
-              <a:noAutofit/>
-            </a:bodyPr>
-            <a:lstStyle/>
-            <a:p>
-              <a:pPr indent="0" lvl="0" marL="0" marR="0" rtl="0" algn="ctr">
-                <a:lnSpc>
-                  <a:spcPct val="90000"/>
-                </a:lnSpc>
-                <a:spcBef>
-                  <a:spcPts val="0"/>
-                </a:spcBef>
-                <a:spcAft>
-                  <a:spcPts val="0"/>
-                </a:spcAft>
-                <a:buClr>
-                  <a:schemeClr val="lt1"/>
-                </a:buClr>
-                <a:buSzPct val="25000"/>
-                <a:buFont typeface="Questrial"/>
-                <a:buNone/>
-              </a:pPr>
-              <a:r>
-                <a:rPr b="0" i="0" lang="en-US" sz="2900" u="none" cap="none" strike="noStrike">
-                  <a:solidFill>
-                    <a:schemeClr val="lt1"/>
-                  </a:solidFill>
-                  <a:latin typeface="Questrial"/>
-                  <a:ea typeface="Questrial"/>
-                  <a:cs typeface="Questrial"/>
-                  <a:sym typeface="Questrial"/>
-                </a:rPr>
-                <a:t>5</a:t>
-              </a:r>
-            </a:p>
-          </p:txBody>
-        </p:sp>
-        <p:sp>
-          <p:nvSpPr>
-            <p:cNvPr id="116" name="Shape 116"/>
-            <p:cNvSpPr/>
-            <p:nvPr/>
-          </p:nvSpPr>
-          <p:spPr>
-            <a:xfrm>
-              <a:off x="5733676" y="2703142"/>
-              <a:ext cx="1301100" cy="0"/>
-            </a:xfrm>
-            <a:prstGeom prst="rect">
-              <a:avLst/>
-            </a:prstGeom>
-            <a:gradFill>
-              <a:gsLst>
-                <a:gs pos="0">
-                  <a:srgbClr val="66D49C"/>
-                </a:gs>
-                <a:gs pos="100000">
-                  <a:srgbClr val="33C27C"/>
-                </a:gs>
-              </a:gsLst>
-              <a:lin ang="5400012" scaled="0"/>
-            </a:gradFill>
-            <a:ln cap="flat" cmpd="sng" w="9525">
-              <a:solidFill>
-                <a:srgbClr val="4ECE90"/>
-              </a:solidFill>
-              <a:prstDash val="solid"/>
-              <a:round/>
-              <a:headEnd len="med" w="med" type="none"/>
-              <a:tailEnd len="med" w="med" type="none"/>
-            </a:ln>
-          </p:spPr>
-          <p:txBody>
-            <a:bodyPr anchorCtr="0" anchor="ctr" bIns="91425" lIns="91425" rIns="91425" tIns="91425">
-              <a:noAutofit/>
-            </a:bodyPr>
-            <a:lstStyle/>
-            <a:p>
-              <a:pPr lvl="0">
-                <a:spcBef>
-                  <a:spcPts val="0"/>
-                </a:spcBef>
-                <a:buNone/>
-              </a:pPr>
-              <a:r>
-                <a:t/>
-              </a:r>
-              <a:endParaRPr/>
-            </a:p>
-          </p:txBody>
-        </p:sp>
-        <p:sp>
-          <p:nvSpPr>
-            <p:cNvPr id="117" name="Shape 117"/>
-            <p:cNvSpPr/>
-            <p:nvPr/>
-          </p:nvSpPr>
-          <p:spPr>
-            <a:xfrm>
-              <a:off x="7164920" y="881633"/>
-              <a:ext cx="1301100" cy="1821600"/>
-            </a:xfrm>
-            <a:prstGeom prst="rect">
-              <a:avLst/>
-            </a:prstGeom>
-            <a:noFill/>
-            <a:ln cap="flat" cmpd="sng" w="9525">
-              <a:solidFill>
-                <a:schemeClr val="dk1"/>
-              </a:solidFill>
-              <a:prstDash val="solid"/>
-              <a:round/>
-              <a:headEnd len="med" w="med" type="none"/>
-              <a:tailEnd len="med" w="med" type="none"/>
-            </a:ln>
-          </p:spPr>
-          <p:txBody>
-            <a:bodyPr anchorCtr="0" anchor="ctr" bIns="91425" lIns="91425" rIns="91425" tIns="91425">
-              <a:noAutofit/>
-            </a:bodyPr>
-            <a:lstStyle/>
-            <a:p>
-              <a:pPr lvl="0">
-                <a:spcBef>
-                  <a:spcPts val="0"/>
-                </a:spcBef>
-                <a:buNone/>
-              </a:pPr>
-              <a:r>
-                <a:t/>
-              </a:r>
-              <a:endParaRPr/>
-            </a:p>
-          </p:txBody>
-        </p:sp>
-        <p:sp>
-          <p:nvSpPr>
-            <p:cNvPr id="118" name="Shape 118"/>
-            <p:cNvSpPr txBox="1"/>
-            <p:nvPr/>
-          </p:nvSpPr>
-          <p:spPr>
-            <a:xfrm>
-              <a:off x="7164920" y="1573834"/>
-              <a:ext cx="1301100" cy="1092900"/>
-            </a:xfrm>
-            <a:prstGeom prst="rect">
-              <a:avLst/>
-            </a:prstGeom>
-            <a:noFill/>
-            <a:ln>
-              <a:noFill/>
-            </a:ln>
-          </p:spPr>
-          <p:txBody>
-            <a:bodyPr anchorCtr="0" anchor="t" bIns="330200" lIns="101425" rIns="101425" tIns="330200">
-              <a:noAutofit/>
-            </a:bodyPr>
-            <a:lstStyle/>
-            <a:p>
-              <a:pPr lvl="0" rtl="0">
-                <a:lnSpc>
-                  <a:spcPct val="90000"/>
-                </a:lnSpc>
-                <a:spcBef>
-                  <a:spcPts val="0"/>
-                </a:spcBef>
-                <a:buClr>
-                  <a:schemeClr val="lt1"/>
-                </a:buClr>
-                <a:buSzPct val="25000"/>
-                <a:buFont typeface="Questrial"/>
-                <a:buNone/>
-              </a:pPr>
-              <a:r>
-                <a:rPr lang="en-US" sz="1300">
-                  <a:solidFill>
-                    <a:schemeClr val="lt1"/>
-                  </a:solidFill>
-                  <a:latin typeface="Questrial"/>
-                  <a:ea typeface="Questrial"/>
-                  <a:cs typeface="Questrial"/>
-                  <a:sym typeface="Questrial"/>
-                </a:rPr>
-                <a:t>Problems and Solutions</a:t>
-              </a:r>
-            </a:p>
-          </p:txBody>
-        </p:sp>
-        <p:sp>
-          <p:nvSpPr>
-            <p:cNvPr id="119" name="Shape 119"/>
-            <p:cNvSpPr/>
-            <p:nvPr/>
-          </p:nvSpPr>
-          <p:spPr>
-            <a:xfrm>
-              <a:off x="7542246" y="1063791"/>
-              <a:ext cx="546600" cy="546600"/>
-            </a:xfrm>
-            <a:prstGeom prst="ellipse">
-              <a:avLst/>
-            </a:prstGeom>
-            <a:gradFill>
-              <a:gsLst>
-                <a:gs pos="0">
-                  <a:srgbClr val="66D49C"/>
-                </a:gs>
-                <a:gs pos="100000">
-                  <a:srgbClr val="33C27C"/>
-                </a:gs>
-              </a:gsLst>
-              <a:lin ang="5400012" scaled="0"/>
-            </a:gradFill>
-            <a:ln cap="flat" cmpd="sng" w="9525">
-              <a:solidFill>
-                <a:srgbClr val="4ECE90"/>
-              </a:solidFill>
-              <a:prstDash val="solid"/>
-              <a:round/>
-              <a:headEnd len="med" w="med" type="none"/>
-              <a:tailEnd len="med" w="med" type="none"/>
-            </a:ln>
-          </p:spPr>
-          <p:txBody>
-            <a:bodyPr anchorCtr="0" anchor="ctr" bIns="91425" lIns="91425" rIns="91425" tIns="91425">
-              <a:noAutofit/>
-            </a:bodyPr>
-            <a:lstStyle/>
-            <a:p>
-              <a:pPr lvl="0">
-                <a:spcBef>
-                  <a:spcPts val="0"/>
-                </a:spcBef>
-                <a:buNone/>
-              </a:pPr>
-              <a:r>
-                <a:t/>
-              </a:r>
-              <a:endParaRPr/>
-            </a:p>
-          </p:txBody>
-        </p:sp>
-        <p:sp>
-          <p:nvSpPr>
-            <p:cNvPr id="120" name="Shape 120"/>
-            <p:cNvSpPr txBox="1"/>
-            <p:nvPr/>
-          </p:nvSpPr>
-          <p:spPr>
-            <a:xfrm>
-              <a:off x="7622275" y="1143820"/>
-              <a:ext cx="386400" cy="386400"/>
-            </a:xfrm>
-            <a:prstGeom prst="rect">
-              <a:avLst/>
-            </a:prstGeom>
-            <a:noFill/>
-            <a:ln>
-              <a:noFill/>
-            </a:ln>
-          </p:spPr>
-          <p:txBody>
-            <a:bodyPr anchorCtr="0" anchor="ctr" bIns="12700" lIns="42600" rIns="42600" tIns="12700">
-              <a:noAutofit/>
-            </a:bodyPr>
-            <a:lstStyle/>
-            <a:p>
-              <a:pPr indent="0" lvl="0" marL="0" marR="0" rtl="0" algn="ctr">
-                <a:lnSpc>
-                  <a:spcPct val="90000"/>
-                </a:lnSpc>
-                <a:spcBef>
-                  <a:spcPts val="0"/>
-                </a:spcBef>
-                <a:spcAft>
-                  <a:spcPts val="0"/>
-                </a:spcAft>
-                <a:buClr>
-                  <a:schemeClr val="lt1"/>
-                </a:buClr>
-                <a:buSzPct val="25000"/>
-                <a:buFont typeface="Questrial"/>
-                <a:buNone/>
-              </a:pPr>
-              <a:r>
-                <a:rPr b="0" i="0" lang="en-US" sz="2900" u="none" cap="none" strike="noStrike">
-                  <a:solidFill>
-                    <a:schemeClr val="lt1"/>
-                  </a:solidFill>
-                  <a:latin typeface="Questrial"/>
-                  <a:ea typeface="Questrial"/>
-                  <a:cs typeface="Questrial"/>
-                  <a:sym typeface="Questrial"/>
-                </a:rPr>
-                <a:t>6</a:t>
-              </a:r>
-            </a:p>
-          </p:txBody>
-        </p:sp>
-        <p:sp>
-          <p:nvSpPr>
-            <p:cNvPr id="121" name="Shape 121"/>
-            <p:cNvSpPr/>
-            <p:nvPr/>
-          </p:nvSpPr>
-          <p:spPr>
-            <a:xfrm>
-              <a:off x="7164920" y="2703142"/>
-              <a:ext cx="1301100" cy="0"/>
-            </a:xfrm>
-            <a:prstGeom prst="rect">
-              <a:avLst/>
-            </a:prstGeom>
-            <a:gradFill>
-              <a:gsLst>
-                <a:gs pos="0">
-                  <a:srgbClr val="66D49C"/>
-                </a:gs>
-                <a:gs pos="100000">
-                  <a:srgbClr val="33C27C"/>
-                </a:gs>
-              </a:gsLst>
-              <a:lin ang="5400012" scaled="0"/>
-            </a:gradFill>
-            <a:ln cap="flat" cmpd="sng" w="9525">
-              <a:solidFill>
-                <a:srgbClr val="4ECE90"/>
-              </a:solidFill>
-              <a:prstDash val="solid"/>
-              <a:round/>
-              <a:headEnd len="med" w="med" type="none"/>
-              <a:tailEnd len="med" w="med" type="none"/>
-            </a:ln>
-          </p:spPr>
-          <p:txBody>
-            <a:bodyPr anchorCtr="0" anchor="ctr" bIns="91425" lIns="91425" rIns="91425" tIns="91425">
-              <a:noAutofit/>
-            </a:bodyPr>
-            <a:lstStyle/>
-            <a:p>
-              <a:pPr lvl="0">
-                <a:spcBef>
-                  <a:spcPts val="0"/>
-                </a:spcBef>
-                <a:buNone/>
-              </a:pPr>
-              <a:r>
-                <a:t/>
-              </a:r>
-              <a:endParaRPr/>
-            </a:p>
-          </p:txBody>
-        </p:sp>
-        <p:sp>
-          <p:nvSpPr>
-            <p:cNvPr id="122" name="Shape 122"/>
-            <p:cNvSpPr/>
-            <p:nvPr/>
-          </p:nvSpPr>
-          <p:spPr>
-            <a:xfrm>
-              <a:off x="8596161" y="881633"/>
-              <a:ext cx="1301100" cy="1821600"/>
-            </a:xfrm>
-            <a:prstGeom prst="rect">
-              <a:avLst/>
-            </a:prstGeom>
-            <a:noFill/>
-            <a:ln cap="flat" cmpd="sng" w="9525">
-              <a:solidFill>
-                <a:schemeClr val="dk1"/>
-              </a:solidFill>
-              <a:prstDash val="solid"/>
-              <a:round/>
-              <a:headEnd len="med" w="med" type="none"/>
-              <a:tailEnd len="med" w="med" type="none"/>
-            </a:ln>
-          </p:spPr>
-          <p:txBody>
-            <a:bodyPr anchorCtr="0" anchor="ctr" bIns="91425" lIns="91425" rIns="91425" tIns="91425">
-              <a:noAutofit/>
-            </a:bodyPr>
-            <a:lstStyle/>
-            <a:p>
-              <a:pPr lvl="0">
-                <a:spcBef>
-                  <a:spcPts val="0"/>
-                </a:spcBef>
-                <a:buNone/>
-              </a:pPr>
-              <a:r>
-                <a:t/>
-              </a:r>
-              <a:endParaRPr/>
-            </a:p>
-          </p:txBody>
-        </p:sp>
-        <p:sp>
-          <p:nvSpPr>
-            <p:cNvPr id="123" name="Shape 123"/>
-            <p:cNvSpPr txBox="1"/>
-            <p:nvPr/>
-          </p:nvSpPr>
-          <p:spPr>
-            <a:xfrm>
-              <a:off x="8596161" y="1573834"/>
-              <a:ext cx="1301100" cy="1092900"/>
-            </a:xfrm>
-            <a:prstGeom prst="rect">
-              <a:avLst/>
-            </a:prstGeom>
-            <a:noFill/>
-            <a:ln>
-              <a:noFill/>
-            </a:ln>
-          </p:spPr>
-          <p:txBody>
-            <a:bodyPr anchorCtr="0" anchor="t" bIns="330200" lIns="101425" rIns="101425" tIns="330200">
-              <a:noAutofit/>
-            </a:bodyPr>
-            <a:lstStyle/>
-            <a:p>
-              <a:pPr indent="0" lvl="0" marL="0" marR="0" rtl="0" algn="l">
-                <a:lnSpc>
-                  <a:spcPct val="90000"/>
-                </a:lnSpc>
-                <a:spcBef>
-                  <a:spcPts val="0"/>
-                </a:spcBef>
-                <a:spcAft>
-                  <a:spcPts val="0"/>
-                </a:spcAft>
-                <a:buClr>
-                  <a:schemeClr val="lt1"/>
-                </a:buClr>
-                <a:buSzPct val="25000"/>
-                <a:buFont typeface="Questrial"/>
-                <a:buNone/>
-              </a:pPr>
-              <a:r>
-                <a:rPr lang="en-US" sz="1300">
-                  <a:solidFill>
-                    <a:schemeClr val="lt1"/>
-                  </a:solidFill>
-                  <a:latin typeface="Questrial"/>
-                  <a:ea typeface="Questrial"/>
-                  <a:cs typeface="Questrial"/>
-                  <a:sym typeface="Questrial"/>
-                </a:rPr>
-                <a:t>Further Development</a:t>
-              </a:r>
-            </a:p>
-          </p:txBody>
-        </p:sp>
-        <p:sp>
-          <p:nvSpPr>
-            <p:cNvPr id="124" name="Shape 124"/>
-            <p:cNvSpPr/>
-            <p:nvPr/>
-          </p:nvSpPr>
-          <p:spPr>
-            <a:xfrm>
-              <a:off x="8973489" y="1063791"/>
-              <a:ext cx="546600" cy="546600"/>
-            </a:xfrm>
-            <a:prstGeom prst="ellipse">
-              <a:avLst/>
-            </a:prstGeom>
-            <a:gradFill>
-              <a:gsLst>
-                <a:gs pos="0">
-                  <a:srgbClr val="66D49C"/>
-                </a:gs>
-                <a:gs pos="100000">
-                  <a:srgbClr val="33C27C"/>
-                </a:gs>
-              </a:gsLst>
-              <a:lin ang="5400012" scaled="0"/>
-            </a:gradFill>
-            <a:ln cap="flat" cmpd="sng" w="9525">
-              <a:solidFill>
-                <a:srgbClr val="4ECE90"/>
-              </a:solidFill>
-              <a:prstDash val="solid"/>
-              <a:round/>
-              <a:headEnd len="med" w="med" type="none"/>
-              <a:tailEnd len="med" w="med" type="none"/>
-            </a:ln>
-          </p:spPr>
-          <p:txBody>
-            <a:bodyPr anchorCtr="0" anchor="ctr" bIns="91425" lIns="91425" rIns="91425" tIns="91425">
-              <a:noAutofit/>
-            </a:bodyPr>
-            <a:lstStyle/>
-            <a:p>
-              <a:pPr lvl="0">
-                <a:spcBef>
-                  <a:spcPts val="0"/>
-                </a:spcBef>
-                <a:buNone/>
-              </a:pPr>
-              <a:r>
-                <a:t/>
-              </a:r>
-              <a:endParaRPr/>
-            </a:p>
-          </p:txBody>
-        </p:sp>
-        <p:sp>
-          <p:nvSpPr>
-            <p:cNvPr id="125" name="Shape 125"/>
-            <p:cNvSpPr txBox="1"/>
-            <p:nvPr/>
-          </p:nvSpPr>
-          <p:spPr>
-            <a:xfrm>
-              <a:off x="9053518" y="1143820"/>
-              <a:ext cx="386400" cy="386400"/>
-            </a:xfrm>
-            <a:prstGeom prst="rect">
-              <a:avLst/>
-            </a:prstGeom>
-            <a:noFill/>
-            <a:ln>
-              <a:noFill/>
-            </a:ln>
-          </p:spPr>
-          <p:txBody>
-            <a:bodyPr anchorCtr="0" anchor="ctr" bIns="12700" lIns="42600" rIns="42600" tIns="12700">
-              <a:noAutofit/>
-            </a:bodyPr>
-            <a:lstStyle/>
-            <a:p>
-              <a:pPr indent="0" lvl="0" marL="0" marR="0" rtl="0" algn="ctr">
-                <a:lnSpc>
-                  <a:spcPct val="90000"/>
-                </a:lnSpc>
-                <a:spcBef>
-                  <a:spcPts val="0"/>
-                </a:spcBef>
-                <a:spcAft>
-                  <a:spcPts val="0"/>
-                </a:spcAft>
-                <a:buClr>
-                  <a:schemeClr val="lt1"/>
-                </a:buClr>
-                <a:buSzPct val="25000"/>
-                <a:buFont typeface="Questrial"/>
-                <a:buNone/>
-              </a:pPr>
-              <a:r>
-                <a:rPr b="0" i="0" lang="en-US" sz="2900" u="none" cap="none" strike="noStrike">
-                  <a:solidFill>
-                    <a:schemeClr val="lt1"/>
-                  </a:solidFill>
-                  <a:latin typeface="Questrial"/>
-                  <a:ea typeface="Questrial"/>
-                  <a:cs typeface="Questrial"/>
-                  <a:sym typeface="Questrial"/>
-                </a:rPr>
-                <a:t>7</a:t>
-              </a:r>
-            </a:p>
-          </p:txBody>
-        </p:sp>
-        <p:sp>
-          <p:nvSpPr>
-            <p:cNvPr id="126" name="Shape 126"/>
-            <p:cNvSpPr/>
-            <p:nvPr/>
-          </p:nvSpPr>
-          <p:spPr>
-            <a:xfrm>
-              <a:off x="8596161" y="2703142"/>
-              <a:ext cx="1301100" cy="0"/>
-            </a:xfrm>
-            <a:prstGeom prst="rect">
-              <a:avLst/>
-            </a:prstGeom>
-            <a:gradFill>
-              <a:gsLst>
-                <a:gs pos="0">
-                  <a:srgbClr val="66D49C"/>
-                </a:gs>
-                <a:gs pos="100000">
-                  <a:srgbClr val="33C27C"/>
-                </a:gs>
-              </a:gsLst>
-              <a:lin ang="5400012" scaled="0"/>
-            </a:gradFill>
-            <a:ln cap="flat" cmpd="sng" w="9525">
-              <a:solidFill>
-                <a:srgbClr val="4ECE90"/>
-              </a:solidFill>
-              <a:prstDash val="solid"/>
-              <a:round/>
-              <a:headEnd len="med" w="med" type="none"/>
-              <a:tailEnd len="med" w="med" type="none"/>
-            </a:ln>
-          </p:spPr>
-          <p:txBody>
-            <a:bodyPr anchorCtr="0" anchor="ctr" bIns="91425" lIns="91425" rIns="91425" tIns="91425">
-              <a:noAutofit/>
-            </a:bodyPr>
-            <a:lstStyle/>
-            <a:p>
-              <a:pPr lvl="0">
-                <a:spcBef>
-                  <a:spcPts val="0"/>
-                </a:spcBef>
-                <a:buNone/>
-              </a:pPr>
-              <a:r>
-                <a:t/>
-              </a:r>
-              <a:endParaRPr/>
-            </a:p>
-          </p:txBody>
-        </p:sp>
-      </p:grpSp>
+          <a:prstGeom prst="rect">
+            <a:avLst/>
+          </a:prstGeom>
+        </p:spPr>
+        <p:txBody>
+          <a:bodyPr anchorCtr="0" anchor="t" bIns="91425" lIns="91425" rIns="91425" tIns="91425">
+            <a:noAutofit/>
+          </a:bodyPr>
+          <a:lstStyle/>
+          <a:p>
+            <a:pPr indent="-228600" lvl="0" marL="457200" rtl="0">
+              <a:spcBef>
+                <a:spcPts val="0"/>
+              </a:spcBef>
+            </a:pPr>
+            <a:r>
+              <a:rPr lang="en-US"/>
+              <a:t>Developing a widely used application</a:t>
+            </a:r>
+          </a:p>
+          <a:p>
+            <a:pPr indent="-228600" lvl="0" marL="457200" rtl="0">
+              <a:spcBef>
+                <a:spcPts val="0"/>
+              </a:spcBef>
+            </a:pPr>
+            <a:r>
+              <a:rPr lang="en-US"/>
+              <a:t>Using popular, advancing technology</a:t>
+            </a:r>
+          </a:p>
+          <a:p>
+            <a:pPr indent="-228600" lvl="1" marL="914400" rtl="0">
+              <a:spcBef>
+                <a:spcPts val="0"/>
+              </a:spcBef>
+            </a:pPr>
+            <a:r>
+              <a:rPr lang="en-US"/>
+              <a:t>3D graphics</a:t>
+            </a:r>
+          </a:p>
+          <a:p>
+            <a:pPr indent="-228600" lvl="1" marL="914400" rtl="0">
+              <a:spcBef>
+                <a:spcPts val="0"/>
+              </a:spcBef>
+            </a:pPr>
+            <a:r>
+              <a:rPr lang="en-US"/>
+              <a:t>Gestural control</a:t>
+            </a:r>
+          </a:p>
+          <a:p>
+            <a:pPr indent="-228600" lvl="0" marL="457200" rtl="0">
+              <a:spcBef>
+                <a:spcPts val="0"/>
+              </a:spcBef>
+            </a:pPr>
+            <a:r>
+              <a:rPr lang="en-US"/>
+              <a:t>Practicing software design</a:t>
+            </a:r>
+            <a:br>
+              <a:rPr lang="en-US"/>
+            </a:br>
+          </a:p>
+        </p:txBody>
+      </p:sp>
     </p:spTree>
   </p:cSld>
   <p:clrMapOvr>
@@ -15577,7 +14066,7 @@
   <p:cSld>
     <p:spTree>
       <p:nvGrpSpPr>
-        <p:cNvPr id="130" name="Shape 130"/>
+        <p:cNvPr id="95" name="Shape 95"/>
         <p:cNvGrpSpPr/>
         <p:nvPr/>
       </p:nvGrpSpPr>
@@ -15591,7 +14080,7 @@
       </p:grpSpPr>
       <p:sp>
         <p:nvSpPr>
-          <p:cNvPr id="131" name="Shape 131"/>
+          <p:cNvPr id="96" name="Shape 96"/>
           <p:cNvSpPr txBox="1"/>
           <p:nvPr>
             <p:ph type="title"/>
@@ -15620,14 +14109,14 @@
             </a:pPr>
             <a:r>
               <a:rPr lang="en-US"/>
-              <a:t>What’s This Project About?</a:t>
+              <a:t>The Approach</a:t>
             </a:r>
           </a:p>
         </p:txBody>
       </p:sp>
       <p:sp>
         <p:nvSpPr>
-          <p:cNvPr id="132" name="Shape 132"/>
+          <p:cNvPr id="97" name="Shape 97"/>
           <p:cNvSpPr txBox="1"/>
           <p:nvPr>
             <p:ph idx="1" type="body"/>
@@ -15655,18 +14144,7 @@
             </a:pPr>
             <a:r>
               <a:rPr lang="en-US"/>
-              <a:t>Developing a widely used application</a:t>
-            </a:r>
-          </a:p>
-          <a:p>
-            <a:pPr indent="-228600" lvl="0" marL="457200" rtl="0">
-              <a:spcBef>
-                <a:spcPts val="0"/>
-              </a:spcBef>
-            </a:pPr>
-            <a:r>
-              <a:rPr lang="en-US"/>
-              <a:t>Using popular, advancing technology</a:t>
+              <a:t>An extension of a classic 2D game</a:t>
             </a:r>
           </a:p>
           <a:p>
@@ -15677,7 +14155,7 @@
             </a:pPr>
             <a:r>
               <a:rPr lang="en-US"/>
-              <a:t>3D graphics</a:t>
+              <a:t>Predefined, successful game design</a:t>
             </a:r>
           </a:p>
           <a:p>
@@ -15688,22 +14166,8 @@
             </a:pPr>
             <a:r>
               <a:rPr lang="en-US"/>
-              <a:t>Gestural control</a:t>
+              <a:t>Focus on extension rather than reinvention</a:t>
             </a:r>
-          </a:p>
-          <a:p>
-            <a:pPr indent="-228600" lvl="0" marL="457200" rtl="0">
-              <a:spcBef>
-                <a:spcPts val="0"/>
-              </a:spcBef>
-            </a:pPr>
-            <a:r>
-              <a:rPr lang="en-US"/>
-              <a:t>Practicing software design</a:t>
-            </a:r>
-            <a:br>
-              <a:rPr lang="en-US"/>
-            </a:br>
           </a:p>
         </p:txBody>
       </p:sp>
@@ -15720,7 +14184,7 @@
   <p:cSld>
     <p:spTree>
       <p:nvGrpSpPr>
-        <p:cNvPr id="136" name="Shape 136"/>
+        <p:cNvPr id="101" name="Shape 101"/>
         <p:cNvGrpSpPr/>
         <p:nvPr/>
       </p:nvGrpSpPr>
@@ -15734,7 +14198,7 @@
       </p:grpSpPr>
       <p:sp>
         <p:nvSpPr>
-          <p:cNvPr id="137" name="Shape 137"/>
+          <p:cNvPr id="102" name="Shape 102"/>
           <p:cNvSpPr txBox="1"/>
           <p:nvPr>
             <p:ph type="title"/>
@@ -15755,7 +14219,7 @@
           </a:bodyPr>
           <a:lstStyle/>
           <a:p>
-            <a:pPr lvl="0" rtl="0" algn="ctr">
+            <a:pPr lvl="0" algn="ctr">
               <a:spcBef>
                 <a:spcPts val="0"/>
               </a:spcBef>
@@ -15763,14 +14227,14 @@
             </a:pPr>
             <a:r>
               <a:rPr lang="en-US"/>
-              <a:t>The Approach</a:t>
+              <a:t>Goals for Pong</a:t>
             </a:r>
           </a:p>
         </p:txBody>
       </p:sp>
       <p:sp>
         <p:nvSpPr>
-          <p:cNvPr id="138" name="Shape 138"/>
+          <p:cNvPr id="103" name="Shape 103"/>
           <p:cNvSpPr txBox="1"/>
           <p:nvPr>
             <p:ph idx="1" type="body"/>
@@ -15798,29 +14262,62 @@
             </a:pPr>
             <a:r>
               <a:rPr lang="en-US"/>
-              <a:t>An extension of a classic 2D game</a:t>
+              <a:t>3D graphics</a:t>
             </a:r>
           </a:p>
           <a:p>
-            <a:pPr indent="-228600" lvl="1" marL="914400" rtl="0">
+            <a:pPr indent="-228600" lvl="0" marL="457200" rtl="0">
               <a:spcBef>
                 <a:spcPts val="0"/>
               </a:spcBef>
             </a:pPr>
             <a:r>
               <a:rPr lang="en-US"/>
-              <a:t>Predefined, successful game design</a:t>
+              <a:t>3D gameplay</a:t>
             </a:r>
           </a:p>
           <a:p>
-            <a:pPr indent="-228600" lvl="1" marL="914400" rtl="0">
+            <a:pPr indent="-228600" lvl="0" marL="457200" rtl="0">
               <a:spcBef>
                 <a:spcPts val="0"/>
               </a:spcBef>
             </a:pPr>
             <a:r>
               <a:rPr lang="en-US"/>
-              <a:t>Focus on extension rather than reinvention</a:t>
+              <a:t>Gestural control</a:t>
+            </a:r>
+          </a:p>
+          <a:p>
+            <a:pPr indent="-228600" lvl="0" marL="457200" rtl="0">
+              <a:spcBef>
+                <a:spcPts val="0"/>
+              </a:spcBef>
+            </a:pPr>
+            <a:r>
+              <a:rPr lang="en-US"/>
+              <a:t>Artificially intelligent opponent</a:t>
+            </a:r>
+          </a:p>
+          <a:p>
+            <a:pPr indent="-228600" lvl="0" marL="457200" rtl="0">
+              <a:spcBef>
+                <a:spcPts val="0"/>
+              </a:spcBef>
+            </a:pPr>
+            <a:r>
+              <a:rPr lang="en-US"/>
+              <a:t>Additive gameplay effects</a:t>
+            </a:r>
+          </a:p>
+          <a:p>
+            <a:pPr indent="-228600" lvl="0" marL="457200">
+              <a:spcBef>
+                <a:spcPts val="0"/>
+              </a:spcBef>
+            </a:pPr>
+            <a:r>
+              <a:rPr lang="en-US"/>
+              <a:t>Statistics</a:t>
             </a:r>
           </a:p>
         </p:txBody>
@@ -15838,7 +14335,7 @@
   <p:cSld>
     <p:spTree>
       <p:nvGrpSpPr>
-        <p:cNvPr id="142" name="Shape 142"/>
+        <p:cNvPr id="107" name="Shape 107"/>
         <p:cNvGrpSpPr/>
         <p:nvPr/>
       </p:nvGrpSpPr>
@@ -15852,7 +14349,7 @@
       </p:grpSpPr>
       <p:sp>
         <p:nvSpPr>
-          <p:cNvPr id="143" name="Shape 143"/>
+          <p:cNvPr id="108" name="Shape 108"/>
           <p:cNvSpPr txBox="1"/>
           <p:nvPr>
             <p:ph type="title"/>
@@ -15860,7 +14357,7 @@
         </p:nvSpPr>
         <p:spPr>
           <a:xfrm>
-            <a:off x="838200" y="365125"/>
+            <a:off x="839787" y="365125"/>
             <a:ext cx="10515600" cy="1325700"/>
           </a:xfrm>
           <a:prstGeom prst="rect">
@@ -15881,14 +14378,363 @@
             </a:pPr>
             <a:r>
               <a:rPr lang="en-US"/>
-              <a:t>Goals for Pong</a:t>
+              <a:t>Differences from Last Semester</a:t>
             </a:r>
           </a:p>
         </p:txBody>
       </p:sp>
       <p:sp>
         <p:nvSpPr>
-          <p:cNvPr id="144" name="Shape 144"/>
+          <p:cNvPr id="109" name="Shape 109"/>
+          <p:cNvSpPr txBox="1"/>
+          <p:nvPr>
+            <p:ph idx="1" type="body"/>
+          </p:nvPr>
+        </p:nvSpPr>
+        <p:spPr>
+          <a:xfrm>
+            <a:off x="839787" y="1681163"/>
+            <a:ext cx="5157900" cy="823800"/>
+          </a:xfrm>
+          <a:prstGeom prst="rect">
+            <a:avLst/>
+          </a:prstGeom>
+        </p:spPr>
+        <p:txBody>
+          <a:bodyPr anchorCtr="0" anchor="b" bIns="91425" lIns="91425" rIns="91425" tIns="91425">
+            <a:noAutofit/>
+          </a:bodyPr>
+          <a:lstStyle/>
+          <a:p>
+            <a:pPr lvl="0" algn="ctr">
+              <a:spcBef>
+                <a:spcPts val="0"/>
+              </a:spcBef>
+              <a:buNone/>
+            </a:pPr>
+            <a:r>
+              <a:rPr lang="en-US"/>
+              <a:t>Last semester</a:t>
+            </a:r>
+          </a:p>
+        </p:txBody>
+      </p:sp>
+      <p:sp>
+        <p:nvSpPr>
+          <p:cNvPr id="110" name="Shape 110"/>
+          <p:cNvSpPr txBox="1"/>
+          <p:nvPr>
+            <p:ph idx="2" type="body"/>
+          </p:nvPr>
+        </p:nvSpPr>
+        <p:spPr>
+          <a:xfrm>
+            <a:off x="839787" y="2505075"/>
+            <a:ext cx="5157900" cy="3684600"/>
+          </a:xfrm>
+          <a:prstGeom prst="rect">
+            <a:avLst/>
+          </a:prstGeom>
+        </p:spPr>
+        <p:txBody>
+          <a:bodyPr anchorCtr="0" anchor="t" bIns="91425" lIns="91425" rIns="91425" tIns="91425">
+            <a:noAutofit/>
+          </a:bodyPr>
+          <a:lstStyle/>
+          <a:p>
+            <a:pPr indent="-228600" lvl="0" marL="457200" rtl="0">
+              <a:spcBef>
+                <a:spcPts val="0"/>
+              </a:spcBef>
+            </a:pPr>
+            <a:r>
+              <a:rPr lang="en-US"/>
+              <a:t>3D graphics</a:t>
+            </a:r>
+          </a:p>
+          <a:p>
+            <a:pPr indent="-228600" lvl="0" marL="457200" rtl="0">
+              <a:spcBef>
+                <a:spcPts val="0"/>
+              </a:spcBef>
+            </a:pPr>
+            <a:r>
+              <a:rPr lang="en-US"/>
+              <a:t>2D gameplay</a:t>
+            </a:r>
+          </a:p>
+          <a:p>
+            <a:pPr indent="-228600" lvl="0" marL="457200" rtl="0">
+              <a:spcBef>
+                <a:spcPts val="0"/>
+              </a:spcBef>
+            </a:pPr>
+            <a:r>
+              <a:rPr lang="en-US"/>
+              <a:t>Gestural control</a:t>
+            </a:r>
+          </a:p>
+          <a:p>
+            <a:pPr indent="-228600" lvl="0" marL="457200" rtl="0">
+              <a:spcBef>
+                <a:spcPts val="0"/>
+              </a:spcBef>
+            </a:pPr>
+            <a:r>
+              <a:rPr lang="en-US"/>
+              <a:t>Statistics</a:t>
+            </a:r>
+          </a:p>
+        </p:txBody>
+      </p:sp>
+      <p:sp>
+        <p:nvSpPr>
+          <p:cNvPr id="111" name="Shape 111"/>
+          <p:cNvSpPr txBox="1"/>
+          <p:nvPr>
+            <p:ph idx="3" type="body"/>
+          </p:nvPr>
+        </p:nvSpPr>
+        <p:spPr>
+          <a:xfrm>
+            <a:off x="6172200" y="1681163"/>
+            <a:ext cx="5183100" cy="823800"/>
+          </a:xfrm>
+          <a:prstGeom prst="rect">
+            <a:avLst/>
+          </a:prstGeom>
+        </p:spPr>
+        <p:txBody>
+          <a:bodyPr anchorCtr="0" anchor="b" bIns="91425" lIns="91425" rIns="91425" tIns="91425">
+            <a:noAutofit/>
+          </a:bodyPr>
+          <a:lstStyle/>
+          <a:p>
+            <a:pPr lvl="0" algn="ctr">
+              <a:spcBef>
+                <a:spcPts val="0"/>
+              </a:spcBef>
+              <a:buNone/>
+            </a:pPr>
+            <a:r>
+              <a:rPr lang="en-US"/>
+              <a:t>Current semester</a:t>
+            </a:r>
+          </a:p>
+        </p:txBody>
+      </p:sp>
+      <p:sp>
+        <p:nvSpPr>
+          <p:cNvPr id="112" name="Shape 112"/>
+          <p:cNvSpPr txBox="1"/>
+          <p:nvPr>
+            <p:ph idx="4" type="body"/>
+          </p:nvPr>
+        </p:nvSpPr>
+        <p:spPr>
+          <a:xfrm>
+            <a:off x="6172200" y="2505075"/>
+            <a:ext cx="5183100" cy="3684600"/>
+          </a:xfrm>
+          <a:prstGeom prst="rect">
+            <a:avLst/>
+          </a:prstGeom>
+        </p:spPr>
+        <p:txBody>
+          <a:bodyPr anchorCtr="0" anchor="t" bIns="91425" lIns="91425" rIns="91425" tIns="91425">
+            <a:noAutofit/>
+          </a:bodyPr>
+          <a:lstStyle/>
+          <a:p>
+            <a:pPr indent="-228600" lvl="0" marL="457200" rtl="0">
+              <a:spcBef>
+                <a:spcPts val="0"/>
+              </a:spcBef>
+            </a:pPr>
+            <a:r>
+              <a:rPr lang="en-US"/>
+              <a:t>3D graphics</a:t>
+            </a:r>
+          </a:p>
+          <a:p>
+            <a:pPr indent="-228600" lvl="0" marL="457200" rtl="0">
+              <a:spcBef>
+                <a:spcPts val="0"/>
+              </a:spcBef>
+            </a:pPr>
+            <a:r>
+              <a:rPr lang="en-US"/>
+              <a:t>3D gameplay</a:t>
+            </a:r>
+          </a:p>
+          <a:p>
+            <a:pPr indent="-228600" lvl="0" marL="457200" rtl="0">
+              <a:spcBef>
+                <a:spcPts val="0"/>
+              </a:spcBef>
+            </a:pPr>
+            <a:r>
+              <a:rPr lang="en-US"/>
+              <a:t>Gestural control</a:t>
+            </a:r>
+          </a:p>
+          <a:p>
+            <a:pPr indent="-228600" lvl="0" marL="457200" rtl="0">
+              <a:spcBef>
+                <a:spcPts val="0"/>
+              </a:spcBef>
+            </a:pPr>
+            <a:r>
+              <a:rPr lang="en-US"/>
+              <a:t>Additive effects</a:t>
+            </a:r>
+          </a:p>
+          <a:p>
+            <a:pPr indent="-228600" lvl="1" marL="914400" rtl="0">
+              <a:spcBef>
+                <a:spcPts val="0"/>
+              </a:spcBef>
+            </a:pPr>
+            <a:r>
+              <a:rPr lang="en-US"/>
+              <a:t>Disable goal zone segments</a:t>
+            </a:r>
+          </a:p>
+          <a:p>
+            <a:pPr indent="-228600" lvl="1" marL="914400" rtl="0">
+              <a:spcBef>
+                <a:spcPts val="0"/>
+              </a:spcBef>
+            </a:pPr>
+            <a:r>
+              <a:rPr lang="en-US"/>
+              <a:t>Award extra points</a:t>
+            </a:r>
+          </a:p>
+          <a:p>
+            <a:pPr indent="-228600" lvl="1" marL="914400" rtl="0">
+              <a:spcBef>
+                <a:spcPts val="0"/>
+              </a:spcBef>
+            </a:pPr>
+            <a:r>
+              <a:rPr lang="en-US"/>
+              <a:t>Random obstacles</a:t>
+            </a:r>
+          </a:p>
+          <a:p>
+            <a:pPr indent="-228600" lvl="1" marL="914400" rtl="0">
+              <a:spcBef>
+                <a:spcPts val="0"/>
+              </a:spcBef>
+            </a:pPr>
+            <a:r>
+              <a:rPr lang="en-US"/>
+              <a:t>Paddle shrink</a:t>
+            </a:r>
+          </a:p>
+          <a:p>
+            <a:pPr indent="-228600" lvl="1" marL="914400" rtl="0">
+              <a:spcBef>
+                <a:spcPts val="0"/>
+              </a:spcBef>
+            </a:pPr>
+            <a:r>
+              <a:rPr lang="en-US"/>
+              <a:t>Multiple balls</a:t>
+            </a:r>
+          </a:p>
+        </p:txBody>
+      </p:sp>
+    </p:spTree>
+  </p:cSld>
+  <p:clrMapOvr>
+    <a:masterClrMapping/>
+  </p:clrMapOvr>
+</p:sld>
+</file>
+
+<file path=ppt/slides/slide6.xml><?xml version="1.0" encoding="utf-8"?>
+<p:sld xmlns:a="http://schemas.openxmlformats.org/drawingml/2006/main" xmlns:r="http://schemas.openxmlformats.org/officeDocument/2006/relationships" xmlns:mc="http://schemas.openxmlformats.org/markup-compatibility/2006" xmlns:mv="urn:schemas-microsoft-com:mac:vml" xmlns:p="http://schemas.openxmlformats.org/presentationml/2006/main" xmlns:c="http://schemas.openxmlformats.org/drawingml/2006/chart" xmlns:dgm="http://schemas.openxmlformats.org/drawingml/2006/diagram" xmlns:o="urn:schemas-microsoft-com:office:office" xmlns:v="urn:schemas-microsoft-com:vml" xmlns:pvml="urn:schemas-microsoft-com:office:powerpoint" xmlns:com="http://schemas.openxmlformats.org/drawingml/2006/compatibility" xmlns:p14="http://schemas.microsoft.com/office/powerpoint/2010/main">
+  <p:cSld>
+    <p:spTree>
+      <p:nvGrpSpPr>
+        <p:cNvPr id="116" name="Shape 116"/>
+        <p:cNvGrpSpPr/>
+        <p:nvPr/>
+      </p:nvGrpSpPr>
+      <p:grpSpPr>
+        <a:xfrm>
+          <a:off x="0" y="0"/>
+          <a:ext cx="0" cy="0"/>
+          <a:chOff x="0" y="0"/>
+          <a:chExt cx="0" cy="0"/>
+        </a:xfrm>
+      </p:grpSpPr>
+      <p:sp>
+        <p:nvSpPr>
+          <p:cNvPr id="117" name="Shape 117"/>
+          <p:cNvSpPr txBox="1"/>
+          <p:nvPr>
+            <p:ph type="title"/>
+          </p:nvPr>
+        </p:nvSpPr>
+        <p:spPr>
+          <a:xfrm>
+            <a:off x="831850" y="1709738"/>
+            <a:ext cx="10515600" cy="2852700"/>
+          </a:xfrm>
+          <a:prstGeom prst="rect">
+            <a:avLst/>
+          </a:prstGeom>
+        </p:spPr>
+        <p:txBody>
+          <a:bodyPr anchorCtr="0" anchor="b" bIns="91425" lIns="91425" rIns="91425" tIns="91425">
+            <a:noAutofit/>
+          </a:bodyPr>
+          <a:lstStyle/>
+          <a:p>
+            <a:pPr lvl="0">
+              <a:spcBef>
+                <a:spcPts val="0"/>
+              </a:spcBef>
+              <a:buNone/>
+            </a:pPr>
+            <a:r>
+              <a:rPr lang="en-US"/>
+              <a:t>Toolset</a:t>
+            </a:r>
+          </a:p>
+        </p:txBody>
+      </p:sp>
+    </p:spTree>
+  </p:cSld>
+  <p:clrMapOvr>
+    <a:masterClrMapping/>
+  </p:clrMapOvr>
+</p:sld>
+</file>
+
+<file path=ppt/slides/slide7.xml><?xml version="1.0" encoding="utf-8"?>
+<p:sld xmlns:a="http://schemas.openxmlformats.org/drawingml/2006/main" xmlns:r="http://schemas.openxmlformats.org/officeDocument/2006/relationships" xmlns:mc="http://schemas.openxmlformats.org/markup-compatibility/2006" xmlns:mv="urn:schemas-microsoft-com:mac:vml" xmlns:p="http://schemas.openxmlformats.org/presentationml/2006/main" xmlns:c="http://schemas.openxmlformats.org/drawingml/2006/chart" xmlns:dgm="http://schemas.openxmlformats.org/drawingml/2006/diagram" xmlns:o="urn:schemas-microsoft-com:office:office" xmlns:v="urn:schemas-microsoft-com:vml" xmlns:pvml="urn:schemas-microsoft-com:office:powerpoint" xmlns:com="http://schemas.openxmlformats.org/drawingml/2006/compatibility" xmlns:p14="http://schemas.microsoft.com/office/powerpoint/2010/main">
+  <p:cSld>
+    <p:spTree>
+      <p:nvGrpSpPr>
+        <p:cNvPr id="121" name="Shape 121"/>
+        <p:cNvGrpSpPr/>
+        <p:nvPr/>
+      </p:nvGrpSpPr>
+      <p:grpSpPr>
+        <a:xfrm>
+          <a:off x="0" y="0"/>
+          <a:ext cx="0" cy="0"/>
+          <a:chOff x="0" y="0"/>
+          <a:chExt cx="0" cy="0"/>
+        </a:xfrm>
+      </p:grpSpPr>
+      <p:sp>
+        <p:nvSpPr>
+          <p:cNvPr id="122" name="Shape 122"/>
           <p:cNvSpPr txBox="1"/>
           <p:nvPr>
             <p:ph idx="1" type="body"/>
@@ -15916,506 +14762,6 @@
             </a:pPr>
             <a:r>
               <a:rPr lang="en-US"/>
-              <a:t>3D graphics</a:t>
-            </a:r>
-          </a:p>
-          <a:p>
-            <a:pPr indent="-228600" lvl="0" marL="457200" rtl="0">
-              <a:spcBef>
-                <a:spcPts val="0"/>
-              </a:spcBef>
-            </a:pPr>
-            <a:r>
-              <a:rPr lang="en-US"/>
-              <a:t>3D gameplay</a:t>
-            </a:r>
-          </a:p>
-          <a:p>
-            <a:pPr indent="-228600" lvl="0" marL="457200" rtl="0">
-              <a:spcBef>
-                <a:spcPts val="0"/>
-              </a:spcBef>
-            </a:pPr>
-            <a:r>
-              <a:rPr lang="en-US"/>
-              <a:t>Gestural control</a:t>
-            </a:r>
-          </a:p>
-          <a:p>
-            <a:pPr indent="-228600" lvl="0" marL="457200" rtl="0">
-              <a:spcBef>
-                <a:spcPts val="0"/>
-              </a:spcBef>
-            </a:pPr>
-            <a:r>
-              <a:rPr lang="en-US"/>
-              <a:t>Artificially intelligent opponent</a:t>
-            </a:r>
-          </a:p>
-          <a:p>
-            <a:pPr indent="-228600" lvl="0" marL="457200" rtl="0">
-              <a:spcBef>
-                <a:spcPts val="0"/>
-              </a:spcBef>
-            </a:pPr>
-            <a:r>
-              <a:rPr lang="en-US"/>
-              <a:t>Additive gameplay effects</a:t>
-            </a:r>
-          </a:p>
-          <a:p>
-            <a:pPr indent="-228600" lvl="0" marL="457200">
-              <a:spcBef>
-                <a:spcPts val="0"/>
-              </a:spcBef>
-            </a:pPr>
-            <a:r>
-              <a:rPr lang="en-US"/>
-              <a:t>Statistics</a:t>
-            </a:r>
-          </a:p>
-        </p:txBody>
-      </p:sp>
-    </p:spTree>
-  </p:cSld>
-  <p:clrMapOvr>
-    <a:masterClrMapping/>
-  </p:clrMapOvr>
-</p:sld>
-</file>
-
-<file path=ppt/slides/slide6.xml><?xml version="1.0" encoding="utf-8"?>
-<p:sld xmlns:a="http://schemas.openxmlformats.org/drawingml/2006/main" xmlns:r="http://schemas.openxmlformats.org/officeDocument/2006/relationships" xmlns:mc="http://schemas.openxmlformats.org/markup-compatibility/2006" xmlns:mv="urn:schemas-microsoft-com:mac:vml" xmlns:p="http://schemas.openxmlformats.org/presentationml/2006/main" xmlns:c="http://schemas.openxmlformats.org/drawingml/2006/chart" xmlns:dgm="http://schemas.openxmlformats.org/drawingml/2006/diagram" xmlns:o="urn:schemas-microsoft-com:office:office" xmlns:v="urn:schemas-microsoft-com:vml" xmlns:pvml="urn:schemas-microsoft-com:office:powerpoint" xmlns:com="http://schemas.openxmlformats.org/drawingml/2006/compatibility" xmlns:p14="http://schemas.microsoft.com/office/powerpoint/2010/main">
-  <p:cSld>
-    <p:spTree>
-      <p:nvGrpSpPr>
-        <p:cNvPr id="148" name="Shape 148"/>
-        <p:cNvGrpSpPr/>
-        <p:nvPr/>
-      </p:nvGrpSpPr>
-      <p:grpSpPr>
-        <a:xfrm>
-          <a:off x="0" y="0"/>
-          <a:ext cx="0" cy="0"/>
-          <a:chOff x="0" y="0"/>
-          <a:chExt cx="0" cy="0"/>
-        </a:xfrm>
-      </p:grpSpPr>
-      <p:sp>
-        <p:nvSpPr>
-          <p:cNvPr id="149" name="Shape 149"/>
-          <p:cNvSpPr txBox="1"/>
-          <p:nvPr>
-            <p:ph type="title"/>
-          </p:nvPr>
-        </p:nvSpPr>
-        <p:spPr>
-          <a:xfrm>
-            <a:off x="839787" y="365125"/>
-            <a:ext cx="10515600" cy="1325700"/>
-          </a:xfrm>
-          <a:prstGeom prst="rect">
-            <a:avLst/>
-          </a:prstGeom>
-        </p:spPr>
-        <p:txBody>
-          <a:bodyPr anchorCtr="0" anchor="ctr" bIns="91425" lIns="91425" rIns="91425" tIns="91425">
-            <a:noAutofit/>
-          </a:bodyPr>
-          <a:lstStyle/>
-          <a:p>
-            <a:pPr lvl="0" algn="ctr">
-              <a:spcBef>
-                <a:spcPts val="0"/>
-              </a:spcBef>
-              <a:buNone/>
-            </a:pPr>
-            <a:r>
-              <a:rPr lang="en-US"/>
-              <a:t>Differences from Last Semester</a:t>
-            </a:r>
-          </a:p>
-        </p:txBody>
-      </p:sp>
-      <p:sp>
-        <p:nvSpPr>
-          <p:cNvPr id="150" name="Shape 150"/>
-          <p:cNvSpPr txBox="1"/>
-          <p:nvPr>
-            <p:ph idx="1" type="body"/>
-          </p:nvPr>
-        </p:nvSpPr>
-        <p:spPr>
-          <a:xfrm>
-            <a:off x="839787" y="1681163"/>
-            <a:ext cx="5157900" cy="823800"/>
-          </a:xfrm>
-          <a:prstGeom prst="rect">
-            <a:avLst/>
-          </a:prstGeom>
-        </p:spPr>
-        <p:txBody>
-          <a:bodyPr anchorCtr="0" anchor="b" bIns="91425" lIns="91425" rIns="91425" tIns="91425">
-            <a:noAutofit/>
-          </a:bodyPr>
-          <a:lstStyle/>
-          <a:p>
-            <a:pPr lvl="0" algn="ctr">
-              <a:spcBef>
-                <a:spcPts val="0"/>
-              </a:spcBef>
-              <a:buNone/>
-            </a:pPr>
-            <a:r>
-              <a:rPr lang="en-US"/>
-              <a:t>Last semester</a:t>
-            </a:r>
-          </a:p>
-        </p:txBody>
-      </p:sp>
-      <p:sp>
-        <p:nvSpPr>
-          <p:cNvPr id="151" name="Shape 151"/>
-          <p:cNvSpPr txBox="1"/>
-          <p:nvPr>
-            <p:ph idx="2" type="body"/>
-          </p:nvPr>
-        </p:nvSpPr>
-        <p:spPr>
-          <a:xfrm>
-            <a:off x="839787" y="2505075"/>
-            <a:ext cx="5157900" cy="3684600"/>
-          </a:xfrm>
-          <a:prstGeom prst="rect">
-            <a:avLst/>
-          </a:prstGeom>
-        </p:spPr>
-        <p:txBody>
-          <a:bodyPr anchorCtr="0" anchor="t" bIns="91425" lIns="91425" rIns="91425" tIns="91425">
-            <a:noAutofit/>
-          </a:bodyPr>
-          <a:lstStyle/>
-          <a:p>
-            <a:pPr indent="-228600" lvl="0" marL="457200" rtl="0">
-              <a:spcBef>
-                <a:spcPts val="0"/>
-              </a:spcBef>
-            </a:pPr>
-            <a:r>
-              <a:rPr lang="en-US"/>
-              <a:t>3D graphics</a:t>
-            </a:r>
-          </a:p>
-          <a:p>
-            <a:pPr indent="-228600" lvl="0" marL="457200" rtl="0">
-              <a:spcBef>
-                <a:spcPts val="0"/>
-              </a:spcBef>
-            </a:pPr>
-            <a:r>
-              <a:rPr lang="en-US"/>
-              <a:t>2D gameplay</a:t>
-            </a:r>
-          </a:p>
-          <a:p>
-            <a:pPr indent="-228600" lvl="0" marL="457200" rtl="0">
-              <a:spcBef>
-                <a:spcPts val="0"/>
-              </a:spcBef>
-            </a:pPr>
-            <a:r>
-              <a:rPr lang="en-US"/>
-              <a:t>Gestural control</a:t>
-            </a:r>
-          </a:p>
-          <a:p>
-            <a:pPr indent="-228600" lvl="0" marL="457200" rtl="0">
-              <a:spcBef>
-                <a:spcPts val="0"/>
-              </a:spcBef>
-            </a:pPr>
-            <a:r>
-              <a:rPr lang="en-US"/>
-              <a:t>Statistics</a:t>
-            </a:r>
-          </a:p>
-        </p:txBody>
-      </p:sp>
-      <p:sp>
-        <p:nvSpPr>
-          <p:cNvPr id="152" name="Shape 152"/>
-          <p:cNvSpPr txBox="1"/>
-          <p:nvPr>
-            <p:ph idx="3" type="body"/>
-          </p:nvPr>
-        </p:nvSpPr>
-        <p:spPr>
-          <a:xfrm>
-            <a:off x="6172200" y="1681163"/>
-            <a:ext cx="5183100" cy="823800"/>
-          </a:xfrm>
-          <a:prstGeom prst="rect">
-            <a:avLst/>
-          </a:prstGeom>
-        </p:spPr>
-        <p:txBody>
-          <a:bodyPr anchorCtr="0" anchor="b" bIns="91425" lIns="91425" rIns="91425" tIns="91425">
-            <a:noAutofit/>
-          </a:bodyPr>
-          <a:lstStyle/>
-          <a:p>
-            <a:pPr lvl="0" algn="ctr">
-              <a:spcBef>
-                <a:spcPts val="0"/>
-              </a:spcBef>
-              <a:buNone/>
-            </a:pPr>
-            <a:r>
-              <a:rPr lang="en-US"/>
-              <a:t>Current semester</a:t>
-            </a:r>
-          </a:p>
-        </p:txBody>
-      </p:sp>
-      <p:sp>
-        <p:nvSpPr>
-          <p:cNvPr id="153" name="Shape 153"/>
-          <p:cNvSpPr txBox="1"/>
-          <p:nvPr>
-            <p:ph idx="4" type="body"/>
-          </p:nvPr>
-        </p:nvSpPr>
-        <p:spPr>
-          <a:xfrm>
-            <a:off x="6172200" y="2505075"/>
-            <a:ext cx="5183100" cy="3684600"/>
-          </a:xfrm>
-          <a:prstGeom prst="rect">
-            <a:avLst/>
-          </a:prstGeom>
-        </p:spPr>
-        <p:txBody>
-          <a:bodyPr anchorCtr="0" anchor="t" bIns="91425" lIns="91425" rIns="91425" tIns="91425">
-            <a:noAutofit/>
-          </a:bodyPr>
-          <a:lstStyle/>
-          <a:p>
-            <a:pPr indent="-228600" lvl="0" marL="457200" rtl="0">
-              <a:spcBef>
-                <a:spcPts val="0"/>
-              </a:spcBef>
-            </a:pPr>
-            <a:r>
-              <a:rPr lang="en-US"/>
-              <a:t>3D graphics</a:t>
-            </a:r>
-          </a:p>
-          <a:p>
-            <a:pPr indent="-228600" lvl="0" marL="457200" rtl="0">
-              <a:spcBef>
-                <a:spcPts val="0"/>
-              </a:spcBef>
-            </a:pPr>
-            <a:r>
-              <a:rPr lang="en-US"/>
-              <a:t>3D gameplay</a:t>
-            </a:r>
-          </a:p>
-          <a:p>
-            <a:pPr indent="-228600" lvl="0" marL="457200" rtl="0">
-              <a:spcBef>
-                <a:spcPts val="0"/>
-              </a:spcBef>
-            </a:pPr>
-            <a:r>
-              <a:rPr lang="en-US"/>
-              <a:t>Gestural control</a:t>
-            </a:r>
-          </a:p>
-          <a:p>
-            <a:pPr indent="-228600" lvl="0" marL="457200" rtl="0">
-              <a:spcBef>
-                <a:spcPts val="0"/>
-              </a:spcBef>
-            </a:pPr>
-            <a:r>
-              <a:rPr lang="en-US"/>
-              <a:t>Additive effects</a:t>
-            </a:r>
-          </a:p>
-          <a:p>
-            <a:pPr indent="-228600" lvl="1" marL="914400" rtl="0">
-              <a:spcBef>
-                <a:spcPts val="0"/>
-              </a:spcBef>
-            </a:pPr>
-            <a:r>
-              <a:rPr lang="en-US"/>
-              <a:t>Disable goal zone segments</a:t>
-            </a:r>
-          </a:p>
-          <a:p>
-            <a:pPr indent="-228600" lvl="1" marL="914400" rtl="0">
-              <a:spcBef>
-                <a:spcPts val="0"/>
-              </a:spcBef>
-            </a:pPr>
-            <a:r>
-              <a:rPr lang="en-US"/>
-              <a:t>Award extra points</a:t>
-            </a:r>
-          </a:p>
-          <a:p>
-            <a:pPr indent="-228600" lvl="1" marL="914400" rtl="0">
-              <a:spcBef>
-                <a:spcPts val="0"/>
-              </a:spcBef>
-            </a:pPr>
-            <a:r>
-              <a:rPr lang="en-US"/>
-              <a:t>Random obstacles</a:t>
-            </a:r>
-          </a:p>
-          <a:p>
-            <a:pPr indent="-228600" lvl="1" marL="914400" rtl="0">
-              <a:spcBef>
-                <a:spcPts val="0"/>
-              </a:spcBef>
-            </a:pPr>
-            <a:r>
-              <a:rPr lang="en-US"/>
-              <a:t>Paddle shrink</a:t>
-            </a:r>
-          </a:p>
-          <a:p>
-            <a:pPr indent="-228600" lvl="1" marL="914400" rtl="0">
-              <a:spcBef>
-                <a:spcPts val="0"/>
-              </a:spcBef>
-            </a:pPr>
-            <a:r>
-              <a:rPr lang="en-US"/>
-              <a:t>Multiple balls</a:t>
-            </a:r>
-          </a:p>
-        </p:txBody>
-      </p:sp>
-    </p:spTree>
-  </p:cSld>
-  <p:clrMapOvr>
-    <a:masterClrMapping/>
-  </p:clrMapOvr>
-</p:sld>
-</file>
-
-<file path=ppt/slides/slide7.xml><?xml version="1.0" encoding="utf-8"?>
-<p:sld xmlns:a="http://schemas.openxmlformats.org/drawingml/2006/main" xmlns:r="http://schemas.openxmlformats.org/officeDocument/2006/relationships" xmlns:mc="http://schemas.openxmlformats.org/markup-compatibility/2006" xmlns:mv="urn:schemas-microsoft-com:mac:vml" xmlns:p="http://schemas.openxmlformats.org/presentationml/2006/main" xmlns:c="http://schemas.openxmlformats.org/drawingml/2006/chart" xmlns:dgm="http://schemas.openxmlformats.org/drawingml/2006/diagram" xmlns:o="urn:schemas-microsoft-com:office:office" xmlns:v="urn:schemas-microsoft-com:vml" xmlns:pvml="urn:schemas-microsoft-com:office:powerpoint" xmlns:com="http://schemas.openxmlformats.org/drawingml/2006/compatibility" xmlns:p14="http://schemas.microsoft.com/office/powerpoint/2010/main">
-  <p:cSld>
-    <p:spTree>
-      <p:nvGrpSpPr>
-        <p:cNvPr id="157" name="Shape 157"/>
-        <p:cNvGrpSpPr/>
-        <p:nvPr/>
-      </p:nvGrpSpPr>
-      <p:grpSpPr>
-        <a:xfrm>
-          <a:off x="0" y="0"/>
-          <a:ext cx="0" cy="0"/>
-          <a:chOff x="0" y="0"/>
-          <a:chExt cx="0" cy="0"/>
-        </a:xfrm>
-      </p:grpSpPr>
-      <p:sp>
-        <p:nvSpPr>
-          <p:cNvPr id="158" name="Shape 158"/>
-          <p:cNvSpPr txBox="1"/>
-          <p:nvPr>
-            <p:ph type="title"/>
-          </p:nvPr>
-        </p:nvSpPr>
-        <p:spPr>
-          <a:xfrm>
-            <a:off x="831850" y="1709738"/>
-            <a:ext cx="10515600" cy="2852700"/>
-          </a:xfrm>
-          <a:prstGeom prst="rect">
-            <a:avLst/>
-          </a:prstGeom>
-        </p:spPr>
-        <p:txBody>
-          <a:bodyPr anchorCtr="0" anchor="b" bIns="91425" lIns="91425" rIns="91425" tIns="91425">
-            <a:noAutofit/>
-          </a:bodyPr>
-          <a:lstStyle/>
-          <a:p>
-            <a:pPr lvl="0">
-              <a:spcBef>
-                <a:spcPts val="0"/>
-              </a:spcBef>
-              <a:buNone/>
-            </a:pPr>
-            <a:r>
-              <a:rPr lang="en-US"/>
-              <a:t>Toolset</a:t>
-            </a:r>
-          </a:p>
-        </p:txBody>
-      </p:sp>
-    </p:spTree>
-  </p:cSld>
-  <p:clrMapOvr>
-    <a:masterClrMapping/>
-  </p:clrMapOvr>
-</p:sld>
-</file>
-
-<file path=ppt/slides/slide8.xml><?xml version="1.0" encoding="utf-8"?>
-<p:sld xmlns:a="http://schemas.openxmlformats.org/drawingml/2006/main" xmlns:r="http://schemas.openxmlformats.org/officeDocument/2006/relationships" xmlns:mc="http://schemas.openxmlformats.org/markup-compatibility/2006" xmlns:mv="urn:schemas-microsoft-com:mac:vml" xmlns:p="http://schemas.openxmlformats.org/presentationml/2006/main" xmlns:c="http://schemas.openxmlformats.org/drawingml/2006/chart" xmlns:dgm="http://schemas.openxmlformats.org/drawingml/2006/diagram" xmlns:o="urn:schemas-microsoft-com:office:office" xmlns:v="urn:schemas-microsoft-com:vml" xmlns:pvml="urn:schemas-microsoft-com:office:powerpoint" xmlns:com="http://schemas.openxmlformats.org/drawingml/2006/compatibility" xmlns:p14="http://schemas.microsoft.com/office/powerpoint/2010/main">
-  <p:cSld>
-    <p:spTree>
-      <p:nvGrpSpPr>
-        <p:cNvPr id="162" name="Shape 162"/>
-        <p:cNvGrpSpPr/>
-        <p:nvPr/>
-      </p:nvGrpSpPr>
-      <p:grpSpPr>
-        <a:xfrm>
-          <a:off x="0" y="0"/>
-          <a:ext cx="0" cy="0"/>
-          <a:chOff x="0" y="0"/>
-          <a:chExt cx="0" cy="0"/>
-        </a:xfrm>
-      </p:grpSpPr>
-      <p:sp>
-        <p:nvSpPr>
-          <p:cNvPr id="163" name="Shape 163"/>
-          <p:cNvSpPr txBox="1"/>
-          <p:nvPr>
-            <p:ph idx="1" type="body"/>
-          </p:nvPr>
-        </p:nvSpPr>
-        <p:spPr>
-          <a:xfrm>
-            <a:off x="838200" y="1825625"/>
-            <a:ext cx="10515600" cy="4351200"/>
-          </a:xfrm>
-          <a:prstGeom prst="rect">
-            <a:avLst/>
-          </a:prstGeom>
-        </p:spPr>
-        <p:txBody>
-          <a:bodyPr anchorCtr="0" anchor="t" bIns="91425" lIns="91425" rIns="91425" tIns="91425">
-            <a:noAutofit/>
-          </a:bodyPr>
-          <a:lstStyle/>
-          <a:p>
-            <a:pPr indent="-228600" lvl="0" marL="457200" rtl="0">
-              <a:spcBef>
-                <a:spcPts val="0"/>
-              </a:spcBef>
-            </a:pPr>
-            <a:r>
-              <a:rPr lang="en-US"/>
               <a:t>Rendering engine</a:t>
             </a:r>
           </a:p>
@@ -16467,7 +14813,7 @@
       </p:sp>
       <p:pic>
         <p:nvPicPr>
-          <p:cNvPr descr="unity-logo-white.png" id="164" name="Shape 164"/>
+          <p:cNvPr descr="unity-logo-white.png" id="123" name="Shape 123"/>
           <p:cNvPicPr preferRelativeResize="0"/>
           <p:nvPr/>
         </p:nvPicPr>
@@ -16501,12 +14847,12 @@
 </p:sld>
 </file>
 
-<file path=ppt/slides/slide9.xml><?xml version="1.0" encoding="utf-8"?>
+<file path=ppt/slides/slide8.xml><?xml version="1.0" encoding="utf-8"?>
 <p:sld xmlns:a="http://schemas.openxmlformats.org/drawingml/2006/main" xmlns:r="http://schemas.openxmlformats.org/officeDocument/2006/relationships" xmlns:mc="http://schemas.openxmlformats.org/markup-compatibility/2006" xmlns:mv="urn:schemas-microsoft-com:mac:vml" xmlns:p="http://schemas.openxmlformats.org/presentationml/2006/main" xmlns:c="http://schemas.openxmlformats.org/drawingml/2006/chart" xmlns:dgm="http://schemas.openxmlformats.org/drawingml/2006/diagram" xmlns:o="urn:schemas-microsoft-com:office:office" xmlns:v="urn:schemas-microsoft-com:vml" xmlns:pvml="urn:schemas-microsoft-com:office:powerpoint" xmlns:com="http://schemas.openxmlformats.org/drawingml/2006/compatibility" xmlns:p14="http://schemas.microsoft.com/office/powerpoint/2010/main">
   <p:cSld>
     <p:spTree>
       <p:nvGrpSpPr>
-        <p:cNvPr id="168" name="Shape 168"/>
+        <p:cNvPr id="127" name="Shape 127"/>
         <p:cNvGrpSpPr/>
         <p:nvPr/>
       </p:nvGrpSpPr>
@@ -16520,7 +14866,7 @@
       </p:grpSpPr>
       <p:sp>
         <p:nvSpPr>
-          <p:cNvPr id="169" name="Shape 169"/>
+          <p:cNvPr id="128" name="Shape 128"/>
           <p:cNvSpPr txBox="1"/>
           <p:nvPr>
             <p:ph idx="1" type="body"/>
@@ -16610,7 +14956,7 @@
       </p:sp>
       <p:pic>
         <p:nvPicPr>
-          <p:cNvPr descr="kinect-logo-white.png" id="170" name="Shape 170"/>
+          <p:cNvPr descr="kinect-logo-white.png" id="129" name="Shape 129"/>
           <p:cNvPicPr preferRelativeResize="0"/>
           <p:nvPr/>
         </p:nvPicPr>
@@ -16644,7 +14990,432 @@
 </p:sld>
 </file>
 
+<file path=ppt/slides/slide9.xml><?xml version="1.0" encoding="utf-8"?>
+<p:sld xmlns:a="http://schemas.openxmlformats.org/drawingml/2006/main" xmlns:r="http://schemas.openxmlformats.org/officeDocument/2006/relationships" xmlns:mc="http://schemas.openxmlformats.org/markup-compatibility/2006" xmlns:mv="urn:schemas-microsoft-com:mac:vml" xmlns:p="http://schemas.openxmlformats.org/presentationml/2006/main" xmlns:c="http://schemas.openxmlformats.org/drawingml/2006/chart" xmlns:dgm="http://schemas.openxmlformats.org/drawingml/2006/diagram" xmlns:o="urn:schemas-microsoft-com:office:office" xmlns:v="urn:schemas-microsoft-com:vml" xmlns:pvml="urn:schemas-microsoft-com:office:powerpoint" xmlns:com="http://schemas.openxmlformats.org/drawingml/2006/compatibility" xmlns:p14="http://schemas.microsoft.com/office/powerpoint/2010/main">
+  <p:cSld>
+    <p:spTree>
+      <p:nvGrpSpPr>
+        <p:cNvPr id="133" name="Shape 133"/>
+        <p:cNvGrpSpPr/>
+        <p:nvPr/>
+      </p:nvGrpSpPr>
+      <p:grpSpPr>
+        <a:xfrm>
+          <a:off x="0" y="0"/>
+          <a:ext cx="0" cy="0"/>
+          <a:chOff x="0" y="0"/>
+          <a:chExt cx="0" cy="0"/>
+        </a:xfrm>
+      </p:grpSpPr>
+      <p:sp>
+        <p:nvSpPr>
+          <p:cNvPr id="134" name="Shape 134"/>
+          <p:cNvSpPr txBox="1"/>
+          <p:nvPr>
+            <p:ph idx="1" type="body"/>
+          </p:nvPr>
+        </p:nvSpPr>
+        <p:spPr>
+          <a:xfrm>
+            <a:off x="838200" y="1825625"/>
+            <a:ext cx="10515600" cy="4351200"/>
+          </a:xfrm>
+          <a:prstGeom prst="rect">
+            <a:avLst/>
+          </a:prstGeom>
+        </p:spPr>
+        <p:txBody>
+          <a:bodyPr anchorCtr="0" anchor="t" bIns="91425" lIns="91425" rIns="91425" tIns="91425">
+            <a:noAutofit/>
+          </a:bodyPr>
+          <a:lstStyle/>
+          <a:p>
+            <a:pPr indent="-228600" lvl="0" marL="457200" rtl="0">
+              <a:spcBef>
+                <a:spcPts val="0"/>
+              </a:spcBef>
+            </a:pPr>
+            <a:r>
+              <a:rPr lang="en-US"/>
+              <a:t>Scripting</a:t>
+            </a:r>
+          </a:p>
+          <a:p>
+            <a:pPr indent="-228600" lvl="0" marL="457200" rtl="0">
+              <a:spcBef>
+                <a:spcPts val="0"/>
+              </a:spcBef>
+            </a:pPr>
+            <a:r>
+              <a:rPr lang="en-US"/>
+              <a:t>Unity standard</a:t>
+            </a:r>
+          </a:p>
+          <a:p>
+            <a:pPr indent="-228600" lvl="0" marL="457200" rtl="0">
+              <a:spcBef>
+                <a:spcPts val="0"/>
+              </a:spcBef>
+            </a:pPr>
+            <a:r>
+              <a:rPr lang="en-US"/>
+              <a:t>Compliant with Kinect API</a:t>
+            </a:r>
+          </a:p>
+          <a:p>
+            <a:pPr indent="-228600" lvl="0" marL="457200" rtl="0">
+              <a:spcBef>
+                <a:spcPts val="0"/>
+              </a:spcBef>
+            </a:pPr>
+            <a:r>
+              <a:rPr lang="en-US"/>
+              <a:t>Exposure to a new language</a:t>
+            </a:r>
+          </a:p>
+          <a:p>
+            <a:pPr indent="-228600" lvl="0" marL="457200" rtl="0">
+              <a:spcBef>
+                <a:spcPts val="0"/>
+              </a:spcBef>
+            </a:pPr>
+            <a:r>
+              <a:rPr lang="en-US"/>
+              <a:t>Object oriented</a:t>
+            </a:r>
+          </a:p>
+          <a:p>
+            <a:pPr indent="-228600" lvl="0" marL="457200">
+              <a:spcBef>
+                <a:spcPts val="0"/>
+              </a:spcBef>
+            </a:pPr>
+            <a:r>
+              <a:rPr lang="en-US"/>
+              <a:t>Visual Studio (IDE)</a:t>
+            </a:r>
+            <a:br>
+              <a:rPr lang="en-US"/>
+            </a:br>
+          </a:p>
+        </p:txBody>
+      </p:sp>
+      <p:pic>
+        <p:nvPicPr>
+          <p:cNvPr descr="c-sharp-logo-white.png" id="135" name="Shape 135"/>
+          <p:cNvPicPr preferRelativeResize="0"/>
+          <p:nvPr/>
+        </p:nvPicPr>
+        <p:blipFill>
+          <a:blip r:embed="rId3">
+            <a:alphaModFix/>
+          </a:blip>
+          <a:stretch>
+            <a:fillRect/>
+          </a:stretch>
+        </p:blipFill>
+        <p:spPr>
+          <a:xfrm>
+            <a:off x="5638873" y="802224"/>
+            <a:ext cx="914249" cy="821624"/>
+          </a:xfrm>
+          <a:prstGeom prst="rect">
+            <a:avLst/>
+          </a:prstGeom>
+          <a:noFill/>
+          <a:ln>
+            <a:noFill/>
+          </a:ln>
+        </p:spPr>
+      </p:pic>
+    </p:spTree>
+  </p:cSld>
+  <p:clrMapOvr>
+    <a:masterClrMapping/>
+  </p:clrMapOvr>
+</p:sld>
+</file>
+
 <file path=ppt/theme/theme1.xml><?xml version="1.0" encoding="utf-8"?>
+<a:theme xmlns:a="http://schemas.openxmlformats.org/drawingml/2006/main" xmlns:r="http://schemas.openxmlformats.org/officeDocument/2006/relationships" name="Custom Theme">
+  <a:themeElements>
+    <a:clrScheme name="Default">
+      <a:dk1>
+        <a:srgbClr val="000000"/>
+      </a:dk1>
+      <a:lt1>
+        <a:srgbClr val="FFFFFF"/>
+      </a:lt1>
+      <a:dk2>
+        <a:srgbClr val="158158"/>
+      </a:dk2>
+      <a:lt2>
+        <a:srgbClr val="F3F3F3"/>
+      </a:lt2>
+      <a:accent1>
+        <a:srgbClr val="058DC7"/>
+      </a:accent1>
+      <a:accent2>
+        <a:srgbClr val="50B432"/>
+      </a:accent2>
+      <a:accent3>
+        <a:srgbClr val="ED561B"/>
+      </a:accent3>
+      <a:accent4>
+        <a:srgbClr val="EDEF00"/>
+      </a:accent4>
+      <a:accent5>
+        <a:srgbClr val="24CBE5"/>
+      </a:accent5>
+      <a:accent6>
+        <a:srgbClr val="64E572"/>
+      </a:accent6>
+      <a:hlink>
+        <a:srgbClr val="2200CC"/>
+      </a:hlink>
+      <a:folHlink>
+        <a:srgbClr val="551A8B"/>
+      </a:folHlink>
+    </a:clrScheme>
+    <a:fontScheme name="Office">
+      <a:majorFont>
+        <a:latin typeface="Arial"/>
+        <a:ea typeface=""/>
+        <a:cs typeface=""/>
+        <a:font script="Jpan" typeface="ＭＳ Ｐゴシック"/>
+        <a:font script="Hang" typeface="맑은 고딕"/>
+        <a:font script="Hans" typeface="宋体"/>
+        <a:font script="Hant" typeface="新細明體"/>
+        <a:font script="Arab" typeface="Times New Roman"/>
+        <a:font script="Hebr" typeface="Times New Roman"/>
+        <a:font script="Thai" typeface="Angsana New"/>
+        <a:font script="Ethi" typeface="Nyala"/>
+        <a:font script="Beng" typeface="Vrinda"/>
+        <a:font script="Gujr" typeface="Shruti"/>
+        <a:font script="Khmr" typeface="MoolBoran"/>
+        <a:font script="Knda" typeface="Tunga"/>
+        <a:font script="Guru" typeface="Raavi"/>
+        <a:font script="Cans" typeface="Euphemia"/>
+        <a:font script="Cher" typeface="Plantagenet Cherokee"/>
+        <a:font script="Yiii" typeface="Microsoft Yi Baiti"/>
+        <a:font script="Tibt" typeface="Microsoft Himalaya"/>
+        <a:font script="Thaa" typeface="MV Boli"/>
+        <a:font script="Deva" typeface="Mangal"/>
+        <a:font script="Telu" typeface="Gautami"/>
+        <a:font script="Taml" typeface="Latha"/>
+        <a:font script="Syrc" typeface="Estrangelo Edessa"/>
+        <a:font script="Orya" typeface="Kalinga"/>
+        <a:font script="Mlym" typeface="Kartika"/>
+        <a:font script="Laoo" typeface="DokChampa"/>
+        <a:font script="Sinh" typeface="Iskoola Pota"/>
+        <a:font script="Mong" typeface="Mongolian Baiti"/>
+        <a:font script="Viet" typeface="Times New Roman"/>
+        <a:font script="Uigh" typeface="Microsoft Uighur"/>
+        <a:font script="Geor" typeface="Sylfaen"/>
+      </a:majorFont>
+      <a:minorFont>
+        <a:latin typeface="Arial"/>
+        <a:ea typeface=""/>
+        <a:cs typeface=""/>
+        <a:font script="Jpan" typeface="ＭＳ Ｐゴシック"/>
+        <a:font script="Hang" typeface="맑은 고딕"/>
+        <a:font script="Hans" typeface="宋体"/>
+        <a:font script="Hant" typeface="新細明體"/>
+        <a:font script="Arab" typeface="Arial"/>
+        <a:font script="Hebr" typeface="Arial"/>
+        <a:font script="Thai" typeface="Cordia New"/>
+        <a:font script="Ethi" typeface="Nyala"/>
+        <a:font script="Beng" typeface="Vrinda"/>
+        <a:font script="Gujr" typeface="Shruti"/>
+        <a:font script="Khmr" typeface="DaunPenh"/>
+        <a:font script="Knda" typeface="Tunga"/>
+        <a:font script="Guru" typeface="Raavi"/>
+        <a:font script="Cans" typeface="Euphemia"/>
+        <a:font script="Cher" typeface="Plantagenet Cherokee"/>
+        <a:font script="Yiii" typeface="Microsoft Yi Baiti"/>
+        <a:font script="Tibt" typeface="Microsoft Himalaya"/>
+        <a:font script="Thaa" typeface="MV Boli"/>
+        <a:font script="Deva" typeface="Mangal"/>
+        <a:font script="Telu" typeface="Gautami"/>
+        <a:font script="Taml" typeface="Latha"/>
+        <a:font script="Syrc" typeface="Estrangelo Edessa"/>
+        <a:font script="Orya" typeface="Kalinga"/>
+        <a:font script="Mlym" typeface="Kartika"/>
+        <a:font script="Laoo" typeface="DokChampa"/>
+        <a:font script="Sinh" typeface="Iskoola Pota"/>
+        <a:font script="Mong" typeface="Mongolian Baiti"/>
+        <a:font script="Viet" typeface="Arial"/>
+        <a:font script="Uigh" typeface="Microsoft Uighur"/>
+        <a:font script="Geor" typeface="Sylfaen"/>
+      </a:minorFont>
+    </a:fontScheme>
+    <a:fmtScheme name="Office">
+      <a:fillStyleLst>
+        <a:solidFill>
+          <a:schemeClr val="phClr"/>
+        </a:solidFill>
+        <a:gradFill rotWithShape="1">
+          <a:gsLst>
+            <a:gs pos="0">
+              <a:schemeClr val="phClr">
+                <a:tint val="50000"/>
+                <a:satMod val="300000"/>
+              </a:schemeClr>
+            </a:gs>
+            <a:gs pos="35000">
+              <a:schemeClr val="phClr">
+                <a:tint val="37000"/>
+                <a:satMod val="300000"/>
+              </a:schemeClr>
+            </a:gs>
+            <a:gs pos="100000">
+              <a:schemeClr val="phClr">
+                <a:tint val="15000"/>
+                <a:satMod val="350000"/>
+              </a:schemeClr>
+            </a:gs>
+          </a:gsLst>
+          <a:lin ang="16200000" scaled="1"/>
+        </a:gradFill>
+        <a:gradFill rotWithShape="1">
+          <a:gsLst>
+            <a:gs pos="0">
+              <a:schemeClr val="phClr">
+                <a:tint val="100000"/>
+                <a:shade val="100000"/>
+                <a:satMod val="130000"/>
+              </a:schemeClr>
+            </a:gs>
+            <a:gs pos="100000">
+              <a:schemeClr val="phClr">
+                <a:tint val="50000"/>
+                <a:shade val="100000"/>
+                <a:satMod val="350000"/>
+              </a:schemeClr>
+            </a:gs>
+          </a:gsLst>
+          <a:lin ang="16200000" scaled="0"/>
+        </a:gradFill>
+      </a:fillStyleLst>
+      <a:lnStyleLst>
+        <a:ln w="9525" cap="flat" cmpd="sng" algn="ctr">
+          <a:solidFill>
+            <a:schemeClr val="phClr">
+              <a:shade val="95000"/>
+              <a:satMod val="105000"/>
+            </a:schemeClr>
+          </a:solidFill>
+          <a:prstDash val="solid"/>
+        </a:ln>
+        <a:ln w="25400" cap="flat" cmpd="sng" algn="ctr">
+          <a:solidFill>
+            <a:schemeClr val="phClr"/>
+          </a:solidFill>
+          <a:prstDash val="solid"/>
+        </a:ln>
+        <a:ln w="38100" cap="flat" cmpd="sng" algn="ctr">
+          <a:solidFill>
+            <a:schemeClr val="phClr"/>
+          </a:solidFill>
+          <a:prstDash val="solid"/>
+        </a:ln>
+      </a:lnStyleLst>
+      <a:effectStyleLst>
+        <a:effectStyle>
+          <a:effectLst>
+            <a:outerShdw blurRad="40000" dist="20000" dir="5400000" rotWithShape="0">
+              <a:srgbClr val="000000">
+                <a:alpha val="38000"/>
+              </a:srgbClr>
+            </a:outerShdw>
+          </a:effectLst>
+        </a:effectStyle>
+        <a:effectStyle>
+          <a:effectLst>
+            <a:outerShdw blurRad="40000" dist="23000" dir="5400000" rotWithShape="0">
+              <a:srgbClr val="000000">
+                <a:alpha val="35000"/>
+              </a:srgbClr>
+            </a:outerShdw>
+          </a:effectLst>
+        </a:effectStyle>
+        <a:effectStyle>
+          <a:effectLst>
+            <a:outerShdw blurRad="40000" dist="23000" dir="5400000" rotWithShape="0">
+              <a:srgbClr val="000000">
+                <a:alpha val="35000"/>
+              </a:srgbClr>
+            </a:outerShdw>
+          </a:effectLst>
+          <a:scene3d>
+            <a:camera prst="orthographicFront">
+              <a:rot lat="0" lon="0" rev="0"/>
+            </a:camera>
+            <a:lightRig rig="threePt" dir="t">
+              <a:rot lat="0" lon="0" rev="1200000"/>
+            </a:lightRig>
+          </a:scene3d>
+          <a:sp3d>
+            <a:bevelT w="63500" h="25400"/>
+          </a:sp3d>
+        </a:effectStyle>
+      </a:effectStyleLst>
+      <a:bgFillStyleLst>
+        <a:solidFill>
+          <a:schemeClr val="phClr"/>
+        </a:solidFill>
+        <a:gradFill rotWithShape="1">
+          <a:gsLst>
+            <a:gs pos="0">
+              <a:schemeClr val="phClr">
+                <a:tint val="40000"/>
+                <a:satMod val="350000"/>
+              </a:schemeClr>
+            </a:gs>
+            <a:gs pos="40000">
+              <a:schemeClr val="phClr">
+                <a:tint val="45000"/>
+                <a:shade val="99000"/>
+                <a:satMod val="350000"/>
+              </a:schemeClr>
+            </a:gs>
+            <a:gs pos="100000">
+              <a:schemeClr val="phClr">
+                <a:shade val="20000"/>
+                <a:satMod val="255000"/>
+              </a:schemeClr>
+            </a:gs>
+          </a:gsLst>
+          <a:path path="circle">
+            <a:fillToRect l="50000" t="-80000" r="50000" b="180000"/>
+          </a:path>
+        </a:gradFill>
+        <a:gradFill rotWithShape="1">
+          <a:gsLst>
+            <a:gs pos="0">
+              <a:schemeClr val="phClr">
+                <a:tint val="80000"/>
+                <a:satMod val="300000"/>
+              </a:schemeClr>
+            </a:gs>
+            <a:gs pos="100000">
+              <a:schemeClr val="phClr">
+                <a:shade val="30000"/>
+                <a:satMod val="200000"/>
+              </a:schemeClr>
+            </a:gs>
+          </a:gsLst>
+          <a:path path="circle">
+            <a:fillToRect l="50000" t="50000" r="50000" b="50000"/>
+          </a:path>
+        </a:gradFill>
+      </a:bgFillStyleLst>
+    </a:fmtScheme>
+  </a:themeElements>
+</a:theme>
+</file>
+
+<file path=ppt/theme/theme2.xml><?xml version="1.0" encoding="utf-8"?>
 <a:theme xmlns:a="http://schemas.openxmlformats.org/drawingml/2006/main" xmlns:r="http://schemas.openxmlformats.org/officeDocument/2006/relationships" name="Office Theme">
   <a:themeElements>
     <a:clrScheme name="cool-text">
@@ -16921,283 +15692,4 @@
     </a:fmtScheme>
   </a:themeElements>
 </a:theme>
-</file>
-
-<file path=ppt/theme/theme2.xml><?xml version="1.0" encoding="utf-8"?>
-<a:theme xmlns:a="http://schemas.openxmlformats.org/drawingml/2006/main" xmlns:r="http://schemas.openxmlformats.org/officeDocument/2006/relationships" name="Custom Theme">
-  <a:themeElements>
-    <a:clrScheme name="Default">
-      <a:dk1>
-        <a:srgbClr val="000000"/>
-      </a:dk1>
-      <a:lt1>
-        <a:srgbClr val="FFFFFF"/>
-      </a:lt1>
-      <a:dk2>
-        <a:srgbClr val="158158"/>
-      </a:dk2>
-      <a:lt2>
-        <a:srgbClr val="F3F3F3"/>
-      </a:lt2>
-      <a:accent1>
-        <a:srgbClr val="058DC7"/>
-      </a:accent1>
-      <a:accent2>
-        <a:srgbClr val="50B432"/>
-      </a:accent2>
-      <a:accent3>
-        <a:srgbClr val="ED561B"/>
-      </a:accent3>
-      <a:accent4>
-        <a:srgbClr val="EDEF00"/>
-      </a:accent4>
-      <a:accent5>
-        <a:srgbClr val="24CBE5"/>
-      </a:accent5>
-      <a:accent6>
-        <a:srgbClr val="64E572"/>
-      </a:accent6>
-      <a:hlink>
-        <a:srgbClr val="2200CC"/>
-      </a:hlink>
-      <a:folHlink>
-        <a:srgbClr val="551A8B"/>
-      </a:folHlink>
-    </a:clrScheme>
-    <a:fontScheme name="Office">
-      <a:majorFont>
-        <a:latin typeface="Arial"/>
-        <a:ea typeface=""/>
-        <a:cs typeface=""/>
-        <a:font script="Jpan" typeface="ＭＳ Ｐゴシック"/>
-        <a:font script="Hang" typeface="맑은 고딕"/>
-        <a:font script="Hans" typeface="宋体"/>
-        <a:font script="Hant" typeface="新細明體"/>
-        <a:font script="Arab" typeface="Times New Roman"/>
-        <a:font script="Hebr" typeface="Times New Roman"/>
-        <a:font script="Thai" typeface="Angsana New"/>
-        <a:font script="Ethi" typeface="Nyala"/>
-        <a:font script="Beng" typeface="Vrinda"/>
-        <a:font script="Gujr" typeface="Shruti"/>
-        <a:font script="Khmr" typeface="MoolBoran"/>
-        <a:font script="Knda" typeface="Tunga"/>
-        <a:font script="Guru" typeface="Raavi"/>
-        <a:font script="Cans" typeface="Euphemia"/>
-        <a:font script="Cher" typeface="Plantagenet Cherokee"/>
-        <a:font script="Yiii" typeface="Microsoft Yi Baiti"/>
-        <a:font script="Tibt" typeface="Microsoft Himalaya"/>
-        <a:font script="Thaa" typeface="MV Boli"/>
-        <a:font script="Deva" typeface="Mangal"/>
-        <a:font script="Telu" typeface="Gautami"/>
-        <a:font script="Taml" typeface="Latha"/>
-        <a:font script="Syrc" typeface="Estrangelo Edessa"/>
-        <a:font script="Orya" typeface="Kalinga"/>
-        <a:font script="Mlym" typeface="Kartika"/>
-        <a:font script="Laoo" typeface="DokChampa"/>
-        <a:font script="Sinh" typeface="Iskoola Pota"/>
-        <a:font script="Mong" typeface="Mongolian Baiti"/>
-        <a:font script="Viet" typeface="Times New Roman"/>
-        <a:font script="Uigh" typeface="Microsoft Uighur"/>
-        <a:font script="Geor" typeface="Sylfaen"/>
-      </a:majorFont>
-      <a:minorFont>
-        <a:latin typeface="Arial"/>
-        <a:ea typeface=""/>
-        <a:cs typeface=""/>
-        <a:font script="Jpan" typeface="ＭＳ Ｐゴシック"/>
-        <a:font script="Hang" typeface="맑은 고딕"/>
-        <a:font script="Hans" typeface="宋体"/>
-        <a:font script="Hant" typeface="新細明體"/>
-        <a:font script="Arab" typeface="Arial"/>
-        <a:font script="Hebr" typeface="Arial"/>
-        <a:font script="Thai" typeface="Cordia New"/>
-        <a:font script="Ethi" typeface="Nyala"/>
-        <a:font script="Beng" typeface="Vrinda"/>
-        <a:font script="Gujr" typeface="Shruti"/>
-        <a:font script="Khmr" typeface="DaunPenh"/>
-        <a:font script="Knda" typeface="Tunga"/>
-        <a:font script="Guru" typeface="Raavi"/>
-        <a:font script="Cans" typeface="Euphemia"/>
-        <a:font script="Cher" typeface="Plantagenet Cherokee"/>
-        <a:font script="Yiii" typeface="Microsoft Yi Baiti"/>
-        <a:font script="Tibt" typeface="Microsoft Himalaya"/>
-        <a:font script="Thaa" typeface="MV Boli"/>
-        <a:font script="Deva" typeface="Mangal"/>
-        <a:font script="Telu" typeface="Gautami"/>
-        <a:font script="Taml" typeface="Latha"/>
-        <a:font script="Syrc" typeface="Estrangelo Edessa"/>
-        <a:font script="Orya" typeface="Kalinga"/>
-        <a:font script="Mlym" typeface="Kartika"/>
-        <a:font script="Laoo" typeface="DokChampa"/>
-        <a:font script="Sinh" typeface="Iskoola Pota"/>
-        <a:font script="Mong" typeface="Mongolian Baiti"/>
-        <a:font script="Viet" typeface="Arial"/>
-        <a:font script="Uigh" typeface="Microsoft Uighur"/>
-        <a:font script="Geor" typeface="Sylfaen"/>
-      </a:minorFont>
-    </a:fontScheme>
-    <a:fmtScheme name="Office">
-      <a:fillStyleLst>
-        <a:solidFill>
-          <a:schemeClr val="phClr"/>
-        </a:solidFill>
-        <a:gradFill rotWithShape="1">
-          <a:gsLst>
-            <a:gs pos="0">
-              <a:schemeClr val="phClr">
-                <a:tint val="50000"/>
-                <a:satMod val="300000"/>
-              </a:schemeClr>
-            </a:gs>
-            <a:gs pos="35000">
-              <a:schemeClr val="phClr">
-                <a:tint val="37000"/>
-                <a:satMod val="300000"/>
-              </a:schemeClr>
-            </a:gs>
-            <a:gs pos="100000">
-              <a:schemeClr val="phClr">
-                <a:tint val="15000"/>
-                <a:satMod val="350000"/>
-              </a:schemeClr>
-            </a:gs>
-          </a:gsLst>
-          <a:lin ang="16200000" scaled="1"/>
-        </a:gradFill>
-        <a:gradFill rotWithShape="1">
-          <a:gsLst>
-            <a:gs pos="0">
-              <a:schemeClr val="phClr">
-                <a:tint val="100000"/>
-                <a:shade val="100000"/>
-                <a:satMod val="130000"/>
-              </a:schemeClr>
-            </a:gs>
-            <a:gs pos="100000">
-              <a:schemeClr val="phClr">
-                <a:tint val="50000"/>
-                <a:shade val="100000"/>
-                <a:satMod val="350000"/>
-              </a:schemeClr>
-            </a:gs>
-          </a:gsLst>
-          <a:lin ang="16200000" scaled="0"/>
-        </a:gradFill>
-      </a:fillStyleLst>
-      <a:lnStyleLst>
-        <a:ln w="9525" cap="flat" cmpd="sng" algn="ctr">
-          <a:solidFill>
-            <a:schemeClr val="phClr">
-              <a:shade val="95000"/>
-              <a:satMod val="105000"/>
-            </a:schemeClr>
-          </a:solidFill>
-          <a:prstDash val="solid"/>
-        </a:ln>
-        <a:ln w="25400" cap="flat" cmpd="sng" algn="ctr">
-          <a:solidFill>
-            <a:schemeClr val="phClr"/>
-          </a:solidFill>
-          <a:prstDash val="solid"/>
-        </a:ln>
-        <a:ln w="38100" cap="flat" cmpd="sng" algn="ctr">
-          <a:solidFill>
-            <a:schemeClr val="phClr"/>
-          </a:solidFill>
-          <a:prstDash val="solid"/>
-        </a:ln>
-      </a:lnStyleLst>
-      <a:effectStyleLst>
-        <a:effectStyle>
-          <a:effectLst>
-            <a:outerShdw blurRad="40000" dist="20000" dir="5400000" rotWithShape="0">
-              <a:srgbClr val="000000">
-                <a:alpha val="38000"/>
-              </a:srgbClr>
-            </a:outerShdw>
-          </a:effectLst>
-        </a:effectStyle>
-        <a:effectStyle>
-          <a:effectLst>
-            <a:outerShdw blurRad="40000" dist="23000" dir="5400000" rotWithShape="0">
-              <a:srgbClr val="000000">
-                <a:alpha val="35000"/>
-              </a:srgbClr>
-            </a:outerShdw>
-          </a:effectLst>
-        </a:effectStyle>
-        <a:effectStyle>
-          <a:effectLst>
-            <a:outerShdw blurRad="40000" dist="23000" dir="5400000" rotWithShape="0">
-              <a:srgbClr val="000000">
-                <a:alpha val="35000"/>
-              </a:srgbClr>
-            </a:outerShdw>
-          </a:effectLst>
-          <a:scene3d>
-            <a:camera prst="orthographicFront">
-              <a:rot lat="0" lon="0" rev="0"/>
-            </a:camera>
-            <a:lightRig rig="threePt" dir="t">
-              <a:rot lat="0" lon="0" rev="1200000"/>
-            </a:lightRig>
-          </a:scene3d>
-          <a:sp3d>
-            <a:bevelT w="63500" h="25400"/>
-          </a:sp3d>
-        </a:effectStyle>
-      </a:effectStyleLst>
-      <a:bgFillStyleLst>
-        <a:solidFill>
-          <a:schemeClr val="phClr"/>
-        </a:solidFill>
-        <a:gradFill rotWithShape="1">
-          <a:gsLst>
-            <a:gs pos="0">
-              <a:schemeClr val="phClr">
-                <a:tint val="40000"/>
-                <a:satMod val="350000"/>
-              </a:schemeClr>
-            </a:gs>
-            <a:gs pos="40000">
-              <a:schemeClr val="phClr">
-                <a:tint val="45000"/>
-                <a:shade val="99000"/>
-                <a:satMod val="350000"/>
-              </a:schemeClr>
-            </a:gs>
-            <a:gs pos="100000">
-              <a:schemeClr val="phClr">
-                <a:shade val="20000"/>
-                <a:satMod val="255000"/>
-              </a:schemeClr>
-            </a:gs>
-          </a:gsLst>
-          <a:path path="circle">
-            <a:fillToRect l="50000" t="-80000" r="50000" b="180000"/>
-          </a:path>
-        </a:gradFill>
-        <a:gradFill rotWithShape="1">
-          <a:gsLst>
-            <a:gs pos="0">
-              <a:schemeClr val="phClr">
-                <a:tint val="80000"/>
-                <a:satMod val="300000"/>
-              </a:schemeClr>
-            </a:gs>
-            <a:gs pos="100000">
-              <a:schemeClr val="phClr">
-                <a:shade val="30000"/>
-                <a:satMod val="200000"/>
-              </a:schemeClr>
-            </a:gs>
-          </a:gsLst>
-          <a:path path="circle">
-            <a:fillToRect l="50000" t="50000" r="50000" b="50000"/>
-          </a:path>
-        </a:gradFill>
-      </a:bgFillStyleLst>
-    </a:fmtScheme>
-  </a:themeElements>
-</a:theme>
 </file>
--- a/documents/presentations/spring.pptx
+++ b/documents/presentations/spring.pptx
@@ -572,18 +572,6 @@
             <a:r>
               <a:rPr lang="en-US"/>
               <a:t>Josh</a:t>
-            </a:r>
-          </a:p>
-          <a:p>
-            <a:pPr lvl="0">
-              <a:spcBef>
-                <a:spcPts val="0"/>
-              </a:spcBef>
-              <a:buNone/>
-            </a:pPr>
-            <a:r>
-              <a:rPr lang="en-US"/>
-              <a:t>Mention the agility of git as well as the effect git had on our agility.</a:t>
             </a:r>
           </a:p>
         </p:txBody>
@@ -13689,6 +13677,17 @@
             </a:pPr>
             <a:r>
               <a:rPr lang="en-US"/>
+              <a:t>Artificial intelligence</a:t>
+            </a:r>
+          </a:p>
+          <a:p>
+            <a:pPr indent="-228600" lvl="0" marL="457200" rtl="0">
+              <a:spcBef>
+                <a:spcPts val="0"/>
+              </a:spcBef>
+            </a:pPr>
+            <a:r>
+              <a:rPr lang="en-US"/>
               <a:t>Multiplayer</a:t>
             </a:r>
           </a:p>
@@ -15137,6 +15136,285 @@
 </file>
 
 <file path=ppt/theme/theme1.xml><?xml version="1.0" encoding="utf-8"?>
+<a:theme xmlns:a="http://schemas.openxmlformats.org/drawingml/2006/main" xmlns:r="http://schemas.openxmlformats.org/officeDocument/2006/relationships" name="Office Theme">
+  <a:themeElements>
+    <a:clrScheme name="cool-text">
+      <a:dk1>
+        <a:srgbClr val="FFFFFF"/>
+      </a:dk1>
+      <a:lt1>
+        <a:srgbClr val="FFFFFF"/>
+      </a:lt1>
+      <a:dk2>
+        <a:srgbClr val="FFFFFF"/>
+      </a:dk2>
+      <a:lt2>
+        <a:srgbClr val="FFFFFF"/>
+      </a:lt2>
+      <a:accent1>
+        <a:srgbClr val="FFFFFF"/>
+      </a:accent1>
+      <a:accent2>
+        <a:srgbClr val="FFFFFF"/>
+      </a:accent2>
+      <a:accent3>
+        <a:srgbClr val="FFFFFF"/>
+      </a:accent3>
+      <a:accent4>
+        <a:srgbClr val="FFFFFF"/>
+      </a:accent4>
+      <a:accent5>
+        <a:srgbClr val="FFFFFF"/>
+      </a:accent5>
+      <a:accent6>
+        <a:srgbClr val="FFFFFF"/>
+      </a:accent6>
+      <a:hlink>
+        <a:srgbClr val="FFFFFF"/>
+      </a:hlink>
+      <a:folHlink>
+        <a:srgbClr val="FFFFFF"/>
+      </a:folHlink>
+    </a:clrScheme>
+    <a:fontScheme name="Office">
+      <a:majorFont>
+        <a:latin typeface="Arial"/>
+        <a:ea typeface=""/>
+        <a:cs typeface=""/>
+        <a:font script="Jpan" typeface="ＭＳ Ｐゴシック"/>
+        <a:font script="Hang" typeface="맑은 고딕"/>
+        <a:font script="Hans" typeface="宋体"/>
+        <a:font script="Hant" typeface="新細明體"/>
+        <a:font script="Arab" typeface="Times New Roman"/>
+        <a:font script="Hebr" typeface="Times New Roman"/>
+        <a:font script="Thai" typeface="Angsana New"/>
+        <a:font script="Ethi" typeface="Nyala"/>
+        <a:font script="Beng" typeface="Vrinda"/>
+        <a:font script="Gujr" typeface="Shruti"/>
+        <a:font script="Khmr" typeface="MoolBoran"/>
+        <a:font script="Knda" typeface="Tunga"/>
+        <a:font script="Guru" typeface="Raavi"/>
+        <a:font script="Cans" typeface="Euphemia"/>
+        <a:font script="Cher" typeface="Plantagenet Cherokee"/>
+        <a:font script="Yiii" typeface="Microsoft Yi Baiti"/>
+        <a:font script="Tibt" typeface="Microsoft Himalaya"/>
+        <a:font script="Thaa" typeface="MV Boli"/>
+        <a:font script="Deva" typeface="Mangal"/>
+        <a:font script="Telu" typeface="Gautami"/>
+        <a:font script="Taml" typeface="Latha"/>
+        <a:font script="Syrc" typeface="Estrangelo Edessa"/>
+        <a:font script="Orya" typeface="Kalinga"/>
+        <a:font script="Mlym" typeface="Kartika"/>
+        <a:font script="Laoo" typeface="DokChampa"/>
+        <a:font script="Sinh" typeface="Iskoola Pota"/>
+        <a:font script="Mong" typeface="Mongolian Baiti"/>
+        <a:font script="Viet" typeface="Times New Roman"/>
+        <a:font script="Uigh" typeface="Microsoft Uighur"/>
+        <a:font script="Geor" typeface="Sylfaen"/>
+      </a:majorFont>
+      <a:minorFont>
+        <a:latin typeface="Arial"/>
+        <a:ea typeface=""/>
+        <a:cs typeface=""/>
+        <a:font script="Jpan" typeface="ＭＳ Ｐゴシック"/>
+        <a:font script="Hang" typeface="맑은 고딕"/>
+        <a:font script="Hans" typeface="宋体"/>
+        <a:font script="Hant" typeface="新細明體"/>
+        <a:font script="Arab" typeface="Arial"/>
+        <a:font script="Hebr" typeface="Arial"/>
+        <a:font script="Thai" typeface="Cordia New"/>
+        <a:font script="Ethi" typeface="Nyala"/>
+        <a:font script="Beng" typeface="Vrinda"/>
+        <a:font script="Gujr" typeface="Shruti"/>
+        <a:font script="Khmr" typeface="DaunPenh"/>
+        <a:font script="Knda" typeface="Tunga"/>
+        <a:font script="Guru" typeface="Raavi"/>
+        <a:font script="Cans" typeface="Euphemia"/>
+        <a:font script="Cher" typeface="Plantagenet Cherokee"/>
+        <a:font script="Yiii" typeface="Microsoft Yi Baiti"/>
+        <a:font script="Tibt" typeface="Microsoft Himalaya"/>
+        <a:font script="Thaa" typeface="MV Boli"/>
+        <a:font script="Deva" typeface="Mangal"/>
+        <a:font script="Telu" typeface="Gautami"/>
+        <a:font script="Taml" typeface="Latha"/>
+        <a:font script="Syrc" typeface="Estrangelo Edessa"/>
+        <a:font script="Orya" typeface="Kalinga"/>
+        <a:font script="Mlym" typeface="Kartika"/>
+        <a:font script="Laoo" typeface="DokChampa"/>
+        <a:font script="Sinh" typeface="Iskoola Pota"/>
+        <a:font script="Mong" typeface="Mongolian Baiti"/>
+        <a:font script="Viet" typeface="Arial"/>
+        <a:font script="Uigh" typeface="Microsoft Uighur"/>
+        <a:font script="Geor" typeface="Sylfaen"/>
+      </a:minorFont>
+    </a:fontScheme>
+    <a:fmtScheme name="Office">
+      <a:fillStyleLst>
+        <a:solidFill>
+          <a:schemeClr val="phClr"/>
+        </a:solidFill>
+        <a:gradFill rotWithShape="1">
+          <a:gsLst>
+            <a:gs pos="0">
+              <a:schemeClr val="phClr">
+                <a:tint val="50000"/>
+                <a:satMod val="300000"/>
+              </a:schemeClr>
+            </a:gs>
+            <a:gs pos="35000">
+              <a:schemeClr val="phClr">
+                <a:tint val="37000"/>
+                <a:satMod val="300000"/>
+              </a:schemeClr>
+            </a:gs>
+            <a:gs pos="100000">
+              <a:schemeClr val="phClr">
+                <a:tint val="15000"/>
+                <a:satMod val="350000"/>
+              </a:schemeClr>
+            </a:gs>
+          </a:gsLst>
+          <a:lin ang="16200000" scaled="1"/>
+        </a:gradFill>
+        <a:gradFill rotWithShape="1">
+          <a:gsLst>
+            <a:gs pos="0">
+              <a:schemeClr val="phClr">
+                <a:tint val="100000"/>
+                <a:shade val="100000"/>
+                <a:satMod val="130000"/>
+              </a:schemeClr>
+            </a:gs>
+            <a:gs pos="100000">
+              <a:schemeClr val="phClr">
+                <a:tint val="50000"/>
+                <a:shade val="100000"/>
+                <a:satMod val="350000"/>
+              </a:schemeClr>
+            </a:gs>
+          </a:gsLst>
+          <a:lin ang="16200000" scaled="0"/>
+        </a:gradFill>
+      </a:fillStyleLst>
+      <a:lnStyleLst>
+        <a:ln w="9525" cap="flat" cmpd="sng" algn="ctr">
+          <a:solidFill>
+            <a:schemeClr val="phClr">
+              <a:shade val="95000"/>
+              <a:satMod val="105000"/>
+            </a:schemeClr>
+          </a:solidFill>
+          <a:prstDash val="solid"/>
+        </a:ln>
+        <a:ln w="25400" cap="flat" cmpd="sng" algn="ctr">
+          <a:solidFill>
+            <a:schemeClr val="phClr"/>
+          </a:solidFill>
+          <a:prstDash val="solid"/>
+        </a:ln>
+        <a:ln w="38100" cap="flat" cmpd="sng" algn="ctr">
+          <a:solidFill>
+            <a:schemeClr val="phClr"/>
+          </a:solidFill>
+          <a:prstDash val="solid"/>
+        </a:ln>
+      </a:lnStyleLst>
+      <a:effectStyleLst>
+        <a:effectStyle>
+          <a:effectLst>
+            <a:outerShdw blurRad="40000" dist="20000" dir="5400000" rotWithShape="0">
+              <a:srgbClr val="000000">
+                <a:alpha val="38000"/>
+              </a:srgbClr>
+            </a:outerShdw>
+          </a:effectLst>
+        </a:effectStyle>
+        <a:effectStyle>
+          <a:effectLst>
+            <a:outerShdw blurRad="40000" dist="23000" dir="5400000" rotWithShape="0">
+              <a:srgbClr val="000000">
+                <a:alpha val="35000"/>
+              </a:srgbClr>
+            </a:outerShdw>
+          </a:effectLst>
+        </a:effectStyle>
+        <a:effectStyle>
+          <a:effectLst>
+            <a:outerShdw blurRad="40000" dist="23000" dir="5400000" rotWithShape="0">
+              <a:srgbClr val="000000">
+                <a:alpha val="35000"/>
+              </a:srgbClr>
+            </a:outerShdw>
+          </a:effectLst>
+          <a:scene3d>
+            <a:camera prst="orthographicFront">
+              <a:rot lat="0" lon="0" rev="0"/>
+            </a:camera>
+            <a:lightRig rig="threePt" dir="t">
+              <a:rot lat="0" lon="0" rev="1200000"/>
+            </a:lightRig>
+          </a:scene3d>
+          <a:sp3d>
+            <a:bevelT w="63500" h="25400"/>
+          </a:sp3d>
+        </a:effectStyle>
+      </a:effectStyleLst>
+      <a:bgFillStyleLst>
+        <a:solidFill>
+          <a:schemeClr val="phClr"/>
+        </a:solidFill>
+        <a:gradFill rotWithShape="1">
+          <a:gsLst>
+            <a:gs pos="0">
+              <a:schemeClr val="phClr">
+                <a:tint val="40000"/>
+                <a:satMod val="350000"/>
+              </a:schemeClr>
+            </a:gs>
+            <a:gs pos="40000">
+              <a:schemeClr val="phClr">
+                <a:tint val="45000"/>
+                <a:shade val="99000"/>
+                <a:satMod val="350000"/>
+              </a:schemeClr>
+            </a:gs>
+            <a:gs pos="100000">
+              <a:schemeClr val="phClr">
+                <a:shade val="20000"/>
+                <a:satMod val="255000"/>
+              </a:schemeClr>
+            </a:gs>
+          </a:gsLst>
+          <a:path path="circle">
+            <a:fillToRect l="50000" t="-80000" r="50000" b="180000"/>
+          </a:path>
+        </a:gradFill>
+        <a:gradFill rotWithShape="1">
+          <a:gsLst>
+            <a:gs pos="0">
+              <a:schemeClr val="phClr">
+                <a:tint val="80000"/>
+                <a:satMod val="300000"/>
+              </a:schemeClr>
+            </a:gs>
+            <a:gs pos="100000">
+              <a:schemeClr val="phClr">
+                <a:shade val="30000"/>
+                <a:satMod val="200000"/>
+              </a:schemeClr>
+            </a:gs>
+          </a:gsLst>
+          <a:path path="circle">
+            <a:fillToRect l="50000" t="50000" r="50000" b="50000"/>
+          </a:path>
+        </a:gradFill>
+      </a:bgFillStyleLst>
+    </a:fmtScheme>
+  </a:themeElements>
+</a:theme>
+</file>
+
+<file path=ppt/theme/theme2.xml><?xml version="1.0" encoding="utf-8"?>
 <a:theme xmlns:a="http://schemas.openxmlformats.org/drawingml/2006/main" xmlns:r="http://schemas.openxmlformats.org/officeDocument/2006/relationships" name="Custom Theme">
   <a:themeElements>
     <a:clrScheme name="Default">
@@ -15413,283 +15691,4 @@
     </a:fmtScheme>
   </a:themeElements>
 </a:theme>
-</file>
-
-<file path=ppt/theme/theme2.xml><?xml version="1.0" encoding="utf-8"?>
-<a:theme xmlns:a="http://schemas.openxmlformats.org/drawingml/2006/main" xmlns:r="http://schemas.openxmlformats.org/officeDocument/2006/relationships" name="Office Theme">
-  <a:themeElements>
-    <a:clrScheme name="cool-text">
-      <a:dk1>
-        <a:srgbClr val="FFFFFF"/>
-      </a:dk1>
-      <a:lt1>
-        <a:srgbClr val="FFFFFF"/>
-      </a:lt1>
-      <a:dk2>
-        <a:srgbClr val="FFFFFF"/>
-      </a:dk2>
-      <a:lt2>
-        <a:srgbClr val="FFFFFF"/>
-      </a:lt2>
-      <a:accent1>
-        <a:srgbClr val="FFFFFF"/>
-      </a:accent1>
-      <a:accent2>
-        <a:srgbClr val="FFFFFF"/>
-      </a:accent2>
-      <a:accent3>
-        <a:srgbClr val="FFFFFF"/>
-      </a:accent3>
-      <a:accent4>
-        <a:srgbClr val="FFFFFF"/>
-      </a:accent4>
-      <a:accent5>
-        <a:srgbClr val="FFFFFF"/>
-      </a:accent5>
-      <a:accent6>
-        <a:srgbClr val="FFFFFF"/>
-      </a:accent6>
-      <a:hlink>
-        <a:srgbClr val="FFFFFF"/>
-      </a:hlink>
-      <a:folHlink>
-        <a:srgbClr val="FFFFFF"/>
-      </a:folHlink>
-    </a:clrScheme>
-    <a:fontScheme name="Office">
-      <a:majorFont>
-        <a:latin typeface="Arial"/>
-        <a:ea typeface=""/>
-        <a:cs typeface=""/>
-        <a:font script="Jpan" typeface="ＭＳ Ｐゴシック"/>
-        <a:font script="Hang" typeface="맑은 고딕"/>
-        <a:font script="Hans" typeface="宋体"/>
-        <a:font script="Hant" typeface="新細明體"/>
-        <a:font script="Arab" typeface="Times New Roman"/>
-        <a:font script="Hebr" typeface="Times New Roman"/>
-        <a:font script="Thai" typeface="Angsana New"/>
-        <a:font script="Ethi" typeface="Nyala"/>
-        <a:font script="Beng" typeface="Vrinda"/>
-        <a:font script="Gujr" typeface="Shruti"/>
-        <a:font script="Khmr" typeface="MoolBoran"/>
-        <a:font script="Knda" typeface="Tunga"/>
-        <a:font script="Guru" typeface="Raavi"/>
-        <a:font script="Cans" typeface="Euphemia"/>
-        <a:font script="Cher" typeface="Plantagenet Cherokee"/>
-        <a:font script="Yiii" typeface="Microsoft Yi Baiti"/>
-        <a:font script="Tibt" typeface="Microsoft Himalaya"/>
-        <a:font script="Thaa" typeface="MV Boli"/>
-        <a:font script="Deva" typeface="Mangal"/>
-        <a:font script="Telu" typeface="Gautami"/>
-        <a:font script="Taml" typeface="Latha"/>
-        <a:font script="Syrc" typeface="Estrangelo Edessa"/>
-        <a:font script="Orya" typeface="Kalinga"/>
-        <a:font script="Mlym" typeface="Kartika"/>
-        <a:font script="Laoo" typeface="DokChampa"/>
-        <a:font script="Sinh" typeface="Iskoola Pota"/>
-        <a:font script="Mong" typeface="Mongolian Baiti"/>
-        <a:font script="Viet" typeface="Times New Roman"/>
-        <a:font script="Uigh" typeface="Microsoft Uighur"/>
-        <a:font script="Geor" typeface="Sylfaen"/>
-      </a:majorFont>
-      <a:minorFont>
-        <a:latin typeface="Arial"/>
-        <a:ea typeface=""/>
-        <a:cs typeface=""/>
-        <a:font script="Jpan" typeface="ＭＳ Ｐゴシック"/>
-        <a:font script="Hang" typeface="맑은 고딕"/>
-        <a:font script="Hans" typeface="宋体"/>
-        <a:font script="Hant" typeface="新細明體"/>
-        <a:font script="Arab" typeface="Arial"/>
-        <a:font script="Hebr" typeface="Arial"/>
-        <a:font script="Thai" typeface="Cordia New"/>
-        <a:font script="Ethi" typeface="Nyala"/>
-        <a:font script="Beng" typeface="Vrinda"/>
-        <a:font script="Gujr" typeface="Shruti"/>
-        <a:font script="Khmr" typeface="DaunPenh"/>
-        <a:font script="Knda" typeface="Tunga"/>
-        <a:font script="Guru" typeface="Raavi"/>
-        <a:font script="Cans" typeface="Euphemia"/>
-        <a:font script="Cher" typeface="Plantagenet Cherokee"/>
-        <a:font script="Yiii" typeface="Microsoft Yi Baiti"/>
-        <a:font script="Tibt" typeface="Microsoft Himalaya"/>
-        <a:font script="Thaa" typeface="MV Boli"/>
-        <a:font script="Deva" typeface="Mangal"/>
-        <a:font script="Telu" typeface="Gautami"/>
-        <a:font script="Taml" typeface="Latha"/>
-        <a:font script="Syrc" typeface="Estrangelo Edessa"/>
-        <a:font script="Orya" typeface="Kalinga"/>
-        <a:font script="Mlym" typeface="Kartika"/>
-        <a:font script="Laoo" typeface="DokChampa"/>
-        <a:font script="Sinh" typeface="Iskoola Pota"/>
-        <a:font script="Mong" typeface="Mongolian Baiti"/>
-        <a:font script="Viet" typeface="Arial"/>
-        <a:font script="Uigh" typeface="Microsoft Uighur"/>
-        <a:font script="Geor" typeface="Sylfaen"/>
-      </a:minorFont>
-    </a:fontScheme>
-    <a:fmtScheme name="Office">
-      <a:fillStyleLst>
-        <a:solidFill>
-          <a:schemeClr val="phClr"/>
-        </a:solidFill>
-        <a:gradFill rotWithShape="1">
-          <a:gsLst>
-            <a:gs pos="0">
-              <a:schemeClr val="phClr">
-                <a:tint val="50000"/>
-                <a:satMod val="300000"/>
-              </a:schemeClr>
-            </a:gs>
-            <a:gs pos="35000">
-              <a:schemeClr val="phClr">
-                <a:tint val="37000"/>
-                <a:satMod val="300000"/>
-              </a:schemeClr>
-            </a:gs>
-            <a:gs pos="100000">
-              <a:schemeClr val="phClr">
-                <a:tint val="15000"/>
-                <a:satMod val="350000"/>
-              </a:schemeClr>
-            </a:gs>
-          </a:gsLst>
-          <a:lin ang="16200000" scaled="1"/>
-        </a:gradFill>
-        <a:gradFill rotWithShape="1">
-          <a:gsLst>
-            <a:gs pos="0">
-              <a:schemeClr val="phClr">
-                <a:tint val="100000"/>
-                <a:shade val="100000"/>
-                <a:satMod val="130000"/>
-              </a:schemeClr>
-            </a:gs>
-            <a:gs pos="100000">
-              <a:schemeClr val="phClr">
-                <a:tint val="50000"/>
-                <a:shade val="100000"/>
-                <a:satMod val="350000"/>
-              </a:schemeClr>
-            </a:gs>
-          </a:gsLst>
-          <a:lin ang="16200000" scaled="0"/>
-        </a:gradFill>
-      </a:fillStyleLst>
-      <a:lnStyleLst>
-        <a:ln w="9525" cap="flat" cmpd="sng" algn="ctr">
-          <a:solidFill>
-            <a:schemeClr val="phClr">
-              <a:shade val="95000"/>
-              <a:satMod val="105000"/>
-            </a:schemeClr>
-          </a:solidFill>
-          <a:prstDash val="solid"/>
-        </a:ln>
-        <a:ln w="25400" cap="flat" cmpd="sng" algn="ctr">
-          <a:solidFill>
-            <a:schemeClr val="phClr"/>
-          </a:solidFill>
-          <a:prstDash val="solid"/>
-        </a:ln>
-        <a:ln w="38100" cap="flat" cmpd="sng" algn="ctr">
-          <a:solidFill>
-            <a:schemeClr val="phClr"/>
-          </a:solidFill>
-          <a:prstDash val="solid"/>
-        </a:ln>
-      </a:lnStyleLst>
-      <a:effectStyleLst>
-        <a:effectStyle>
-          <a:effectLst>
-            <a:outerShdw blurRad="40000" dist="20000" dir="5400000" rotWithShape="0">
-              <a:srgbClr val="000000">
-                <a:alpha val="38000"/>
-              </a:srgbClr>
-            </a:outerShdw>
-          </a:effectLst>
-        </a:effectStyle>
-        <a:effectStyle>
-          <a:effectLst>
-            <a:outerShdw blurRad="40000" dist="23000" dir="5400000" rotWithShape="0">
-              <a:srgbClr val="000000">
-                <a:alpha val="35000"/>
-              </a:srgbClr>
-            </a:outerShdw>
-          </a:effectLst>
-        </a:effectStyle>
-        <a:effectStyle>
-          <a:effectLst>
-            <a:outerShdw blurRad="40000" dist="23000" dir="5400000" rotWithShape="0">
-              <a:srgbClr val="000000">
-                <a:alpha val="35000"/>
-              </a:srgbClr>
-            </a:outerShdw>
-          </a:effectLst>
-          <a:scene3d>
-            <a:camera prst="orthographicFront">
-              <a:rot lat="0" lon="0" rev="0"/>
-            </a:camera>
-            <a:lightRig rig="threePt" dir="t">
-              <a:rot lat="0" lon="0" rev="1200000"/>
-            </a:lightRig>
-          </a:scene3d>
-          <a:sp3d>
-            <a:bevelT w="63500" h="25400"/>
-          </a:sp3d>
-        </a:effectStyle>
-      </a:effectStyleLst>
-      <a:bgFillStyleLst>
-        <a:solidFill>
-          <a:schemeClr val="phClr"/>
-        </a:solidFill>
-        <a:gradFill rotWithShape="1">
-          <a:gsLst>
-            <a:gs pos="0">
-              <a:schemeClr val="phClr">
-                <a:tint val="40000"/>
-                <a:satMod val="350000"/>
-              </a:schemeClr>
-            </a:gs>
-            <a:gs pos="40000">
-              <a:schemeClr val="phClr">
-                <a:tint val="45000"/>
-                <a:shade val="99000"/>
-                <a:satMod val="350000"/>
-              </a:schemeClr>
-            </a:gs>
-            <a:gs pos="100000">
-              <a:schemeClr val="phClr">
-                <a:shade val="20000"/>
-                <a:satMod val="255000"/>
-              </a:schemeClr>
-            </a:gs>
-          </a:gsLst>
-          <a:path path="circle">
-            <a:fillToRect l="50000" t="-80000" r="50000" b="180000"/>
-          </a:path>
-        </a:gradFill>
-        <a:gradFill rotWithShape="1">
-          <a:gsLst>
-            <a:gs pos="0">
-              <a:schemeClr val="phClr">
-                <a:tint val="80000"/>
-                <a:satMod val="300000"/>
-              </a:schemeClr>
-            </a:gs>
-            <a:gs pos="100000">
-              <a:schemeClr val="phClr">
-                <a:shade val="30000"/>
-                <a:satMod val="200000"/>
-              </a:schemeClr>
-            </a:gs>
-          </a:gsLst>
-          <a:path path="circle">
-            <a:fillToRect l="50000" t="50000" r="50000" b="50000"/>
-          </a:path>
-        </a:gradFill>
-      </a:bgFillStyleLst>
-    </a:fmtScheme>
-  </a:themeElements>
-</a:theme>
 </file>